--- a/Presentation.pptx
+++ b/Presentation.pptx
@@ -5,7 +5,7 @@
     <p:sldMasterId id="2147483694" r:id="rId4"/>
   </p:sldMasterIdLst>
   <p:notesMasterIdLst>
-    <p:notesMasterId r:id="rId14"/>
+    <p:notesMasterId r:id="rId18"/>
   </p:notesMasterIdLst>
   <p:sldIdLst>
     <p:sldId id="278" r:id="rId5"/>
@@ -16,7 +16,11 @@
     <p:sldId id="284" r:id="rId10"/>
     <p:sldId id="287" r:id="rId11"/>
     <p:sldId id="286" r:id="rId12"/>
-    <p:sldId id="288" r:id="rId13"/>
+    <p:sldId id="289" r:id="rId13"/>
+    <p:sldId id="288" r:id="rId14"/>
+    <p:sldId id="290" r:id="rId15"/>
+    <p:sldId id="291" r:id="rId16"/>
+    <p:sldId id="292" r:id="rId17"/>
   </p:sldIdLst>
   <p:sldSz cx="12192000" cy="6858000"/>
   <p:notesSz cx="6858000" cy="9144000"/>
@@ -5493,7 +5497,7 @@
           <a:p>
             <a:fld id="{AFD01546-198A-4195-BCF8-F0FF54C90E5E}" type="datetimeFigureOut">
               <a:rPr lang="en-US" smtClean="0"/>
-              <a:t>6/30/2022</a:t>
+              <a:t>7/1/2022</a:t>
             </a:fld>
             <a:endParaRPr lang="en-US" dirty="0"/>
           </a:p>
@@ -6090,7 +6094,7 @@
           <a:p>
             <a:fld id="{88D38747-4367-4BD2-8D51-C97E202738E2}" type="datetime1">
               <a:rPr lang="en-US" smtClean="0"/>
-              <a:t>6/30/2022</a:t>
+              <a:t>7/1/2022</a:t>
             </a:fld>
             <a:endParaRPr lang="en-US" dirty="0"/>
           </a:p>
@@ -6366,7 +6370,7 @@
           <a:p>
             <a:fld id="{11F1B079-7EF0-44EE-B798-BCC497C9F3B2}" type="datetime1">
               <a:rPr lang="en-US" smtClean="0"/>
-              <a:t>6/30/2022</a:t>
+              <a:t>7/1/2022</a:t>
             </a:fld>
             <a:endParaRPr lang="en-US" dirty="0"/>
           </a:p>
@@ -6560,7 +6564,7 @@
           <a:p>
             <a:fld id="{28FF70A8-1D13-4657-95F0-A9EA54967B8D}" type="datetime1">
               <a:rPr lang="en-US" smtClean="0"/>
-              <a:t>6/30/2022</a:t>
+              <a:t>7/1/2022</a:t>
             </a:fld>
             <a:endParaRPr lang="en-US" dirty="0"/>
           </a:p>
@@ -6833,7 +6837,7 @@
           <a:p>
             <a:fld id="{073ED0CC-082F-4160-86E5-0D6041F12778}" type="datetime1">
               <a:rPr lang="en-US" smtClean="0"/>
-              <a:t>6/30/2022</a:t>
+              <a:t>7/1/2022</a:t>
             </a:fld>
             <a:endParaRPr lang="en-US" dirty="0"/>
           </a:p>
@@ -7175,7 +7179,7 @@
           <a:p>
             <a:fld id="{073ED0CC-082F-4160-86E5-0D6041F12778}" type="datetime1">
               <a:rPr lang="en-US" smtClean="0"/>
-              <a:t>6/30/2022</a:t>
+              <a:t>7/1/2022</a:t>
             </a:fld>
             <a:endParaRPr lang="en-US" dirty="0"/>
           </a:p>
@@ -7799,7 +7803,7 @@
           <a:p>
             <a:fld id="{D9079DC3-C9B5-499E-9140-0DC28B7074E2}" type="datetime1">
               <a:rPr lang="en-US" smtClean="0"/>
-              <a:t>6/30/2022</a:t>
+              <a:t>7/1/2022</a:t>
             </a:fld>
             <a:endParaRPr lang="en-US" dirty="0"/>
           </a:p>
@@ -8659,7 +8663,7 @@
           <a:p>
             <a:fld id="{30BB33EA-E472-4D22-9C03-A9C14AA21CED}" type="datetime1">
               <a:rPr lang="en-US" smtClean="0"/>
-              <a:t>6/30/2022</a:t>
+              <a:t>7/1/2022</a:t>
             </a:fld>
             <a:endParaRPr lang="en-US" dirty="0"/>
           </a:p>
@@ -8829,7 +8833,7 @@
           <a:p>
             <a:fld id="{073ED0CC-082F-4160-86E5-0D6041F12778}" type="datetime1">
               <a:rPr lang="en-US" smtClean="0"/>
-              <a:t>6/30/2022</a:t>
+              <a:t>7/1/2022</a:t>
             </a:fld>
             <a:endParaRPr lang="en-US" dirty="0"/>
           </a:p>
@@ -9010,7 +9014,7 @@
           <a:p>
             <a:fld id="{073ED0CC-082F-4160-86E5-0D6041F12778}" type="datetime1">
               <a:rPr lang="en-US" smtClean="0"/>
-              <a:t>6/30/2022</a:t>
+              <a:t>7/1/2022</a:t>
             </a:fld>
             <a:endParaRPr lang="en-US" dirty="0"/>
           </a:p>
@@ -9181,7 +9185,7 @@
           <a:p>
             <a:fld id="{73C55A3C-5767-4844-A0A3-83778C2E5409}" type="datetime1">
               <a:rPr lang="en-US" smtClean="0"/>
-              <a:t>6/30/2022</a:t>
+              <a:t>7/1/2022</a:t>
             </a:fld>
             <a:endParaRPr lang="en-US" dirty="0"/>
           </a:p>
@@ -9428,7 +9432,7 @@
           <a:p>
             <a:fld id="{CAE507A8-A5CF-4D38-AB86-7EDDA87A85D4}" type="datetime1">
               <a:rPr lang="en-US" smtClean="0"/>
-              <a:t>6/30/2022</a:t>
+              <a:t>7/1/2022</a:t>
             </a:fld>
             <a:endParaRPr lang="en-US" dirty="0"/>
           </a:p>
@@ -9721,7 +9725,7 @@
           <a:p>
             <a:fld id="{BDFCD27C-8599-43EF-BA1D-14DDC1946E06}" type="datetime1">
               <a:rPr lang="en-US" smtClean="0"/>
-              <a:t>6/30/2022</a:t>
+              <a:t>7/1/2022</a:t>
             </a:fld>
             <a:endParaRPr lang="en-US" dirty="0"/>
           </a:p>
@@ -10165,7 +10169,7 @@
           <a:p>
             <a:fld id="{49343D99-809A-49C0-96E5-4250D0B498EE}" type="datetime1">
               <a:rPr lang="en-US" smtClean="0"/>
-              <a:t>6/30/2022</a:t>
+              <a:t>7/1/2022</a:t>
             </a:fld>
             <a:endParaRPr lang="en-US" dirty="0"/>
           </a:p>
@@ -10283,7 +10287,7 @@
           <a:p>
             <a:fld id="{A143DE9B-B678-4EFB-BB7D-A4370204A0B0}" type="datetime1">
               <a:rPr lang="en-US" smtClean="0"/>
-              <a:t>6/30/2022</a:t>
+              <a:t>7/1/2022</a:t>
             </a:fld>
             <a:endParaRPr lang="en-US" dirty="0"/>
           </a:p>
@@ -10378,7 +10382,7 @@
           <a:p>
             <a:fld id="{E68812DA-F765-4142-A6A3-A8ED7235E082}" type="datetime1">
               <a:rPr lang="en-US" smtClean="0"/>
-              <a:t>6/30/2022</a:t>
+              <a:t>7/1/2022</a:t>
             </a:fld>
             <a:endParaRPr lang="en-US" dirty="0"/>
           </a:p>
@@ -10657,7 +10661,7 @@
           <a:p>
             <a:fld id="{3E0277FD-7DE6-41D4-930D-AC99F5AFE54E}" type="datetime1">
               <a:rPr lang="en-US" smtClean="0"/>
-              <a:t>6/30/2022</a:t>
+              <a:t>7/1/2022</a:t>
             </a:fld>
             <a:endParaRPr lang="en-US" dirty="0"/>
           </a:p>
@@ -10933,7 +10937,7 @@
           <a:p>
             <a:fld id="{9EA15526-7079-4B7B-987C-1B5FAE11A0FF}" type="datetime1">
               <a:rPr lang="en-US" smtClean="0"/>
-              <a:t>6/30/2022</a:t>
+              <a:t>7/1/2022</a:t>
             </a:fld>
             <a:endParaRPr lang="en-US" dirty="0"/>
           </a:p>
@@ -11363,7 +11367,7 @@
           <a:p>
             <a:fld id="{073ED0CC-082F-4160-86E5-0D6041F12778}" type="datetime1">
               <a:rPr lang="en-US" smtClean="0"/>
-              <a:t>6/30/2022</a:t>
+              <a:t>7/1/2022</a:t>
             </a:fld>
             <a:endParaRPr lang="en-US" dirty="0"/>
           </a:p>
@@ -12038,6 +12042,3732 @@
 </p:sld>
 </file>
 
+<file path=ppt/slides/slide10.xml><?xml version="1.0" encoding="utf-8"?>
+<p:sld xmlns:a="http://schemas.openxmlformats.org/drawingml/2006/main" xmlns:r="http://schemas.openxmlformats.org/officeDocument/2006/relationships" xmlns:p="http://schemas.openxmlformats.org/presentationml/2006/main">
+  <p:cSld>
+    <p:bg>
+      <p:bgPr>
+        <a:solidFill>
+          <a:schemeClr val="bg1"/>
+        </a:solidFill>
+        <a:effectLst/>
+      </p:bgPr>
+    </p:bg>
+    <p:spTree>
+      <p:nvGrpSpPr>
+        <p:cNvPr id="1" name=""/>
+        <p:cNvGrpSpPr/>
+        <p:nvPr/>
+      </p:nvGrpSpPr>
+      <p:grpSpPr>
+        <a:xfrm>
+          <a:off x="0" y="0"/>
+          <a:ext cx="0" cy="0"/>
+          <a:chOff x="0" y="0"/>
+          <a:chExt cx="0" cy="0"/>
+        </a:xfrm>
+      </p:grpSpPr>
+      <p:sp>
+        <p:nvSpPr>
+          <p:cNvPr id="1042" name="Rectangle 1041">
+            <a:extLst>
+              <a:ext uri="{FF2B5EF4-FFF2-40B4-BE49-F238E27FC236}">
+                <a16:creationId xmlns:a16="http://schemas.microsoft.com/office/drawing/2014/main" id="{B4AAD3FD-83A5-4B89-9F8F-01B8870865BE}"/>
+              </a:ext>
+              <a:ext uri="{C183D7F6-B498-43B3-948B-1728B52AA6E4}">
+                <adec:decorative xmlns:adec="http://schemas.microsoft.com/office/drawing/2017/decorative" val="1"/>
+              </a:ext>
+            </a:extLst>
+          </p:cNvPr>
+          <p:cNvSpPr>
+            <a:spLocks noGrp="1" noRot="1" noChangeAspect="1" noMove="1" noResize="1" noEditPoints="1" noAdjustHandles="1" noChangeArrowheads="1" noChangeShapeType="1" noTextEdit="1"/>
+          </p:cNvSpPr>
+          <p:nvPr>
+            <p:extLst>
+              <p:ext uri="{386F3935-93C4-4BCD-93E2-E3B085C9AB24}">
+                <p16:designElem xmlns:p16="http://schemas.microsoft.com/office/powerpoint/2015/main" val="1"/>
+              </p:ext>
+            </p:extLst>
+          </p:nvPr>
+        </p:nvSpPr>
+        <p:spPr>
+          <a:xfrm>
+            <a:off x="0" y="0"/>
+            <a:ext cx="12192000" cy="6858000"/>
+          </a:xfrm>
+          <a:prstGeom prst="rect">
+            <a:avLst/>
+          </a:prstGeom>
+          <a:ln>
+            <a:noFill/>
+          </a:ln>
+        </p:spPr>
+        <p:style>
+          <a:lnRef idx="2">
+            <a:schemeClr val="accent1">
+              <a:shade val="50000"/>
+            </a:schemeClr>
+          </a:lnRef>
+          <a:fillRef idx="1003">
+            <a:schemeClr val="dk2"/>
+          </a:fillRef>
+          <a:effectRef idx="0">
+            <a:schemeClr val="accent1"/>
+          </a:effectRef>
+          <a:fontRef idx="minor">
+            <a:schemeClr val="lt1"/>
+          </a:fontRef>
+        </p:style>
+        <p:txBody>
+          <a:bodyPr rtlCol="0" anchor="ctr"/>
+          <a:lstStyle/>
+          <a:p>
+            <a:pPr algn="ctr"/>
+            <a:endParaRPr lang="en-US"/>
+          </a:p>
+        </p:txBody>
+      </p:sp>
+      <p:sp>
+        <p:nvSpPr>
+          <p:cNvPr id="2" name="Title 1">
+            <a:extLst>
+              <a:ext uri="{FF2B5EF4-FFF2-40B4-BE49-F238E27FC236}">
+                <a16:creationId xmlns:a16="http://schemas.microsoft.com/office/drawing/2014/main" id="{CB211D8A-8FF4-7E38-4C69-4BC1C1AD57D5}"/>
+              </a:ext>
+            </a:extLst>
+          </p:cNvPr>
+          <p:cNvSpPr>
+            <a:spLocks noGrp="1"/>
+          </p:cNvSpPr>
+          <p:nvPr>
+            <p:ph type="title"/>
+          </p:nvPr>
+        </p:nvSpPr>
+        <p:spPr>
+          <a:xfrm>
+            <a:off x="648931" y="629266"/>
+            <a:ext cx="4166510" cy="1622321"/>
+          </a:xfrm>
+        </p:spPr>
+        <p:txBody>
+          <a:bodyPr>
+            <a:normAutofit/>
+          </a:bodyPr>
+          <a:lstStyle/>
+          <a:p>
+            <a:pPr>
+              <a:lnSpc>
+                <a:spcPct val="90000"/>
+              </a:lnSpc>
+            </a:pPr>
+            <a:r>
+              <a:rPr lang="en-GB" sz="2600">
+                <a:solidFill>
+                  <a:srgbClr val="EBEBEB"/>
+                </a:solidFill>
+              </a:rPr>
+              <a:t>K-best FEATURE EXTRACTION-SHAP XGBoost</a:t>
+            </a:r>
+            <a:br>
+              <a:rPr lang="en-GB" sz="2600">
+                <a:solidFill>
+                  <a:srgbClr val="EBEBEB"/>
+                </a:solidFill>
+              </a:rPr>
+            </a:br>
+            <a:endParaRPr lang="en-NL" sz="2600">
+              <a:solidFill>
+                <a:srgbClr val="EBEBEB"/>
+              </a:solidFill>
+            </a:endParaRPr>
+          </a:p>
+        </p:txBody>
+      </p:sp>
+      <p:sp>
+        <p:nvSpPr>
+          <p:cNvPr id="1044" name="Freeform 31">
+            <a:extLst>
+              <a:ext uri="{FF2B5EF4-FFF2-40B4-BE49-F238E27FC236}">
+                <a16:creationId xmlns:a16="http://schemas.microsoft.com/office/drawing/2014/main" id="{61752F1D-FC0F-4103-9584-630E643CCDA6}"/>
+              </a:ext>
+              <a:ext uri="{C183D7F6-B498-43B3-948B-1728B52AA6E4}">
+                <adec:decorative xmlns:adec="http://schemas.microsoft.com/office/drawing/2017/decorative" val="1"/>
+              </a:ext>
+            </a:extLst>
+          </p:cNvPr>
+          <p:cNvSpPr>
+            <a:spLocks noGrp="1" noRot="1" noChangeAspect="1" noMove="1" noResize="1" noEditPoints="1" noAdjustHandles="1" noChangeArrowheads="1" noChangeShapeType="1" noTextEdit="1"/>
+          </p:cNvSpPr>
+          <p:nvPr>
+            <p:extLst>
+              <p:ext uri="{386F3935-93C4-4BCD-93E2-E3B085C9AB24}">
+                <p16:designElem xmlns:p16="http://schemas.microsoft.com/office/powerpoint/2015/main" val="1"/>
+              </p:ext>
+            </p:extLst>
+          </p:nvPr>
+        </p:nvSpPr>
+        <p:spPr>
+          <a:xfrm>
+            <a:off x="4994020" y="-1"/>
+            <a:ext cx="559472" cy="3709642"/>
+          </a:xfrm>
+          <a:custGeom>
+            <a:avLst/>
+            <a:gdLst>
+              <a:gd name="connsiteX0" fmla="*/ 0 w 559472"/>
+              <a:gd name="connsiteY0" fmla="*/ 0 h 3709642"/>
+              <a:gd name="connsiteX1" fmla="*/ 473952 w 559472"/>
+              <a:gd name="connsiteY1" fmla="*/ 0 h 3709642"/>
+              <a:gd name="connsiteX2" fmla="*/ 485840 w 559472"/>
+              <a:gd name="connsiteY2" fmla="*/ 161194 h 3709642"/>
+              <a:gd name="connsiteX3" fmla="*/ 523949 w 559472"/>
+              <a:gd name="connsiteY3" fmla="*/ 3672197 h 3709642"/>
+              <a:gd name="connsiteX4" fmla="*/ 454748 w 559472"/>
+              <a:gd name="connsiteY4" fmla="*/ 3709642 h 3709642"/>
+              <a:gd name="connsiteX5" fmla="*/ 448224 w 559472"/>
+              <a:gd name="connsiteY5" fmla="*/ 3510471 h 3709642"/>
+              <a:gd name="connsiteX6" fmla="*/ 443564 w 559472"/>
+              <a:gd name="connsiteY6" fmla="*/ 3408563 h 3709642"/>
+              <a:gd name="connsiteX7" fmla="*/ 438902 w 559472"/>
+              <a:gd name="connsiteY7" fmla="*/ 3304407 h 3709642"/>
+              <a:gd name="connsiteX8" fmla="*/ 433941 w 559472"/>
+              <a:gd name="connsiteY8" fmla="*/ 3198777 h 3709642"/>
+              <a:gd name="connsiteX9" fmla="*/ 427584 w 559472"/>
+              <a:gd name="connsiteY9" fmla="*/ 3092510 h 3709642"/>
+              <a:gd name="connsiteX10" fmla="*/ 420988 w 559472"/>
+              <a:gd name="connsiteY10" fmla="*/ 2984390 h 3709642"/>
+              <a:gd name="connsiteX11" fmla="*/ 414330 w 559472"/>
+              <a:gd name="connsiteY11" fmla="*/ 2874401 h 3709642"/>
+              <a:gd name="connsiteX12" fmla="*/ 406840 w 559472"/>
+              <a:gd name="connsiteY12" fmla="*/ 2762980 h 3709642"/>
+              <a:gd name="connsiteX13" fmla="*/ 397745 w 559472"/>
+              <a:gd name="connsiteY13" fmla="*/ 2650566 h 3709642"/>
+              <a:gd name="connsiteX14" fmla="*/ 389154 w 559472"/>
+              <a:gd name="connsiteY14" fmla="*/ 2536612 h 3709642"/>
+              <a:gd name="connsiteX15" fmla="*/ 379225 w 559472"/>
+              <a:gd name="connsiteY15" fmla="*/ 2421642 h 3709642"/>
+              <a:gd name="connsiteX16" fmla="*/ 368316 w 559472"/>
+              <a:gd name="connsiteY16" fmla="*/ 2305627 h 3709642"/>
+              <a:gd name="connsiteX17" fmla="*/ 357466 w 559472"/>
+              <a:gd name="connsiteY17" fmla="*/ 2189233 h 3709642"/>
+              <a:gd name="connsiteX18" fmla="*/ 344982 w 559472"/>
+              <a:gd name="connsiteY18" fmla="*/ 2071473 h 3709642"/>
+              <a:gd name="connsiteX19" fmla="*/ 332466 w 559472"/>
+              <a:gd name="connsiteY19" fmla="*/ 1952216 h 3709642"/>
+              <a:gd name="connsiteX20" fmla="*/ 319121 w 559472"/>
+              <a:gd name="connsiteY20" fmla="*/ 1833776 h 3709642"/>
+              <a:gd name="connsiteX21" fmla="*/ 304408 w 559472"/>
+              <a:gd name="connsiteY21" fmla="*/ 1713948 h 3709642"/>
+              <a:gd name="connsiteX22" fmla="*/ 288685 w 559472"/>
+              <a:gd name="connsiteY22" fmla="*/ 1592703 h 3709642"/>
+              <a:gd name="connsiteX23" fmla="*/ 273050 w 559472"/>
+              <a:gd name="connsiteY23" fmla="*/ 1471451 h 3709642"/>
+              <a:gd name="connsiteX24" fmla="*/ 255813 w 559472"/>
+              <a:gd name="connsiteY24" fmla="*/ 1350328 h 3709642"/>
+              <a:gd name="connsiteX25" fmla="*/ 237060 w 559472"/>
+              <a:gd name="connsiteY25" fmla="*/ 1227080 h 3709642"/>
+              <a:gd name="connsiteX26" fmla="*/ 218488 w 559472"/>
+              <a:gd name="connsiteY26" fmla="*/ 1106065 h 3709642"/>
+              <a:gd name="connsiteX27" fmla="*/ 198221 w 559472"/>
+              <a:gd name="connsiteY27" fmla="*/ 982940 h 3709642"/>
+              <a:gd name="connsiteX28" fmla="*/ 177152 w 559472"/>
+              <a:gd name="connsiteY28" fmla="*/ 858755 h 3709642"/>
+              <a:gd name="connsiteX29" fmla="*/ 155551 w 559472"/>
+              <a:gd name="connsiteY29" fmla="*/ 736861 h 3709642"/>
+              <a:gd name="connsiteX30" fmla="*/ 131782 w 559472"/>
+              <a:gd name="connsiteY30" fmla="*/ 613645 h 3709642"/>
+              <a:gd name="connsiteX31" fmla="*/ 107123 w 559472"/>
+              <a:gd name="connsiteY31" fmla="*/ 490500 h 3709642"/>
+              <a:gd name="connsiteX32" fmla="*/ 82552 w 559472"/>
+              <a:gd name="connsiteY32" fmla="*/ 367348 h 3709642"/>
+              <a:gd name="connsiteX33" fmla="*/ 55608 w 559472"/>
+              <a:gd name="connsiteY33" fmla="*/ 244762 h 3709642"/>
+              <a:gd name="connsiteX34" fmla="*/ 28130 w 559472"/>
+              <a:gd name="connsiteY34" fmla="*/ 122220 h 3709642"/>
+              <a:gd name="connsiteX35" fmla="*/ 0 w 559472"/>
+              <a:gd name="connsiteY35" fmla="*/ 0 h 3709642"/>
+            </a:gdLst>
+            <a:ahLst/>
+            <a:cxnLst>
+              <a:cxn ang="0">
+                <a:pos x="connsiteX0" y="connsiteY0"/>
+              </a:cxn>
+              <a:cxn ang="0">
+                <a:pos x="connsiteX1" y="connsiteY1"/>
+              </a:cxn>
+              <a:cxn ang="0">
+                <a:pos x="connsiteX2" y="connsiteY2"/>
+              </a:cxn>
+              <a:cxn ang="0">
+                <a:pos x="connsiteX3" y="connsiteY3"/>
+              </a:cxn>
+              <a:cxn ang="0">
+                <a:pos x="connsiteX4" y="connsiteY4"/>
+              </a:cxn>
+              <a:cxn ang="0">
+                <a:pos x="connsiteX5" y="connsiteY5"/>
+              </a:cxn>
+              <a:cxn ang="0">
+                <a:pos x="connsiteX6" y="connsiteY6"/>
+              </a:cxn>
+              <a:cxn ang="0">
+                <a:pos x="connsiteX7" y="connsiteY7"/>
+              </a:cxn>
+              <a:cxn ang="0">
+                <a:pos x="connsiteX8" y="connsiteY8"/>
+              </a:cxn>
+              <a:cxn ang="0">
+                <a:pos x="connsiteX9" y="connsiteY9"/>
+              </a:cxn>
+              <a:cxn ang="0">
+                <a:pos x="connsiteX10" y="connsiteY10"/>
+              </a:cxn>
+              <a:cxn ang="0">
+                <a:pos x="connsiteX11" y="connsiteY11"/>
+              </a:cxn>
+              <a:cxn ang="0">
+                <a:pos x="connsiteX12" y="connsiteY12"/>
+              </a:cxn>
+              <a:cxn ang="0">
+                <a:pos x="connsiteX13" y="connsiteY13"/>
+              </a:cxn>
+              <a:cxn ang="0">
+                <a:pos x="connsiteX14" y="connsiteY14"/>
+              </a:cxn>
+              <a:cxn ang="0">
+                <a:pos x="connsiteX15" y="connsiteY15"/>
+              </a:cxn>
+              <a:cxn ang="0">
+                <a:pos x="connsiteX16" y="connsiteY16"/>
+              </a:cxn>
+              <a:cxn ang="0">
+                <a:pos x="connsiteX17" y="connsiteY17"/>
+              </a:cxn>
+              <a:cxn ang="0">
+                <a:pos x="connsiteX18" y="connsiteY18"/>
+              </a:cxn>
+              <a:cxn ang="0">
+                <a:pos x="connsiteX19" y="connsiteY19"/>
+              </a:cxn>
+              <a:cxn ang="0">
+                <a:pos x="connsiteX20" y="connsiteY20"/>
+              </a:cxn>
+              <a:cxn ang="0">
+                <a:pos x="connsiteX21" y="connsiteY21"/>
+              </a:cxn>
+              <a:cxn ang="0">
+                <a:pos x="connsiteX22" y="connsiteY22"/>
+              </a:cxn>
+              <a:cxn ang="0">
+                <a:pos x="connsiteX23" y="connsiteY23"/>
+              </a:cxn>
+              <a:cxn ang="0">
+                <a:pos x="connsiteX24" y="connsiteY24"/>
+              </a:cxn>
+              <a:cxn ang="0">
+                <a:pos x="connsiteX25" y="connsiteY25"/>
+              </a:cxn>
+              <a:cxn ang="0">
+                <a:pos x="connsiteX26" y="connsiteY26"/>
+              </a:cxn>
+              <a:cxn ang="0">
+                <a:pos x="connsiteX27" y="connsiteY27"/>
+              </a:cxn>
+              <a:cxn ang="0">
+                <a:pos x="connsiteX28" y="connsiteY28"/>
+              </a:cxn>
+              <a:cxn ang="0">
+                <a:pos x="connsiteX29" y="connsiteY29"/>
+              </a:cxn>
+              <a:cxn ang="0">
+                <a:pos x="connsiteX30" y="connsiteY30"/>
+              </a:cxn>
+              <a:cxn ang="0">
+                <a:pos x="connsiteX31" y="connsiteY31"/>
+              </a:cxn>
+              <a:cxn ang="0">
+                <a:pos x="connsiteX32" y="connsiteY32"/>
+              </a:cxn>
+              <a:cxn ang="0">
+                <a:pos x="connsiteX33" y="connsiteY33"/>
+              </a:cxn>
+              <a:cxn ang="0">
+                <a:pos x="connsiteX34" y="connsiteY34"/>
+              </a:cxn>
+              <a:cxn ang="0">
+                <a:pos x="connsiteX35" y="connsiteY35"/>
+              </a:cxn>
+            </a:cxnLst>
+            <a:rect l="l" t="t" r="r" b="b"/>
+            <a:pathLst>
+              <a:path w="559472" h="3709642">
+                <a:moveTo>
+                  <a:pt x="0" y="0"/>
+                </a:moveTo>
+                <a:lnTo>
+                  <a:pt x="473952" y="0"/>
+                </a:lnTo>
+                <a:lnTo>
+                  <a:pt x="485840" y="161194"/>
+                </a:lnTo>
+                <a:cubicBezTo>
+                  <a:pt x="552063" y="1147770"/>
+                  <a:pt x="592441" y="3086737"/>
+                  <a:pt x="523949" y="3672197"/>
+                </a:cubicBezTo>
+                <a:cubicBezTo>
+                  <a:pt x="500842" y="3684557"/>
+                  <a:pt x="477855" y="3697282"/>
+                  <a:pt x="454748" y="3709642"/>
+                </a:cubicBezTo>
+                <a:lnTo>
+                  <a:pt x="448224" y="3510471"/>
+                </a:lnTo>
+                <a:lnTo>
+                  <a:pt x="443564" y="3408563"/>
+                </a:lnTo>
+                <a:lnTo>
+                  <a:pt x="438902" y="3304407"/>
+                </a:lnTo>
+                <a:lnTo>
+                  <a:pt x="433941" y="3198777"/>
+                </a:lnTo>
+                <a:lnTo>
+                  <a:pt x="427584" y="3092510"/>
+                </a:lnTo>
+                <a:lnTo>
+                  <a:pt x="420988" y="2984390"/>
+                </a:lnTo>
+                <a:lnTo>
+                  <a:pt x="414330" y="2874401"/>
+                </a:lnTo>
+                <a:lnTo>
+                  <a:pt x="406840" y="2762980"/>
+                </a:lnTo>
+                <a:lnTo>
+                  <a:pt x="397745" y="2650566"/>
+                </a:lnTo>
+                <a:lnTo>
+                  <a:pt x="389154" y="2536612"/>
+                </a:lnTo>
+                <a:lnTo>
+                  <a:pt x="379225" y="2421642"/>
+                </a:lnTo>
+                <a:lnTo>
+                  <a:pt x="368316" y="2305627"/>
+                </a:lnTo>
+                <a:lnTo>
+                  <a:pt x="357466" y="2189233"/>
+                </a:lnTo>
+                <a:lnTo>
+                  <a:pt x="344982" y="2071473"/>
+                </a:lnTo>
+                <a:lnTo>
+                  <a:pt x="332466" y="1952216"/>
+                </a:lnTo>
+                <a:lnTo>
+                  <a:pt x="319121" y="1833776"/>
+                </a:lnTo>
+                <a:lnTo>
+                  <a:pt x="304408" y="1713948"/>
+                </a:lnTo>
+                <a:lnTo>
+                  <a:pt x="288685" y="1592703"/>
+                </a:lnTo>
+                <a:lnTo>
+                  <a:pt x="273050" y="1471451"/>
+                </a:lnTo>
+                <a:lnTo>
+                  <a:pt x="255813" y="1350328"/>
+                </a:lnTo>
+                <a:lnTo>
+                  <a:pt x="237060" y="1227080"/>
+                </a:lnTo>
+                <a:lnTo>
+                  <a:pt x="218488" y="1106065"/>
+                </a:lnTo>
+                <a:lnTo>
+                  <a:pt x="198221" y="982940"/>
+                </a:lnTo>
+                <a:lnTo>
+                  <a:pt x="177152" y="858755"/>
+                </a:lnTo>
+                <a:lnTo>
+                  <a:pt x="155551" y="736861"/>
+                </a:lnTo>
+                <a:lnTo>
+                  <a:pt x="131782" y="613645"/>
+                </a:lnTo>
+                <a:lnTo>
+                  <a:pt x="107123" y="490500"/>
+                </a:lnTo>
+                <a:lnTo>
+                  <a:pt x="82552" y="367348"/>
+                </a:lnTo>
+                <a:lnTo>
+                  <a:pt x="55608" y="244762"/>
+                </a:lnTo>
+                <a:lnTo>
+                  <a:pt x="28130" y="122220"/>
+                </a:lnTo>
+                <a:lnTo>
+                  <a:pt x="0" y="0"/>
+                </a:lnTo>
+                <a:close/>
+              </a:path>
+            </a:pathLst>
+          </a:custGeom>
+          <a:solidFill>
+            <a:schemeClr val="bg1">
+              <a:alpha val="20000"/>
+            </a:schemeClr>
+          </a:solidFill>
+          <a:ln>
+            <a:noFill/>
+          </a:ln>
+        </p:spPr>
+        <p:txBody>
+          <a:bodyPr rtlCol="0" anchor="ctr"/>
+          <a:lstStyle/>
+          <a:p>
+            <a:pPr algn="ctr"/>
+            <a:endParaRPr lang="en-US"/>
+          </a:p>
+        </p:txBody>
+      </p:sp>
+      <p:sp useBgFill="1">
+        <p:nvSpPr>
+          <p:cNvPr id="1046" name="Freeform: Shape 1045">
+            <a:extLst>
+              <a:ext uri="{FF2B5EF4-FFF2-40B4-BE49-F238E27FC236}">
+                <a16:creationId xmlns:a16="http://schemas.microsoft.com/office/drawing/2014/main" id="{70151CB7-E7DE-4917-B831-01DF9CE01306}"/>
+              </a:ext>
+              <a:ext uri="{C183D7F6-B498-43B3-948B-1728B52AA6E4}">
+                <adec:decorative xmlns:adec="http://schemas.microsoft.com/office/drawing/2017/decorative" val="1"/>
+              </a:ext>
+            </a:extLst>
+          </p:cNvPr>
+          <p:cNvSpPr>
+            <a:spLocks noGrp="1" noRot="1" noChangeAspect="1" noMove="1" noResize="1" noEditPoints="1" noAdjustHandles="1" noChangeArrowheads="1" noChangeShapeType="1" noTextEdit="1"/>
+          </p:cNvSpPr>
+          <p:nvPr>
+            <p:extLst>
+              <p:ext uri="{386F3935-93C4-4BCD-93E2-E3B085C9AB24}">
+                <p16:designElem xmlns:p16="http://schemas.microsoft.com/office/powerpoint/2015/main" val="1"/>
+              </p:ext>
+            </p:extLst>
+          </p:nvPr>
+        </p:nvSpPr>
+        <p:spPr bwMode="gray">
+          <a:xfrm rot="16200000">
+            <a:off x="5270819" y="-63600"/>
+            <a:ext cx="6858001" cy="6985200"/>
+          </a:xfrm>
+          <a:custGeom>
+            <a:avLst/>
+            <a:gdLst>
+              <a:gd name="connsiteX0" fmla="*/ 6858001 w 6858001"/>
+              <a:gd name="connsiteY0" fmla="*/ 1177 h 6985200"/>
+              <a:gd name="connsiteX1" fmla="*/ 6858001 w 6858001"/>
+              <a:gd name="connsiteY1" fmla="*/ 1344715 h 6985200"/>
+              <a:gd name="connsiteX2" fmla="*/ 6858000 w 6858001"/>
+              <a:gd name="connsiteY2" fmla="*/ 1344715 h 6985200"/>
+              <a:gd name="connsiteX3" fmla="*/ 6858000 w 6858001"/>
+              <a:gd name="connsiteY3" fmla="*/ 6985200 h 6985200"/>
+              <a:gd name="connsiteX4" fmla="*/ 0 w 6858001"/>
+              <a:gd name="connsiteY4" fmla="*/ 6985199 h 6985200"/>
+              <a:gd name="connsiteX5" fmla="*/ 0 w 6858001"/>
+              <a:gd name="connsiteY5" fmla="*/ 886772 h 6985200"/>
+              <a:gd name="connsiteX6" fmla="*/ 1 w 6858001"/>
+              <a:gd name="connsiteY6" fmla="*/ 886772 h 6985200"/>
+              <a:gd name="connsiteX7" fmla="*/ 1 w 6858001"/>
+              <a:gd name="connsiteY7" fmla="*/ 0 h 6985200"/>
+              <a:gd name="connsiteX8" fmla="*/ 40463 w 6858001"/>
+              <a:gd name="connsiteY8" fmla="*/ 5883 h 6985200"/>
+              <a:gd name="connsiteX9" fmla="*/ 159107 w 6858001"/>
+              <a:gd name="connsiteY9" fmla="*/ 23196 h 6985200"/>
+              <a:gd name="connsiteX10" fmla="*/ 245518 w 6858001"/>
+              <a:gd name="connsiteY10" fmla="*/ 35299 h 6985200"/>
+              <a:gd name="connsiteX11" fmla="*/ 348388 w 6858001"/>
+              <a:gd name="connsiteY11" fmla="*/ 48073 h 6985200"/>
+              <a:gd name="connsiteX12" fmla="*/ 470460 w 6858001"/>
+              <a:gd name="connsiteY12" fmla="*/ 63369 h 6985200"/>
+              <a:gd name="connsiteX13" fmla="*/ 605563 w 6858001"/>
+              <a:gd name="connsiteY13" fmla="*/ 79506 h 6985200"/>
+              <a:gd name="connsiteX14" fmla="*/ 757810 w 6858001"/>
+              <a:gd name="connsiteY14" fmla="*/ 96483 h 6985200"/>
+              <a:gd name="connsiteX15" fmla="*/ 923774 w 6858001"/>
+              <a:gd name="connsiteY15" fmla="*/ 114469 h 6985200"/>
+              <a:gd name="connsiteX16" fmla="*/ 1104139 w 6858001"/>
+              <a:gd name="connsiteY16" fmla="*/ 132454 h 6985200"/>
+              <a:gd name="connsiteX17" fmla="*/ 1296163 w 6858001"/>
+              <a:gd name="connsiteY17" fmla="*/ 150776 h 6985200"/>
+              <a:gd name="connsiteX18" fmla="*/ 1503275 w 6858001"/>
+              <a:gd name="connsiteY18" fmla="*/ 167753 h 6985200"/>
+              <a:gd name="connsiteX19" fmla="*/ 1719988 w 6858001"/>
+              <a:gd name="connsiteY19" fmla="*/ 184058 h 6985200"/>
+              <a:gd name="connsiteX20" fmla="*/ 1949045 w 6858001"/>
+              <a:gd name="connsiteY20" fmla="*/ 198849 h 6985200"/>
+              <a:gd name="connsiteX21" fmla="*/ 2187703 w 6858001"/>
+              <a:gd name="connsiteY21" fmla="*/ 212969 h 6985200"/>
+              <a:gd name="connsiteX22" fmla="*/ 2436649 w 6858001"/>
+              <a:gd name="connsiteY22" fmla="*/ 226248 h 6985200"/>
+              <a:gd name="connsiteX23" fmla="*/ 2564208 w 6858001"/>
+              <a:gd name="connsiteY23" fmla="*/ 230955 h 6985200"/>
+              <a:gd name="connsiteX24" fmla="*/ 2694509 w 6858001"/>
+              <a:gd name="connsiteY24" fmla="*/ 236165 h 6985200"/>
+              <a:gd name="connsiteX25" fmla="*/ 2826869 w 6858001"/>
+              <a:gd name="connsiteY25" fmla="*/ 241040 h 6985200"/>
+              <a:gd name="connsiteX26" fmla="*/ 2959914 w 6858001"/>
+              <a:gd name="connsiteY26" fmla="*/ 244234 h 6985200"/>
+              <a:gd name="connsiteX27" fmla="*/ 3095702 w 6858001"/>
+              <a:gd name="connsiteY27" fmla="*/ 247091 h 6985200"/>
+              <a:gd name="connsiteX28" fmla="*/ 3232862 w 6858001"/>
+              <a:gd name="connsiteY28" fmla="*/ 250117 h 6985200"/>
+              <a:gd name="connsiteX29" fmla="*/ 3372766 w 6858001"/>
+              <a:gd name="connsiteY29" fmla="*/ 252134 h 6985200"/>
+              <a:gd name="connsiteX30" fmla="*/ 3514040 w 6858001"/>
+              <a:gd name="connsiteY30" fmla="*/ 252134 h 6985200"/>
+              <a:gd name="connsiteX31" fmla="*/ 3656686 w 6858001"/>
+              <a:gd name="connsiteY31" fmla="*/ 253142 h 6985200"/>
+              <a:gd name="connsiteX32" fmla="*/ 3800705 w 6858001"/>
+              <a:gd name="connsiteY32" fmla="*/ 252134 h 6985200"/>
+              <a:gd name="connsiteX33" fmla="*/ 3946780 w 6858001"/>
+              <a:gd name="connsiteY33" fmla="*/ 250117 h 6985200"/>
+              <a:gd name="connsiteX34" fmla="*/ 4092856 w 6858001"/>
+              <a:gd name="connsiteY34" fmla="*/ 248268 h 6985200"/>
+              <a:gd name="connsiteX35" fmla="*/ 4240988 w 6858001"/>
+              <a:gd name="connsiteY35" fmla="*/ 244234 h 6985200"/>
+              <a:gd name="connsiteX36" fmla="*/ 4390492 w 6858001"/>
+              <a:gd name="connsiteY36" fmla="*/ 240032 h 6985200"/>
+              <a:gd name="connsiteX37" fmla="*/ 4539997 w 6858001"/>
+              <a:gd name="connsiteY37" fmla="*/ 235157 h 6985200"/>
+              <a:gd name="connsiteX38" fmla="*/ 4690873 w 6858001"/>
+              <a:gd name="connsiteY38" fmla="*/ 228266 h 6985200"/>
+              <a:gd name="connsiteX39" fmla="*/ 4843120 w 6858001"/>
+              <a:gd name="connsiteY39" fmla="*/ 220029 h 6985200"/>
+              <a:gd name="connsiteX40" fmla="*/ 4996054 w 6858001"/>
+              <a:gd name="connsiteY40" fmla="*/ 212129 h 6985200"/>
+              <a:gd name="connsiteX41" fmla="*/ 5148987 w 6858001"/>
+              <a:gd name="connsiteY41" fmla="*/ 202044 h 6985200"/>
+              <a:gd name="connsiteX42" fmla="*/ 5303978 w 6858001"/>
+              <a:gd name="connsiteY42" fmla="*/ 189941 h 6985200"/>
+              <a:gd name="connsiteX43" fmla="*/ 5456911 w 6858001"/>
+              <a:gd name="connsiteY43" fmla="*/ 177839 h 6985200"/>
+              <a:gd name="connsiteX44" fmla="*/ 5612588 w 6858001"/>
+              <a:gd name="connsiteY44" fmla="*/ 163887 h 6985200"/>
+              <a:gd name="connsiteX45" fmla="*/ 5768950 w 6858001"/>
+              <a:gd name="connsiteY45" fmla="*/ 148591 h 6985200"/>
+              <a:gd name="connsiteX46" fmla="*/ 5923255 w 6858001"/>
+              <a:gd name="connsiteY46" fmla="*/ 132455 h 6985200"/>
+              <a:gd name="connsiteX47" fmla="*/ 6079618 w 6858001"/>
+              <a:gd name="connsiteY47" fmla="*/ 113629 h 6985200"/>
+              <a:gd name="connsiteX48" fmla="*/ 6235294 w 6858001"/>
+              <a:gd name="connsiteY48" fmla="*/ 93458 h 6985200"/>
+              <a:gd name="connsiteX49" fmla="*/ 6391657 w 6858001"/>
+              <a:gd name="connsiteY49" fmla="*/ 73455 h 6985200"/>
+              <a:gd name="connsiteX50" fmla="*/ 6547333 w 6858001"/>
+              <a:gd name="connsiteY50" fmla="*/ 50091 h 6985200"/>
+              <a:gd name="connsiteX51" fmla="*/ 6702324 w 6858001"/>
+              <a:gd name="connsiteY51" fmla="*/ 26222 h 6985200"/>
+            </a:gdLst>
+            <a:ahLst/>
+            <a:cxnLst>
+              <a:cxn ang="0">
+                <a:pos x="connsiteX0" y="connsiteY0"/>
+              </a:cxn>
+              <a:cxn ang="0">
+                <a:pos x="connsiteX1" y="connsiteY1"/>
+              </a:cxn>
+              <a:cxn ang="0">
+                <a:pos x="connsiteX2" y="connsiteY2"/>
+              </a:cxn>
+              <a:cxn ang="0">
+                <a:pos x="connsiteX3" y="connsiteY3"/>
+              </a:cxn>
+              <a:cxn ang="0">
+                <a:pos x="connsiteX4" y="connsiteY4"/>
+              </a:cxn>
+              <a:cxn ang="0">
+                <a:pos x="connsiteX5" y="connsiteY5"/>
+              </a:cxn>
+              <a:cxn ang="0">
+                <a:pos x="connsiteX6" y="connsiteY6"/>
+              </a:cxn>
+              <a:cxn ang="0">
+                <a:pos x="connsiteX7" y="connsiteY7"/>
+              </a:cxn>
+              <a:cxn ang="0">
+                <a:pos x="connsiteX8" y="connsiteY8"/>
+              </a:cxn>
+              <a:cxn ang="0">
+                <a:pos x="connsiteX9" y="connsiteY9"/>
+              </a:cxn>
+              <a:cxn ang="0">
+                <a:pos x="connsiteX10" y="connsiteY10"/>
+              </a:cxn>
+              <a:cxn ang="0">
+                <a:pos x="connsiteX11" y="connsiteY11"/>
+              </a:cxn>
+              <a:cxn ang="0">
+                <a:pos x="connsiteX12" y="connsiteY12"/>
+              </a:cxn>
+              <a:cxn ang="0">
+                <a:pos x="connsiteX13" y="connsiteY13"/>
+              </a:cxn>
+              <a:cxn ang="0">
+                <a:pos x="connsiteX14" y="connsiteY14"/>
+              </a:cxn>
+              <a:cxn ang="0">
+                <a:pos x="connsiteX15" y="connsiteY15"/>
+              </a:cxn>
+              <a:cxn ang="0">
+                <a:pos x="connsiteX16" y="connsiteY16"/>
+              </a:cxn>
+              <a:cxn ang="0">
+                <a:pos x="connsiteX17" y="connsiteY17"/>
+              </a:cxn>
+              <a:cxn ang="0">
+                <a:pos x="connsiteX18" y="connsiteY18"/>
+              </a:cxn>
+              <a:cxn ang="0">
+                <a:pos x="connsiteX19" y="connsiteY19"/>
+              </a:cxn>
+              <a:cxn ang="0">
+                <a:pos x="connsiteX20" y="connsiteY20"/>
+              </a:cxn>
+              <a:cxn ang="0">
+                <a:pos x="connsiteX21" y="connsiteY21"/>
+              </a:cxn>
+              <a:cxn ang="0">
+                <a:pos x="connsiteX22" y="connsiteY22"/>
+              </a:cxn>
+              <a:cxn ang="0">
+                <a:pos x="connsiteX23" y="connsiteY23"/>
+              </a:cxn>
+              <a:cxn ang="0">
+                <a:pos x="connsiteX24" y="connsiteY24"/>
+              </a:cxn>
+              <a:cxn ang="0">
+                <a:pos x="connsiteX25" y="connsiteY25"/>
+              </a:cxn>
+              <a:cxn ang="0">
+                <a:pos x="connsiteX26" y="connsiteY26"/>
+              </a:cxn>
+              <a:cxn ang="0">
+                <a:pos x="connsiteX27" y="connsiteY27"/>
+              </a:cxn>
+              <a:cxn ang="0">
+                <a:pos x="connsiteX28" y="connsiteY28"/>
+              </a:cxn>
+              <a:cxn ang="0">
+                <a:pos x="connsiteX29" y="connsiteY29"/>
+              </a:cxn>
+              <a:cxn ang="0">
+                <a:pos x="connsiteX30" y="connsiteY30"/>
+              </a:cxn>
+              <a:cxn ang="0">
+                <a:pos x="connsiteX31" y="connsiteY31"/>
+              </a:cxn>
+              <a:cxn ang="0">
+                <a:pos x="connsiteX32" y="connsiteY32"/>
+              </a:cxn>
+              <a:cxn ang="0">
+                <a:pos x="connsiteX33" y="connsiteY33"/>
+              </a:cxn>
+              <a:cxn ang="0">
+                <a:pos x="connsiteX34" y="connsiteY34"/>
+              </a:cxn>
+              <a:cxn ang="0">
+                <a:pos x="connsiteX35" y="connsiteY35"/>
+              </a:cxn>
+              <a:cxn ang="0">
+                <a:pos x="connsiteX36" y="connsiteY36"/>
+              </a:cxn>
+              <a:cxn ang="0">
+                <a:pos x="connsiteX37" y="connsiteY37"/>
+              </a:cxn>
+              <a:cxn ang="0">
+                <a:pos x="connsiteX38" y="connsiteY38"/>
+              </a:cxn>
+              <a:cxn ang="0">
+                <a:pos x="connsiteX39" y="connsiteY39"/>
+              </a:cxn>
+              <a:cxn ang="0">
+                <a:pos x="connsiteX40" y="connsiteY40"/>
+              </a:cxn>
+              <a:cxn ang="0">
+                <a:pos x="connsiteX41" y="connsiteY41"/>
+              </a:cxn>
+              <a:cxn ang="0">
+                <a:pos x="connsiteX42" y="connsiteY42"/>
+              </a:cxn>
+              <a:cxn ang="0">
+                <a:pos x="connsiteX43" y="connsiteY43"/>
+              </a:cxn>
+              <a:cxn ang="0">
+                <a:pos x="connsiteX44" y="connsiteY44"/>
+              </a:cxn>
+              <a:cxn ang="0">
+                <a:pos x="connsiteX45" y="connsiteY45"/>
+              </a:cxn>
+              <a:cxn ang="0">
+                <a:pos x="connsiteX46" y="connsiteY46"/>
+              </a:cxn>
+              <a:cxn ang="0">
+                <a:pos x="connsiteX47" y="connsiteY47"/>
+              </a:cxn>
+              <a:cxn ang="0">
+                <a:pos x="connsiteX48" y="connsiteY48"/>
+              </a:cxn>
+              <a:cxn ang="0">
+                <a:pos x="connsiteX49" y="connsiteY49"/>
+              </a:cxn>
+              <a:cxn ang="0">
+                <a:pos x="connsiteX50" y="connsiteY50"/>
+              </a:cxn>
+              <a:cxn ang="0">
+                <a:pos x="connsiteX51" y="connsiteY51"/>
+              </a:cxn>
+            </a:cxnLst>
+            <a:rect l="l" t="t" r="r" b="b"/>
+            <a:pathLst>
+              <a:path w="6858001" h="6985200">
+                <a:moveTo>
+                  <a:pt x="6858001" y="1177"/>
+                </a:moveTo>
+                <a:lnTo>
+                  <a:pt x="6858001" y="1344715"/>
+                </a:lnTo>
+                <a:lnTo>
+                  <a:pt x="6858000" y="1344715"/>
+                </a:lnTo>
+                <a:lnTo>
+                  <a:pt x="6858000" y="6985200"/>
+                </a:lnTo>
+                <a:lnTo>
+                  <a:pt x="0" y="6985199"/>
+                </a:lnTo>
+                <a:lnTo>
+                  <a:pt x="0" y="886772"/>
+                </a:lnTo>
+                <a:lnTo>
+                  <a:pt x="1" y="886772"/>
+                </a:lnTo>
+                <a:lnTo>
+                  <a:pt x="1" y="0"/>
+                </a:lnTo>
+                <a:lnTo>
+                  <a:pt x="40463" y="5883"/>
+                </a:lnTo>
+                <a:lnTo>
+                  <a:pt x="159107" y="23196"/>
+                </a:lnTo>
+                <a:lnTo>
+                  <a:pt x="245518" y="35299"/>
+                </a:lnTo>
+                <a:lnTo>
+                  <a:pt x="348388" y="48073"/>
+                </a:lnTo>
+                <a:lnTo>
+                  <a:pt x="470460" y="63369"/>
+                </a:lnTo>
+                <a:lnTo>
+                  <a:pt x="605563" y="79506"/>
+                </a:lnTo>
+                <a:lnTo>
+                  <a:pt x="757810" y="96483"/>
+                </a:lnTo>
+                <a:lnTo>
+                  <a:pt x="923774" y="114469"/>
+                </a:lnTo>
+                <a:lnTo>
+                  <a:pt x="1104139" y="132454"/>
+                </a:lnTo>
+                <a:lnTo>
+                  <a:pt x="1296163" y="150776"/>
+                </a:lnTo>
+                <a:lnTo>
+                  <a:pt x="1503275" y="167753"/>
+                </a:lnTo>
+                <a:lnTo>
+                  <a:pt x="1719988" y="184058"/>
+                </a:lnTo>
+                <a:lnTo>
+                  <a:pt x="1949045" y="198849"/>
+                </a:lnTo>
+                <a:lnTo>
+                  <a:pt x="2187703" y="212969"/>
+                </a:lnTo>
+                <a:lnTo>
+                  <a:pt x="2436649" y="226248"/>
+                </a:lnTo>
+                <a:lnTo>
+                  <a:pt x="2564208" y="230955"/>
+                </a:lnTo>
+                <a:lnTo>
+                  <a:pt x="2694509" y="236165"/>
+                </a:lnTo>
+                <a:lnTo>
+                  <a:pt x="2826869" y="241040"/>
+                </a:lnTo>
+                <a:lnTo>
+                  <a:pt x="2959914" y="244234"/>
+                </a:lnTo>
+                <a:lnTo>
+                  <a:pt x="3095702" y="247091"/>
+                </a:lnTo>
+                <a:lnTo>
+                  <a:pt x="3232862" y="250117"/>
+                </a:lnTo>
+                <a:lnTo>
+                  <a:pt x="3372766" y="252134"/>
+                </a:lnTo>
+                <a:lnTo>
+                  <a:pt x="3514040" y="252134"/>
+                </a:lnTo>
+                <a:lnTo>
+                  <a:pt x="3656686" y="253142"/>
+                </a:lnTo>
+                <a:lnTo>
+                  <a:pt x="3800705" y="252134"/>
+                </a:lnTo>
+                <a:lnTo>
+                  <a:pt x="3946780" y="250117"/>
+                </a:lnTo>
+                <a:lnTo>
+                  <a:pt x="4092856" y="248268"/>
+                </a:lnTo>
+                <a:lnTo>
+                  <a:pt x="4240988" y="244234"/>
+                </a:lnTo>
+                <a:lnTo>
+                  <a:pt x="4390492" y="240032"/>
+                </a:lnTo>
+                <a:lnTo>
+                  <a:pt x="4539997" y="235157"/>
+                </a:lnTo>
+                <a:lnTo>
+                  <a:pt x="4690873" y="228266"/>
+                </a:lnTo>
+                <a:lnTo>
+                  <a:pt x="4843120" y="220029"/>
+                </a:lnTo>
+                <a:lnTo>
+                  <a:pt x="4996054" y="212129"/>
+                </a:lnTo>
+                <a:lnTo>
+                  <a:pt x="5148987" y="202044"/>
+                </a:lnTo>
+                <a:lnTo>
+                  <a:pt x="5303978" y="189941"/>
+                </a:lnTo>
+                <a:lnTo>
+                  <a:pt x="5456911" y="177839"/>
+                </a:lnTo>
+                <a:lnTo>
+                  <a:pt x="5612588" y="163887"/>
+                </a:lnTo>
+                <a:lnTo>
+                  <a:pt x="5768950" y="148591"/>
+                </a:lnTo>
+                <a:lnTo>
+                  <a:pt x="5923255" y="132455"/>
+                </a:lnTo>
+                <a:lnTo>
+                  <a:pt x="6079618" y="113629"/>
+                </a:lnTo>
+                <a:lnTo>
+                  <a:pt x="6235294" y="93458"/>
+                </a:lnTo>
+                <a:lnTo>
+                  <a:pt x="6391657" y="73455"/>
+                </a:lnTo>
+                <a:lnTo>
+                  <a:pt x="6547333" y="50091"/>
+                </a:lnTo>
+                <a:lnTo>
+                  <a:pt x="6702324" y="26222"/>
+                </a:lnTo>
+                <a:close/>
+              </a:path>
+            </a:pathLst>
+          </a:custGeom>
+          <a:ln>
+            <a:noFill/>
+          </a:ln>
+        </p:spPr>
+      </p:sp>
+      <p:pic>
+        <p:nvPicPr>
+          <p:cNvPr id="1028" name="Picture 4">
+            <a:extLst>
+              <a:ext uri="{FF2B5EF4-FFF2-40B4-BE49-F238E27FC236}">
+                <a16:creationId xmlns:a16="http://schemas.microsoft.com/office/drawing/2014/main" id="{65EEDFE2-CBA8-51B0-D765-B6871F51A890}"/>
+              </a:ext>
+            </a:extLst>
+          </p:cNvPr>
+          <p:cNvPicPr>
+            <a:picLocks noChangeAspect="1" noChangeArrowheads="1"/>
+          </p:cNvPicPr>
+          <p:nvPr/>
+        </p:nvPicPr>
+        <p:blipFill>
+          <a:blip r:embed="rId2">
+            <a:extLst>
+              <a:ext uri="{28A0092B-C50C-407E-A947-70E740481C1C}">
+                <a14:useLocalDpi xmlns:a14="http://schemas.microsoft.com/office/drawing/2010/main" val="0"/>
+              </a:ext>
+            </a:extLst>
+          </a:blip>
+          <a:stretch>
+            <a:fillRect/>
+          </a:stretch>
+        </p:blipFill>
+        <p:spPr bwMode="auto">
+          <a:xfrm>
+            <a:off x="6378345" y="647698"/>
+            <a:ext cx="4881182" cy="5562601"/>
+          </a:xfrm>
+          <a:prstGeom prst="rect">
+            <a:avLst/>
+          </a:prstGeom>
+          <a:noFill/>
+          <a:effectLst/>
+          <a:extLst>
+            <a:ext uri="{909E8E84-426E-40DD-AFC4-6F175D3DCCD1}">
+              <a14:hiddenFill xmlns:a14="http://schemas.microsoft.com/office/drawing/2010/main">
+                <a:solidFill>
+                  <a:srgbClr val="FFFFFF"/>
+                </a:solidFill>
+              </a14:hiddenFill>
+            </a:ext>
+          </a:extLst>
+        </p:spPr>
+      </p:pic>
+      <p:sp>
+        <p:nvSpPr>
+          <p:cNvPr id="1048" name="Rectangle 1047">
+            <a:extLst>
+              <a:ext uri="{FF2B5EF4-FFF2-40B4-BE49-F238E27FC236}">
+                <a16:creationId xmlns:a16="http://schemas.microsoft.com/office/drawing/2014/main" id="{A92A1116-1C84-41DF-B803-1F7B0883EC82}"/>
+              </a:ext>
+              <a:ext uri="{C183D7F6-B498-43B3-948B-1728B52AA6E4}">
+                <adec:decorative xmlns:adec="http://schemas.microsoft.com/office/drawing/2017/decorative" val="1"/>
+              </a:ext>
+            </a:extLst>
+          </p:cNvPr>
+          <p:cNvSpPr>
+            <a:spLocks noGrp="1" noRot="1" noChangeAspect="1" noMove="1" noResize="1" noEditPoints="1" noAdjustHandles="1" noChangeArrowheads="1" noChangeShapeType="1" noTextEdit="1"/>
+          </p:cNvSpPr>
+          <p:nvPr>
+            <p:extLst>
+              <p:ext uri="{386F3935-93C4-4BCD-93E2-E3B085C9AB24}">
+                <p16:designElem xmlns:p16="http://schemas.microsoft.com/office/powerpoint/2015/main" val="1"/>
+              </p:ext>
+            </p:extLst>
+          </p:nvPr>
+        </p:nvSpPr>
+        <p:spPr>
+          <a:xfrm>
+            <a:off x="10442448" y="0"/>
+            <a:ext cx="685800" cy="1143000"/>
+          </a:xfrm>
+          <a:prstGeom prst="rect">
+            <a:avLst/>
+          </a:prstGeom>
+          <a:solidFill>
+            <a:schemeClr val="accent1"/>
+          </a:solidFill>
+          <a:ln>
+            <a:noFill/>
+          </a:ln>
+        </p:spPr>
+        <p:style>
+          <a:lnRef idx="1">
+            <a:schemeClr val="accent1"/>
+          </a:lnRef>
+          <a:fillRef idx="3">
+            <a:schemeClr val="accent1"/>
+          </a:fillRef>
+          <a:effectRef idx="2">
+            <a:schemeClr val="accent1"/>
+          </a:effectRef>
+          <a:fontRef idx="minor">
+            <a:schemeClr val="lt1"/>
+          </a:fontRef>
+        </p:style>
+      </p:sp>
+      <p:sp>
+        <p:nvSpPr>
+          <p:cNvPr id="3" name="Content Placeholder 2">
+            <a:extLst>
+              <a:ext uri="{FF2B5EF4-FFF2-40B4-BE49-F238E27FC236}">
+                <a16:creationId xmlns:a16="http://schemas.microsoft.com/office/drawing/2014/main" id="{39D3E9D3-9DBD-789B-0563-1D81625D0CEC}"/>
+              </a:ext>
+            </a:extLst>
+          </p:cNvPr>
+          <p:cNvSpPr>
+            <a:spLocks noGrp="1"/>
+          </p:cNvSpPr>
+          <p:nvPr>
+            <p:ph idx="1"/>
+          </p:nvPr>
+        </p:nvSpPr>
+        <p:spPr>
+          <a:xfrm>
+            <a:off x="648931" y="2438400"/>
+            <a:ext cx="4166509" cy="3785419"/>
+          </a:xfrm>
+        </p:spPr>
+        <p:txBody>
+          <a:bodyPr>
+            <a:normAutofit/>
+          </a:bodyPr>
+          <a:lstStyle/>
+          <a:p>
+            <a:endParaRPr lang="en-GB">
+              <a:solidFill>
+                <a:srgbClr val="EBEBEB"/>
+              </a:solidFill>
+            </a:endParaRPr>
+          </a:p>
+          <a:p>
+            <a:endParaRPr lang="en-GB">
+              <a:solidFill>
+                <a:srgbClr val="EBEBEB"/>
+              </a:solidFill>
+            </a:endParaRPr>
+          </a:p>
+          <a:p>
+            <a:endParaRPr lang="en-GB">
+              <a:solidFill>
+                <a:srgbClr val="EBEBEB"/>
+              </a:solidFill>
+            </a:endParaRPr>
+          </a:p>
+          <a:p>
+            <a:endParaRPr lang="en-NL">
+              <a:solidFill>
+                <a:srgbClr val="EBEBEB"/>
+              </a:solidFill>
+            </a:endParaRPr>
+          </a:p>
+        </p:txBody>
+      </p:sp>
+    </p:spTree>
+    <p:extLst>
+      <p:ext uri="{BB962C8B-B14F-4D97-AF65-F5344CB8AC3E}">
+        <p14:creationId xmlns:p14="http://schemas.microsoft.com/office/powerpoint/2010/main" val="2165285972"/>
+      </p:ext>
+    </p:extLst>
+  </p:cSld>
+  <p:clrMapOvr>
+    <a:overrideClrMapping bg1="lt1" tx1="dk1" bg2="lt2" tx2="dk2" accent1="accent1" accent2="accent2" accent3="accent3" accent4="accent4" accent5="accent5" accent6="accent6" hlink="hlink" folHlink="folHlink"/>
+  </p:clrMapOvr>
+</p:sld>
+</file>
+
+<file path=ppt/slides/slide11.xml><?xml version="1.0" encoding="utf-8"?>
+<p:sld xmlns:a="http://schemas.openxmlformats.org/drawingml/2006/main" xmlns:r="http://schemas.openxmlformats.org/officeDocument/2006/relationships" xmlns:p="http://schemas.openxmlformats.org/presentationml/2006/main">
+  <p:cSld>
+    <p:bg>
+      <p:bgPr>
+        <a:solidFill>
+          <a:schemeClr val="bg1"/>
+        </a:solidFill>
+        <a:effectLst/>
+      </p:bgPr>
+    </p:bg>
+    <p:spTree>
+      <p:nvGrpSpPr>
+        <p:cNvPr id="1" name=""/>
+        <p:cNvGrpSpPr/>
+        <p:nvPr/>
+      </p:nvGrpSpPr>
+      <p:grpSpPr>
+        <a:xfrm>
+          <a:off x="0" y="0"/>
+          <a:ext cx="0" cy="0"/>
+          <a:chOff x="0" y="0"/>
+          <a:chExt cx="0" cy="0"/>
+        </a:xfrm>
+      </p:grpSpPr>
+      <p:sp>
+        <p:nvSpPr>
+          <p:cNvPr id="3087" name="Rectangle 3078">
+            <a:extLst>
+              <a:ext uri="{FF2B5EF4-FFF2-40B4-BE49-F238E27FC236}">
+                <a16:creationId xmlns:a16="http://schemas.microsoft.com/office/drawing/2014/main" id="{B4AAD3FD-83A5-4B89-9F8F-01B8870865BE}"/>
+              </a:ext>
+              <a:ext uri="{C183D7F6-B498-43B3-948B-1728B52AA6E4}">
+                <adec:decorative xmlns:adec="http://schemas.microsoft.com/office/drawing/2017/decorative" val="1"/>
+              </a:ext>
+            </a:extLst>
+          </p:cNvPr>
+          <p:cNvSpPr>
+            <a:spLocks noGrp="1" noRot="1" noChangeAspect="1" noMove="1" noResize="1" noEditPoints="1" noAdjustHandles="1" noChangeArrowheads="1" noChangeShapeType="1" noTextEdit="1"/>
+          </p:cNvSpPr>
+          <p:nvPr>
+            <p:extLst>
+              <p:ext uri="{386F3935-93C4-4BCD-93E2-E3B085C9AB24}">
+                <p16:designElem xmlns:p16="http://schemas.microsoft.com/office/powerpoint/2015/main" val="1"/>
+              </p:ext>
+            </p:extLst>
+          </p:nvPr>
+        </p:nvSpPr>
+        <p:spPr>
+          <a:xfrm>
+            <a:off x="0" y="0"/>
+            <a:ext cx="12192000" cy="6858000"/>
+          </a:xfrm>
+          <a:prstGeom prst="rect">
+            <a:avLst/>
+          </a:prstGeom>
+          <a:ln>
+            <a:noFill/>
+          </a:ln>
+        </p:spPr>
+        <p:style>
+          <a:lnRef idx="2">
+            <a:schemeClr val="accent1">
+              <a:shade val="50000"/>
+            </a:schemeClr>
+          </a:lnRef>
+          <a:fillRef idx="1003">
+            <a:schemeClr val="dk2"/>
+          </a:fillRef>
+          <a:effectRef idx="0">
+            <a:schemeClr val="accent1"/>
+          </a:effectRef>
+          <a:fontRef idx="minor">
+            <a:schemeClr val="lt1"/>
+          </a:fontRef>
+        </p:style>
+        <p:txBody>
+          <a:bodyPr rtlCol="0" anchor="ctr"/>
+          <a:lstStyle/>
+          <a:p>
+            <a:pPr algn="ctr"/>
+            <a:endParaRPr lang="en-US"/>
+          </a:p>
+        </p:txBody>
+      </p:sp>
+      <p:sp>
+        <p:nvSpPr>
+          <p:cNvPr id="2" name="Title 1">
+            <a:extLst>
+              <a:ext uri="{FF2B5EF4-FFF2-40B4-BE49-F238E27FC236}">
+                <a16:creationId xmlns:a16="http://schemas.microsoft.com/office/drawing/2014/main" id="{8A39812A-E11A-1133-DFC8-D36A84034F03}"/>
+              </a:ext>
+            </a:extLst>
+          </p:cNvPr>
+          <p:cNvSpPr>
+            <a:spLocks noGrp="1"/>
+          </p:cNvSpPr>
+          <p:nvPr>
+            <p:ph type="title"/>
+          </p:nvPr>
+        </p:nvSpPr>
+        <p:spPr>
+          <a:xfrm>
+            <a:off x="648931" y="629266"/>
+            <a:ext cx="4166510" cy="1622321"/>
+          </a:xfrm>
+        </p:spPr>
+        <p:txBody>
+          <a:bodyPr>
+            <a:normAutofit fontScale="90000"/>
+          </a:bodyPr>
+          <a:lstStyle/>
+          <a:p>
+            <a:r>
+              <a:rPr lang="en-GB" sz="4000" dirty="0">
+                <a:solidFill>
+                  <a:srgbClr val="EBEBEB"/>
+                </a:solidFill>
+              </a:rPr>
+              <a:t>RFE FEATURE EXTRACTION-SHAP Random Forest</a:t>
+            </a:r>
+            <a:br>
+              <a:rPr lang="en-GB" sz="4000" dirty="0">
+                <a:solidFill>
+                  <a:srgbClr val="EBEBEB"/>
+                </a:solidFill>
+              </a:rPr>
+            </a:br>
+            <a:endParaRPr lang="en-NL" dirty="0">
+              <a:solidFill>
+                <a:srgbClr val="EBEBEB"/>
+              </a:solidFill>
+            </a:endParaRPr>
+          </a:p>
+        </p:txBody>
+      </p:sp>
+      <p:sp>
+        <p:nvSpPr>
+          <p:cNvPr id="3088" name="Freeform 31">
+            <a:extLst>
+              <a:ext uri="{FF2B5EF4-FFF2-40B4-BE49-F238E27FC236}">
+                <a16:creationId xmlns:a16="http://schemas.microsoft.com/office/drawing/2014/main" id="{61752F1D-FC0F-4103-9584-630E643CCDA6}"/>
+              </a:ext>
+              <a:ext uri="{C183D7F6-B498-43B3-948B-1728B52AA6E4}">
+                <adec:decorative xmlns:adec="http://schemas.microsoft.com/office/drawing/2017/decorative" val="1"/>
+              </a:ext>
+            </a:extLst>
+          </p:cNvPr>
+          <p:cNvSpPr>
+            <a:spLocks noGrp="1" noRot="1" noChangeAspect="1" noMove="1" noResize="1" noEditPoints="1" noAdjustHandles="1" noChangeArrowheads="1" noChangeShapeType="1" noTextEdit="1"/>
+          </p:cNvSpPr>
+          <p:nvPr>
+            <p:extLst>
+              <p:ext uri="{386F3935-93C4-4BCD-93E2-E3B085C9AB24}">
+                <p16:designElem xmlns:p16="http://schemas.microsoft.com/office/powerpoint/2015/main" val="1"/>
+              </p:ext>
+            </p:extLst>
+          </p:nvPr>
+        </p:nvSpPr>
+        <p:spPr>
+          <a:xfrm>
+            <a:off x="4994020" y="-1"/>
+            <a:ext cx="559472" cy="3709642"/>
+          </a:xfrm>
+          <a:custGeom>
+            <a:avLst/>
+            <a:gdLst>
+              <a:gd name="connsiteX0" fmla="*/ 0 w 559472"/>
+              <a:gd name="connsiteY0" fmla="*/ 0 h 3709642"/>
+              <a:gd name="connsiteX1" fmla="*/ 473952 w 559472"/>
+              <a:gd name="connsiteY1" fmla="*/ 0 h 3709642"/>
+              <a:gd name="connsiteX2" fmla="*/ 485840 w 559472"/>
+              <a:gd name="connsiteY2" fmla="*/ 161194 h 3709642"/>
+              <a:gd name="connsiteX3" fmla="*/ 523949 w 559472"/>
+              <a:gd name="connsiteY3" fmla="*/ 3672197 h 3709642"/>
+              <a:gd name="connsiteX4" fmla="*/ 454748 w 559472"/>
+              <a:gd name="connsiteY4" fmla="*/ 3709642 h 3709642"/>
+              <a:gd name="connsiteX5" fmla="*/ 448224 w 559472"/>
+              <a:gd name="connsiteY5" fmla="*/ 3510471 h 3709642"/>
+              <a:gd name="connsiteX6" fmla="*/ 443564 w 559472"/>
+              <a:gd name="connsiteY6" fmla="*/ 3408563 h 3709642"/>
+              <a:gd name="connsiteX7" fmla="*/ 438902 w 559472"/>
+              <a:gd name="connsiteY7" fmla="*/ 3304407 h 3709642"/>
+              <a:gd name="connsiteX8" fmla="*/ 433941 w 559472"/>
+              <a:gd name="connsiteY8" fmla="*/ 3198777 h 3709642"/>
+              <a:gd name="connsiteX9" fmla="*/ 427584 w 559472"/>
+              <a:gd name="connsiteY9" fmla="*/ 3092510 h 3709642"/>
+              <a:gd name="connsiteX10" fmla="*/ 420988 w 559472"/>
+              <a:gd name="connsiteY10" fmla="*/ 2984390 h 3709642"/>
+              <a:gd name="connsiteX11" fmla="*/ 414330 w 559472"/>
+              <a:gd name="connsiteY11" fmla="*/ 2874401 h 3709642"/>
+              <a:gd name="connsiteX12" fmla="*/ 406840 w 559472"/>
+              <a:gd name="connsiteY12" fmla="*/ 2762980 h 3709642"/>
+              <a:gd name="connsiteX13" fmla="*/ 397745 w 559472"/>
+              <a:gd name="connsiteY13" fmla="*/ 2650566 h 3709642"/>
+              <a:gd name="connsiteX14" fmla="*/ 389154 w 559472"/>
+              <a:gd name="connsiteY14" fmla="*/ 2536612 h 3709642"/>
+              <a:gd name="connsiteX15" fmla="*/ 379225 w 559472"/>
+              <a:gd name="connsiteY15" fmla="*/ 2421642 h 3709642"/>
+              <a:gd name="connsiteX16" fmla="*/ 368316 w 559472"/>
+              <a:gd name="connsiteY16" fmla="*/ 2305627 h 3709642"/>
+              <a:gd name="connsiteX17" fmla="*/ 357466 w 559472"/>
+              <a:gd name="connsiteY17" fmla="*/ 2189233 h 3709642"/>
+              <a:gd name="connsiteX18" fmla="*/ 344982 w 559472"/>
+              <a:gd name="connsiteY18" fmla="*/ 2071473 h 3709642"/>
+              <a:gd name="connsiteX19" fmla="*/ 332466 w 559472"/>
+              <a:gd name="connsiteY19" fmla="*/ 1952216 h 3709642"/>
+              <a:gd name="connsiteX20" fmla="*/ 319121 w 559472"/>
+              <a:gd name="connsiteY20" fmla="*/ 1833776 h 3709642"/>
+              <a:gd name="connsiteX21" fmla="*/ 304408 w 559472"/>
+              <a:gd name="connsiteY21" fmla="*/ 1713948 h 3709642"/>
+              <a:gd name="connsiteX22" fmla="*/ 288685 w 559472"/>
+              <a:gd name="connsiteY22" fmla="*/ 1592703 h 3709642"/>
+              <a:gd name="connsiteX23" fmla="*/ 273050 w 559472"/>
+              <a:gd name="connsiteY23" fmla="*/ 1471451 h 3709642"/>
+              <a:gd name="connsiteX24" fmla="*/ 255813 w 559472"/>
+              <a:gd name="connsiteY24" fmla="*/ 1350328 h 3709642"/>
+              <a:gd name="connsiteX25" fmla="*/ 237060 w 559472"/>
+              <a:gd name="connsiteY25" fmla="*/ 1227080 h 3709642"/>
+              <a:gd name="connsiteX26" fmla="*/ 218488 w 559472"/>
+              <a:gd name="connsiteY26" fmla="*/ 1106065 h 3709642"/>
+              <a:gd name="connsiteX27" fmla="*/ 198221 w 559472"/>
+              <a:gd name="connsiteY27" fmla="*/ 982940 h 3709642"/>
+              <a:gd name="connsiteX28" fmla="*/ 177152 w 559472"/>
+              <a:gd name="connsiteY28" fmla="*/ 858755 h 3709642"/>
+              <a:gd name="connsiteX29" fmla="*/ 155551 w 559472"/>
+              <a:gd name="connsiteY29" fmla="*/ 736861 h 3709642"/>
+              <a:gd name="connsiteX30" fmla="*/ 131782 w 559472"/>
+              <a:gd name="connsiteY30" fmla="*/ 613645 h 3709642"/>
+              <a:gd name="connsiteX31" fmla="*/ 107123 w 559472"/>
+              <a:gd name="connsiteY31" fmla="*/ 490500 h 3709642"/>
+              <a:gd name="connsiteX32" fmla="*/ 82552 w 559472"/>
+              <a:gd name="connsiteY32" fmla="*/ 367348 h 3709642"/>
+              <a:gd name="connsiteX33" fmla="*/ 55608 w 559472"/>
+              <a:gd name="connsiteY33" fmla="*/ 244762 h 3709642"/>
+              <a:gd name="connsiteX34" fmla="*/ 28130 w 559472"/>
+              <a:gd name="connsiteY34" fmla="*/ 122220 h 3709642"/>
+              <a:gd name="connsiteX35" fmla="*/ 0 w 559472"/>
+              <a:gd name="connsiteY35" fmla="*/ 0 h 3709642"/>
+            </a:gdLst>
+            <a:ahLst/>
+            <a:cxnLst>
+              <a:cxn ang="0">
+                <a:pos x="connsiteX0" y="connsiteY0"/>
+              </a:cxn>
+              <a:cxn ang="0">
+                <a:pos x="connsiteX1" y="connsiteY1"/>
+              </a:cxn>
+              <a:cxn ang="0">
+                <a:pos x="connsiteX2" y="connsiteY2"/>
+              </a:cxn>
+              <a:cxn ang="0">
+                <a:pos x="connsiteX3" y="connsiteY3"/>
+              </a:cxn>
+              <a:cxn ang="0">
+                <a:pos x="connsiteX4" y="connsiteY4"/>
+              </a:cxn>
+              <a:cxn ang="0">
+                <a:pos x="connsiteX5" y="connsiteY5"/>
+              </a:cxn>
+              <a:cxn ang="0">
+                <a:pos x="connsiteX6" y="connsiteY6"/>
+              </a:cxn>
+              <a:cxn ang="0">
+                <a:pos x="connsiteX7" y="connsiteY7"/>
+              </a:cxn>
+              <a:cxn ang="0">
+                <a:pos x="connsiteX8" y="connsiteY8"/>
+              </a:cxn>
+              <a:cxn ang="0">
+                <a:pos x="connsiteX9" y="connsiteY9"/>
+              </a:cxn>
+              <a:cxn ang="0">
+                <a:pos x="connsiteX10" y="connsiteY10"/>
+              </a:cxn>
+              <a:cxn ang="0">
+                <a:pos x="connsiteX11" y="connsiteY11"/>
+              </a:cxn>
+              <a:cxn ang="0">
+                <a:pos x="connsiteX12" y="connsiteY12"/>
+              </a:cxn>
+              <a:cxn ang="0">
+                <a:pos x="connsiteX13" y="connsiteY13"/>
+              </a:cxn>
+              <a:cxn ang="0">
+                <a:pos x="connsiteX14" y="connsiteY14"/>
+              </a:cxn>
+              <a:cxn ang="0">
+                <a:pos x="connsiteX15" y="connsiteY15"/>
+              </a:cxn>
+              <a:cxn ang="0">
+                <a:pos x="connsiteX16" y="connsiteY16"/>
+              </a:cxn>
+              <a:cxn ang="0">
+                <a:pos x="connsiteX17" y="connsiteY17"/>
+              </a:cxn>
+              <a:cxn ang="0">
+                <a:pos x="connsiteX18" y="connsiteY18"/>
+              </a:cxn>
+              <a:cxn ang="0">
+                <a:pos x="connsiteX19" y="connsiteY19"/>
+              </a:cxn>
+              <a:cxn ang="0">
+                <a:pos x="connsiteX20" y="connsiteY20"/>
+              </a:cxn>
+              <a:cxn ang="0">
+                <a:pos x="connsiteX21" y="connsiteY21"/>
+              </a:cxn>
+              <a:cxn ang="0">
+                <a:pos x="connsiteX22" y="connsiteY22"/>
+              </a:cxn>
+              <a:cxn ang="0">
+                <a:pos x="connsiteX23" y="connsiteY23"/>
+              </a:cxn>
+              <a:cxn ang="0">
+                <a:pos x="connsiteX24" y="connsiteY24"/>
+              </a:cxn>
+              <a:cxn ang="0">
+                <a:pos x="connsiteX25" y="connsiteY25"/>
+              </a:cxn>
+              <a:cxn ang="0">
+                <a:pos x="connsiteX26" y="connsiteY26"/>
+              </a:cxn>
+              <a:cxn ang="0">
+                <a:pos x="connsiteX27" y="connsiteY27"/>
+              </a:cxn>
+              <a:cxn ang="0">
+                <a:pos x="connsiteX28" y="connsiteY28"/>
+              </a:cxn>
+              <a:cxn ang="0">
+                <a:pos x="connsiteX29" y="connsiteY29"/>
+              </a:cxn>
+              <a:cxn ang="0">
+                <a:pos x="connsiteX30" y="connsiteY30"/>
+              </a:cxn>
+              <a:cxn ang="0">
+                <a:pos x="connsiteX31" y="connsiteY31"/>
+              </a:cxn>
+              <a:cxn ang="0">
+                <a:pos x="connsiteX32" y="connsiteY32"/>
+              </a:cxn>
+              <a:cxn ang="0">
+                <a:pos x="connsiteX33" y="connsiteY33"/>
+              </a:cxn>
+              <a:cxn ang="0">
+                <a:pos x="connsiteX34" y="connsiteY34"/>
+              </a:cxn>
+              <a:cxn ang="0">
+                <a:pos x="connsiteX35" y="connsiteY35"/>
+              </a:cxn>
+            </a:cxnLst>
+            <a:rect l="l" t="t" r="r" b="b"/>
+            <a:pathLst>
+              <a:path w="559472" h="3709642">
+                <a:moveTo>
+                  <a:pt x="0" y="0"/>
+                </a:moveTo>
+                <a:lnTo>
+                  <a:pt x="473952" y="0"/>
+                </a:lnTo>
+                <a:lnTo>
+                  <a:pt x="485840" y="161194"/>
+                </a:lnTo>
+                <a:cubicBezTo>
+                  <a:pt x="552063" y="1147770"/>
+                  <a:pt x="592441" y="3086737"/>
+                  <a:pt x="523949" y="3672197"/>
+                </a:cubicBezTo>
+                <a:cubicBezTo>
+                  <a:pt x="500842" y="3684557"/>
+                  <a:pt x="477855" y="3697282"/>
+                  <a:pt x="454748" y="3709642"/>
+                </a:cubicBezTo>
+                <a:lnTo>
+                  <a:pt x="448224" y="3510471"/>
+                </a:lnTo>
+                <a:lnTo>
+                  <a:pt x="443564" y="3408563"/>
+                </a:lnTo>
+                <a:lnTo>
+                  <a:pt x="438902" y="3304407"/>
+                </a:lnTo>
+                <a:lnTo>
+                  <a:pt x="433941" y="3198777"/>
+                </a:lnTo>
+                <a:lnTo>
+                  <a:pt x="427584" y="3092510"/>
+                </a:lnTo>
+                <a:lnTo>
+                  <a:pt x="420988" y="2984390"/>
+                </a:lnTo>
+                <a:lnTo>
+                  <a:pt x="414330" y="2874401"/>
+                </a:lnTo>
+                <a:lnTo>
+                  <a:pt x="406840" y="2762980"/>
+                </a:lnTo>
+                <a:lnTo>
+                  <a:pt x="397745" y="2650566"/>
+                </a:lnTo>
+                <a:lnTo>
+                  <a:pt x="389154" y="2536612"/>
+                </a:lnTo>
+                <a:lnTo>
+                  <a:pt x="379225" y="2421642"/>
+                </a:lnTo>
+                <a:lnTo>
+                  <a:pt x="368316" y="2305627"/>
+                </a:lnTo>
+                <a:lnTo>
+                  <a:pt x="357466" y="2189233"/>
+                </a:lnTo>
+                <a:lnTo>
+                  <a:pt x="344982" y="2071473"/>
+                </a:lnTo>
+                <a:lnTo>
+                  <a:pt x="332466" y="1952216"/>
+                </a:lnTo>
+                <a:lnTo>
+                  <a:pt x="319121" y="1833776"/>
+                </a:lnTo>
+                <a:lnTo>
+                  <a:pt x="304408" y="1713948"/>
+                </a:lnTo>
+                <a:lnTo>
+                  <a:pt x="288685" y="1592703"/>
+                </a:lnTo>
+                <a:lnTo>
+                  <a:pt x="273050" y="1471451"/>
+                </a:lnTo>
+                <a:lnTo>
+                  <a:pt x="255813" y="1350328"/>
+                </a:lnTo>
+                <a:lnTo>
+                  <a:pt x="237060" y="1227080"/>
+                </a:lnTo>
+                <a:lnTo>
+                  <a:pt x="218488" y="1106065"/>
+                </a:lnTo>
+                <a:lnTo>
+                  <a:pt x="198221" y="982940"/>
+                </a:lnTo>
+                <a:lnTo>
+                  <a:pt x="177152" y="858755"/>
+                </a:lnTo>
+                <a:lnTo>
+                  <a:pt x="155551" y="736861"/>
+                </a:lnTo>
+                <a:lnTo>
+                  <a:pt x="131782" y="613645"/>
+                </a:lnTo>
+                <a:lnTo>
+                  <a:pt x="107123" y="490500"/>
+                </a:lnTo>
+                <a:lnTo>
+                  <a:pt x="82552" y="367348"/>
+                </a:lnTo>
+                <a:lnTo>
+                  <a:pt x="55608" y="244762"/>
+                </a:lnTo>
+                <a:lnTo>
+                  <a:pt x="28130" y="122220"/>
+                </a:lnTo>
+                <a:lnTo>
+                  <a:pt x="0" y="0"/>
+                </a:lnTo>
+                <a:close/>
+              </a:path>
+            </a:pathLst>
+          </a:custGeom>
+          <a:solidFill>
+            <a:schemeClr val="bg1">
+              <a:alpha val="20000"/>
+            </a:schemeClr>
+          </a:solidFill>
+          <a:ln>
+            <a:noFill/>
+          </a:ln>
+        </p:spPr>
+        <p:txBody>
+          <a:bodyPr rtlCol="0" anchor="ctr"/>
+          <a:lstStyle/>
+          <a:p>
+            <a:pPr algn="ctr"/>
+            <a:endParaRPr lang="en-US"/>
+          </a:p>
+        </p:txBody>
+      </p:sp>
+      <p:sp useBgFill="1">
+        <p:nvSpPr>
+          <p:cNvPr id="3089" name="Freeform: Shape 3082">
+            <a:extLst>
+              <a:ext uri="{FF2B5EF4-FFF2-40B4-BE49-F238E27FC236}">
+                <a16:creationId xmlns:a16="http://schemas.microsoft.com/office/drawing/2014/main" id="{70151CB7-E7DE-4917-B831-01DF9CE01306}"/>
+              </a:ext>
+              <a:ext uri="{C183D7F6-B498-43B3-948B-1728B52AA6E4}">
+                <adec:decorative xmlns:adec="http://schemas.microsoft.com/office/drawing/2017/decorative" val="1"/>
+              </a:ext>
+            </a:extLst>
+          </p:cNvPr>
+          <p:cNvSpPr>
+            <a:spLocks noGrp="1" noRot="1" noChangeAspect="1" noMove="1" noResize="1" noEditPoints="1" noAdjustHandles="1" noChangeArrowheads="1" noChangeShapeType="1" noTextEdit="1"/>
+          </p:cNvSpPr>
+          <p:nvPr>
+            <p:extLst>
+              <p:ext uri="{386F3935-93C4-4BCD-93E2-E3B085C9AB24}">
+                <p16:designElem xmlns:p16="http://schemas.microsoft.com/office/powerpoint/2015/main" val="1"/>
+              </p:ext>
+            </p:extLst>
+          </p:nvPr>
+        </p:nvSpPr>
+        <p:spPr bwMode="gray">
+          <a:xfrm rot="16200000">
+            <a:off x="5270819" y="-63600"/>
+            <a:ext cx="6858001" cy="6985200"/>
+          </a:xfrm>
+          <a:custGeom>
+            <a:avLst/>
+            <a:gdLst>
+              <a:gd name="connsiteX0" fmla="*/ 6858001 w 6858001"/>
+              <a:gd name="connsiteY0" fmla="*/ 1177 h 6985200"/>
+              <a:gd name="connsiteX1" fmla="*/ 6858001 w 6858001"/>
+              <a:gd name="connsiteY1" fmla="*/ 1344715 h 6985200"/>
+              <a:gd name="connsiteX2" fmla="*/ 6858000 w 6858001"/>
+              <a:gd name="connsiteY2" fmla="*/ 1344715 h 6985200"/>
+              <a:gd name="connsiteX3" fmla="*/ 6858000 w 6858001"/>
+              <a:gd name="connsiteY3" fmla="*/ 6985200 h 6985200"/>
+              <a:gd name="connsiteX4" fmla="*/ 0 w 6858001"/>
+              <a:gd name="connsiteY4" fmla="*/ 6985199 h 6985200"/>
+              <a:gd name="connsiteX5" fmla="*/ 0 w 6858001"/>
+              <a:gd name="connsiteY5" fmla="*/ 886772 h 6985200"/>
+              <a:gd name="connsiteX6" fmla="*/ 1 w 6858001"/>
+              <a:gd name="connsiteY6" fmla="*/ 886772 h 6985200"/>
+              <a:gd name="connsiteX7" fmla="*/ 1 w 6858001"/>
+              <a:gd name="connsiteY7" fmla="*/ 0 h 6985200"/>
+              <a:gd name="connsiteX8" fmla="*/ 40463 w 6858001"/>
+              <a:gd name="connsiteY8" fmla="*/ 5883 h 6985200"/>
+              <a:gd name="connsiteX9" fmla="*/ 159107 w 6858001"/>
+              <a:gd name="connsiteY9" fmla="*/ 23196 h 6985200"/>
+              <a:gd name="connsiteX10" fmla="*/ 245518 w 6858001"/>
+              <a:gd name="connsiteY10" fmla="*/ 35299 h 6985200"/>
+              <a:gd name="connsiteX11" fmla="*/ 348388 w 6858001"/>
+              <a:gd name="connsiteY11" fmla="*/ 48073 h 6985200"/>
+              <a:gd name="connsiteX12" fmla="*/ 470460 w 6858001"/>
+              <a:gd name="connsiteY12" fmla="*/ 63369 h 6985200"/>
+              <a:gd name="connsiteX13" fmla="*/ 605563 w 6858001"/>
+              <a:gd name="connsiteY13" fmla="*/ 79506 h 6985200"/>
+              <a:gd name="connsiteX14" fmla="*/ 757810 w 6858001"/>
+              <a:gd name="connsiteY14" fmla="*/ 96483 h 6985200"/>
+              <a:gd name="connsiteX15" fmla="*/ 923774 w 6858001"/>
+              <a:gd name="connsiteY15" fmla="*/ 114469 h 6985200"/>
+              <a:gd name="connsiteX16" fmla="*/ 1104139 w 6858001"/>
+              <a:gd name="connsiteY16" fmla="*/ 132454 h 6985200"/>
+              <a:gd name="connsiteX17" fmla="*/ 1296163 w 6858001"/>
+              <a:gd name="connsiteY17" fmla="*/ 150776 h 6985200"/>
+              <a:gd name="connsiteX18" fmla="*/ 1503275 w 6858001"/>
+              <a:gd name="connsiteY18" fmla="*/ 167753 h 6985200"/>
+              <a:gd name="connsiteX19" fmla="*/ 1719988 w 6858001"/>
+              <a:gd name="connsiteY19" fmla="*/ 184058 h 6985200"/>
+              <a:gd name="connsiteX20" fmla="*/ 1949045 w 6858001"/>
+              <a:gd name="connsiteY20" fmla="*/ 198849 h 6985200"/>
+              <a:gd name="connsiteX21" fmla="*/ 2187703 w 6858001"/>
+              <a:gd name="connsiteY21" fmla="*/ 212969 h 6985200"/>
+              <a:gd name="connsiteX22" fmla="*/ 2436649 w 6858001"/>
+              <a:gd name="connsiteY22" fmla="*/ 226248 h 6985200"/>
+              <a:gd name="connsiteX23" fmla="*/ 2564208 w 6858001"/>
+              <a:gd name="connsiteY23" fmla="*/ 230955 h 6985200"/>
+              <a:gd name="connsiteX24" fmla="*/ 2694509 w 6858001"/>
+              <a:gd name="connsiteY24" fmla="*/ 236165 h 6985200"/>
+              <a:gd name="connsiteX25" fmla="*/ 2826869 w 6858001"/>
+              <a:gd name="connsiteY25" fmla="*/ 241040 h 6985200"/>
+              <a:gd name="connsiteX26" fmla="*/ 2959914 w 6858001"/>
+              <a:gd name="connsiteY26" fmla="*/ 244234 h 6985200"/>
+              <a:gd name="connsiteX27" fmla="*/ 3095702 w 6858001"/>
+              <a:gd name="connsiteY27" fmla="*/ 247091 h 6985200"/>
+              <a:gd name="connsiteX28" fmla="*/ 3232862 w 6858001"/>
+              <a:gd name="connsiteY28" fmla="*/ 250117 h 6985200"/>
+              <a:gd name="connsiteX29" fmla="*/ 3372766 w 6858001"/>
+              <a:gd name="connsiteY29" fmla="*/ 252134 h 6985200"/>
+              <a:gd name="connsiteX30" fmla="*/ 3514040 w 6858001"/>
+              <a:gd name="connsiteY30" fmla="*/ 252134 h 6985200"/>
+              <a:gd name="connsiteX31" fmla="*/ 3656686 w 6858001"/>
+              <a:gd name="connsiteY31" fmla="*/ 253142 h 6985200"/>
+              <a:gd name="connsiteX32" fmla="*/ 3800705 w 6858001"/>
+              <a:gd name="connsiteY32" fmla="*/ 252134 h 6985200"/>
+              <a:gd name="connsiteX33" fmla="*/ 3946780 w 6858001"/>
+              <a:gd name="connsiteY33" fmla="*/ 250117 h 6985200"/>
+              <a:gd name="connsiteX34" fmla="*/ 4092856 w 6858001"/>
+              <a:gd name="connsiteY34" fmla="*/ 248268 h 6985200"/>
+              <a:gd name="connsiteX35" fmla="*/ 4240988 w 6858001"/>
+              <a:gd name="connsiteY35" fmla="*/ 244234 h 6985200"/>
+              <a:gd name="connsiteX36" fmla="*/ 4390492 w 6858001"/>
+              <a:gd name="connsiteY36" fmla="*/ 240032 h 6985200"/>
+              <a:gd name="connsiteX37" fmla="*/ 4539997 w 6858001"/>
+              <a:gd name="connsiteY37" fmla="*/ 235157 h 6985200"/>
+              <a:gd name="connsiteX38" fmla="*/ 4690873 w 6858001"/>
+              <a:gd name="connsiteY38" fmla="*/ 228266 h 6985200"/>
+              <a:gd name="connsiteX39" fmla="*/ 4843120 w 6858001"/>
+              <a:gd name="connsiteY39" fmla="*/ 220029 h 6985200"/>
+              <a:gd name="connsiteX40" fmla="*/ 4996054 w 6858001"/>
+              <a:gd name="connsiteY40" fmla="*/ 212129 h 6985200"/>
+              <a:gd name="connsiteX41" fmla="*/ 5148987 w 6858001"/>
+              <a:gd name="connsiteY41" fmla="*/ 202044 h 6985200"/>
+              <a:gd name="connsiteX42" fmla="*/ 5303978 w 6858001"/>
+              <a:gd name="connsiteY42" fmla="*/ 189941 h 6985200"/>
+              <a:gd name="connsiteX43" fmla="*/ 5456911 w 6858001"/>
+              <a:gd name="connsiteY43" fmla="*/ 177839 h 6985200"/>
+              <a:gd name="connsiteX44" fmla="*/ 5612588 w 6858001"/>
+              <a:gd name="connsiteY44" fmla="*/ 163887 h 6985200"/>
+              <a:gd name="connsiteX45" fmla="*/ 5768950 w 6858001"/>
+              <a:gd name="connsiteY45" fmla="*/ 148591 h 6985200"/>
+              <a:gd name="connsiteX46" fmla="*/ 5923255 w 6858001"/>
+              <a:gd name="connsiteY46" fmla="*/ 132455 h 6985200"/>
+              <a:gd name="connsiteX47" fmla="*/ 6079618 w 6858001"/>
+              <a:gd name="connsiteY47" fmla="*/ 113629 h 6985200"/>
+              <a:gd name="connsiteX48" fmla="*/ 6235294 w 6858001"/>
+              <a:gd name="connsiteY48" fmla="*/ 93458 h 6985200"/>
+              <a:gd name="connsiteX49" fmla="*/ 6391657 w 6858001"/>
+              <a:gd name="connsiteY49" fmla="*/ 73455 h 6985200"/>
+              <a:gd name="connsiteX50" fmla="*/ 6547333 w 6858001"/>
+              <a:gd name="connsiteY50" fmla="*/ 50091 h 6985200"/>
+              <a:gd name="connsiteX51" fmla="*/ 6702324 w 6858001"/>
+              <a:gd name="connsiteY51" fmla="*/ 26222 h 6985200"/>
+            </a:gdLst>
+            <a:ahLst/>
+            <a:cxnLst>
+              <a:cxn ang="0">
+                <a:pos x="connsiteX0" y="connsiteY0"/>
+              </a:cxn>
+              <a:cxn ang="0">
+                <a:pos x="connsiteX1" y="connsiteY1"/>
+              </a:cxn>
+              <a:cxn ang="0">
+                <a:pos x="connsiteX2" y="connsiteY2"/>
+              </a:cxn>
+              <a:cxn ang="0">
+                <a:pos x="connsiteX3" y="connsiteY3"/>
+              </a:cxn>
+              <a:cxn ang="0">
+                <a:pos x="connsiteX4" y="connsiteY4"/>
+              </a:cxn>
+              <a:cxn ang="0">
+                <a:pos x="connsiteX5" y="connsiteY5"/>
+              </a:cxn>
+              <a:cxn ang="0">
+                <a:pos x="connsiteX6" y="connsiteY6"/>
+              </a:cxn>
+              <a:cxn ang="0">
+                <a:pos x="connsiteX7" y="connsiteY7"/>
+              </a:cxn>
+              <a:cxn ang="0">
+                <a:pos x="connsiteX8" y="connsiteY8"/>
+              </a:cxn>
+              <a:cxn ang="0">
+                <a:pos x="connsiteX9" y="connsiteY9"/>
+              </a:cxn>
+              <a:cxn ang="0">
+                <a:pos x="connsiteX10" y="connsiteY10"/>
+              </a:cxn>
+              <a:cxn ang="0">
+                <a:pos x="connsiteX11" y="connsiteY11"/>
+              </a:cxn>
+              <a:cxn ang="0">
+                <a:pos x="connsiteX12" y="connsiteY12"/>
+              </a:cxn>
+              <a:cxn ang="0">
+                <a:pos x="connsiteX13" y="connsiteY13"/>
+              </a:cxn>
+              <a:cxn ang="0">
+                <a:pos x="connsiteX14" y="connsiteY14"/>
+              </a:cxn>
+              <a:cxn ang="0">
+                <a:pos x="connsiteX15" y="connsiteY15"/>
+              </a:cxn>
+              <a:cxn ang="0">
+                <a:pos x="connsiteX16" y="connsiteY16"/>
+              </a:cxn>
+              <a:cxn ang="0">
+                <a:pos x="connsiteX17" y="connsiteY17"/>
+              </a:cxn>
+              <a:cxn ang="0">
+                <a:pos x="connsiteX18" y="connsiteY18"/>
+              </a:cxn>
+              <a:cxn ang="0">
+                <a:pos x="connsiteX19" y="connsiteY19"/>
+              </a:cxn>
+              <a:cxn ang="0">
+                <a:pos x="connsiteX20" y="connsiteY20"/>
+              </a:cxn>
+              <a:cxn ang="0">
+                <a:pos x="connsiteX21" y="connsiteY21"/>
+              </a:cxn>
+              <a:cxn ang="0">
+                <a:pos x="connsiteX22" y="connsiteY22"/>
+              </a:cxn>
+              <a:cxn ang="0">
+                <a:pos x="connsiteX23" y="connsiteY23"/>
+              </a:cxn>
+              <a:cxn ang="0">
+                <a:pos x="connsiteX24" y="connsiteY24"/>
+              </a:cxn>
+              <a:cxn ang="0">
+                <a:pos x="connsiteX25" y="connsiteY25"/>
+              </a:cxn>
+              <a:cxn ang="0">
+                <a:pos x="connsiteX26" y="connsiteY26"/>
+              </a:cxn>
+              <a:cxn ang="0">
+                <a:pos x="connsiteX27" y="connsiteY27"/>
+              </a:cxn>
+              <a:cxn ang="0">
+                <a:pos x="connsiteX28" y="connsiteY28"/>
+              </a:cxn>
+              <a:cxn ang="0">
+                <a:pos x="connsiteX29" y="connsiteY29"/>
+              </a:cxn>
+              <a:cxn ang="0">
+                <a:pos x="connsiteX30" y="connsiteY30"/>
+              </a:cxn>
+              <a:cxn ang="0">
+                <a:pos x="connsiteX31" y="connsiteY31"/>
+              </a:cxn>
+              <a:cxn ang="0">
+                <a:pos x="connsiteX32" y="connsiteY32"/>
+              </a:cxn>
+              <a:cxn ang="0">
+                <a:pos x="connsiteX33" y="connsiteY33"/>
+              </a:cxn>
+              <a:cxn ang="0">
+                <a:pos x="connsiteX34" y="connsiteY34"/>
+              </a:cxn>
+              <a:cxn ang="0">
+                <a:pos x="connsiteX35" y="connsiteY35"/>
+              </a:cxn>
+              <a:cxn ang="0">
+                <a:pos x="connsiteX36" y="connsiteY36"/>
+              </a:cxn>
+              <a:cxn ang="0">
+                <a:pos x="connsiteX37" y="connsiteY37"/>
+              </a:cxn>
+              <a:cxn ang="0">
+                <a:pos x="connsiteX38" y="connsiteY38"/>
+              </a:cxn>
+              <a:cxn ang="0">
+                <a:pos x="connsiteX39" y="connsiteY39"/>
+              </a:cxn>
+              <a:cxn ang="0">
+                <a:pos x="connsiteX40" y="connsiteY40"/>
+              </a:cxn>
+              <a:cxn ang="0">
+                <a:pos x="connsiteX41" y="connsiteY41"/>
+              </a:cxn>
+              <a:cxn ang="0">
+                <a:pos x="connsiteX42" y="connsiteY42"/>
+              </a:cxn>
+              <a:cxn ang="0">
+                <a:pos x="connsiteX43" y="connsiteY43"/>
+              </a:cxn>
+              <a:cxn ang="0">
+                <a:pos x="connsiteX44" y="connsiteY44"/>
+              </a:cxn>
+              <a:cxn ang="0">
+                <a:pos x="connsiteX45" y="connsiteY45"/>
+              </a:cxn>
+              <a:cxn ang="0">
+                <a:pos x="connsiteX46" y="connsiteY46"/>
+              </a:cxn>
+              <a:cxn ang="0">
+                <a:pos x="connsiteX47" y="connsiteY47"/>
+              </a:cxn>
+              <a:cxn ang="0">
+                <a:pos x="connsiteX48" y="connsiteY48"/>
+              </a:cxn>
+              <a:cxn ang="0">
+                <a:pos x="connsiteX49" y="connsiteY49"/>
+              </a:cxn>
+              <a:cxn ang="0">
+                <a:pos x="connsiteX50" y="connsiteY50"/>
+              </a:cxn>
+              <a:cxn ang="0">
+                <a:pos x="connsiteX51" y="connsiteY51"/>
+              </a:cxn>
+            </a:cxnLst>
+            <a:rect l="l" t="t" r="r" b="b"/>
+            <a:pathLst>
+              <a:path w="6858001" h="6985200">
+                <a:moveTo>
+                  <a:pt x="6858001" y="1177"/>
+                </a:moveTo>
+                <a:lnTo>
+                  <a:pt x="6858001" y="1344715"/>
+                </a:lnTo>
+                <a:lnTo>
+                  <a:pt x="6858000" y="1344715"/>
+                </a:lnTo>
+                <a:lnTo>
+                  <a:pt x="6858000" y="6985200"/>
+                </a:lnTo>
+                <a:lnTo>
+                  <a:pt x="0" y="6985199"/>
+                </a:lnTo>
+                <a:lnTo>
+                  <a:pt x="0" y="886772"/>
+                </a:lnTo>
+                <a:lnTo>
+                  <a:pt x="1" y="886772"/>
+                </a:lnTo>
+                <a:lnTo>
+                  <a:pt x="1" y="0"/>
+                </a:lnTo>
+                <a:lnTo>
+                  <a:pt x="40463" y="5883"/>
+                </a:lnTo>
+                <a:lnTo>
+                  <a:pt x="159107" y="23196"/>
+                </a:lnTo>
+                <a:lnTo>
+                  <a:pt x="245518" y="35299"/>
+                </a:lnTo>
+                <a:lnTo>
+                  <a:pt x="348388" y="48073"/>
+                </a:lnTo>
+                <a:lnTo>
+                  <a:pt x="470460" y="63369"/>
+                </a:lnTo>
+                <a:lnTo>
+                  <a:pt x="605563" y="79506"/>
+                </a:lnTo>
+                <a:lnTo>
+                  <a:pt x="757810" y="96483"/>
+                </a:lnTo>
+                <a:lnTo>
+                  <a:pt x="923774" y="114469"/>
+                </a:lnTo>
+                <a:lnTo>
+                  <a:pt x="1104139" y="132454"/>
+                </a:lnTo>
+                <a:lnTo>
+                  <a:pt x="1296163" y="150776"/>
+                </a:lnTo>
+                <a:lnTo>
+                  <a:pt x="1503275" y="167753"/>
+                </a:lnTo>
+                <a:lnTo>
+                  <a:pt x="1719988" y="184058"/>
+                </a:lnTo>
+                <a:lnTo>
+                  <a:pt x="1949045" y="198849"/>
+                </a:lnTo>
+                <a:lnTo>
+                  <a:pt x="2187703" y="212969"/>
+                </a:lnTo>
+                <a:lnTo>
+                  <a:pt x="2436649" y="226248"/>
+                </a:lnTo>
+                <a:lnTo>
+                  <a:pt x="2564208" y="230955"/>
+                </a:lnTo>
+                <a:lnTo>
+                  <a:pt x="2694509" y="236165"/>
+                </a:lnTo>
+                <a:lnTo>
+                  <a:pt x="2826869" y="241040"/>
+                </a:lnTo>
+                <a:lnTo>
+                  <a:pt x="2959914" y="244234"/>
+                </a:lnTo>
+                <a:lnTo>
+                  <a:pt x="3095702" y="247091"/>
+                </a:lnTo>
+                <a:lnTo>
+                  <a:pt x="3232862" y="250117"/>
+                </a:lnTo>
+                <a:lnTo>
+                  <a:pt x="3372766" y="252134"/>
+                </a:lnTo>
+                <a:lnTo>
+                  <a:pt x="3514040" y="252134"/>
+                </a:lnTo>
+                <a:lnTo>
+                  <a:pt x="3656686" y="253142"/>
+                </a:lnTo>
+                <a:lnTo>
+                  <a:pt x="3800705" y="252134"/>
+                </a:lnTo>
+                <a:lnTo>
+                  <a:pt x="3946780" y="250117"/>
+                </a:lnTo>
+                <a:lnTo>
+                  <a:pt x="4092856" y="248268"/>
+                </a:lnTo>
+                <a:lnTo>
+                  <a:pt x="4240988" y="244234"/>
+                </a:lnTo>
+                <a:lnTo>
+                  <a:pt x="4390492" y="240032"/>
+                </a:lnTo>
+                <a:lnTo>
+                  <a:pt x="4539997" y="235157"/>
+                </a:lnTo>
+                <a:lnTo>
+                  <a:pt x="4690873" y="228266"/>
+                </a:lnTo>
+                <a:lnTo>
+                  <a:pt x="4843120" y="220029"/>
+                </a:lnTo>
+                <a:lnTo>
+                  <a:pt x="4996054" y="212129"/>
+                </a:lnTo>
+                <a:lnTo>
+                  <a:pt x="5148987" y="202044"/>
+                </a:lnTo>
+                <a:lnTo>
+                  <a:pt x="5303978" y="189941"/>
+                </a:lnTo>
+                <a:lnTo>
+                  <a:pt x="5456911" y="177839"/>
+                </a:lnTo>
+                <a:lnTo>
+                  <a:pt x="5612588" y="163887"/>
+                </a:lnTo>
+                <a:lnTo>
+                  <a:pt x="5768950" y="148591"/>
+                </a:lnTo>
+                <a:lnTo>
+                  <a:pt x="5923255" y="132455"/>
+                </a:lnTo>
+                <a:lnTo>
+                  <a:pt x="6079618" y="113629"/>
+                </a:lnTo>
+                <a:lnTo>
+                  <a:pt x="6235294" y="93458"/>
+                </a:lnTo>
+                <a:lnTo>
+                  <a:pt x="6391657" y="73455"/>
+                </a:lnTo>
+                <a:lnTo>
+                  <a:pt x="6547333" y="50091"/>
+                </a:lnTo>
+                <a:lnTo>
+                  <a:pt x="6702324" y="26222"/>
+                </a:lnTo>
+                <a:close/>
+              </a:path>
+            </a:pathLst>
+          </a:custGeom>
+          <a:ln>
+            <a:noFill/>
+          </a:ln>
+        </p:spPr>
+      </p:sp>
+      <p:pic>
+        <p:nvPicPr>
+          <p:cNvPr id="3074" name="Picture 2">
+            <a:extLst>
+              <a:ext uri="{FF2B5EF4-FFF2-40B4-BE49-F238E27FC236}">
+                <a16:creationId xmlns:a16="http://schemas.microsoft.com/office/drawing/2014/main" id="{5F77D7C5-4F07-52AB-D327-DEF395F602D7}"/>
+              </a:ext>
+            </a:extLst>
+          </p:cNvPr>
+          <p:cNvPicPr>
+            <a:picLocks noChangeAspect="1" noChangeArrowheads="1"/>
+          </p:cNvPicPr>
+          <p:nvPr/>
+        </p:nvPicPr>
+        <p:blipFill>
+          <a:blip r:embed="rId2">
+            <a:extLst>
+              <a:ext uri="{28A0092B-C50C-407E-A947-70E740481C1C}">
+                <a14:useLocalDpi xmlns:a14="http://schemas.microsoft.com/office/drawing/2010/main" val="0"/>
+              </a:ext>
+            </a:extLst>
+          </a:blip>
+          <a:stretch>
+            <a:fillRect/>
+          </a:stretch>
+        </p:blipFill>
+        <p:spPr bwMode="auto">
+          <a:xfrm>
+            <a:off x="5945271" y="1059633"/>
+            <a:ext cx="5449889" cy="5300016"/>
+          </a:xfrm>
+          <a:prstGeom prst="rect">
+            <a:avLst/>
+          </a:prstGeom>
+          <a:noFill/>
+          <a:effectLst/>
+          <a:extLst>
+            <a:ext uri="{909E8E84-426E-40DD-AFC4-6F175D3DCCD1}">
+              <a14:hiddenFill xmlns:a14="http://schemas.microsoft.com/office/drawing/2010/main">
+                <a:solidFill>
+                  <a:srgbClr val="FFFFFF"/>
+                </a:solidFill>
+              </a14:hiddenFill>
+            </a:ext>
+          </a:extLst>
+        </p:spPr>
+      </p:pic>
+      <p:sp>
+        <p:nvSpPr>
+          <p:cNvPr id="3090" name="Rectangle 3084">
+            <a:extLst>
+              <a:ext uri="{FF2B5EF4-FFF2-40B4-BE49-F238E27FC236}">
+                <a16:creationId xmlns:a16="http://schemas.microsoft.com/office/drawing/2014/main" id="{A92A1116-1C84-41DF-B803-1F7B0883EC82}"/>
+              </a:ext>
+              <a:ext uri="{C183D7F6-B498-43B3-948B-1728B52AA6E4}">
+                <adec:decorative xmlns:adec="http://schemas.microsoft.com/office/drawing/2017/decorative" val="1"/>
+              </a:ext>
+            </a:extLst>
+          </p:cNvPr>
+          <p:cNvSpPr>
+            <a:spLocks noGrp="1" noRot="1" noChangeAspect="1" noMove="1" noResize="1" noEditPoints="1" noAdjustHandles="1" noChangeArrowheads="1" noChangeShapeType="1" noTextEdit="1"/>
+          </p:cNvSpPr>
+          <p:nvPr>
+            <p:extLst>
+              <p:ext uri="{386F3935-93C4-4BCD-93E2-E3B085C9AB24}">
+                <p16:designElem xmlns:p16="http://schemas.microsoft.com/office/powerpoint/2015/main" val="1"/>
+              </p:ext>
+            </p:extLst>
+          </p:nvPr>
+        </p:nvSpPr>
+        <p:spPr>
+          <a:xfrm>
+            <a:off x="10442448" y="0"/>
+            <a:ext cx="685800" cy="1143000"/>
+          </a:xfrm>
+          <a:prstGeom prst="rect">
+            <a:avLst/>
+          </a:prstGeom>
+          <a:solidFill>
+            <a:schemeClr val="accent1"/>
+          </a:solidFill>
+          <a:ln>
+            <a:noFill/>
+          </a:ln>
+        </p:spPr>
+        <p:style>
+          <a:lnRef idx="1">
+            <a:schemeClr val="accent1"/>
+          </a:lnRef>
+          <a:fillRef idx="3">
+            <a:schemeClr val="accent1"/>
+          </a:fillRef>
+          <a:effectRef idx="2">
+            <a:schemeClr val="accent1"/>
+          </a:effectRef>
+          <a:fontRef idx="minor">
+            <a:schemeClr val="lt1"/>
+          </a:fontRef>
+        </p:style>
+      </p:sp>
+    </p:spTree>
+    <p:extLst>
+      <p:ext uri="{BB962C8B-B14F-4D97-AF65-F5344CB8AC3E}">
+        <p14:creationId xmlns:p14="http://schemas.microsoft.com/office/powerpoint/2010/main" val="672562294"/>
+      </p:ext>
+    </p:extLst>
+  </p:cSld>
+  <p:clrMapOvr>
+    <a:overrideClrMapping bg1="lt1" tx1="dk1" bg2="lt2" tx2="dk2" accent1="accent1" accent2="accent2" accent3="accent3" accent4="accent4" accent5="accent5" accent6="accent6" hlink="hlink" folHlink="folHlink"/>
+  </p:clrMapOvr>
+</p:sld>
+</file>
+
+<file path=ppt/slides/slide12.xml><?xml version="1.0" encoding="utf-8"?>
+<p:sld xmlns:a="http://schemas.openxmlformats.org/drawingml/2006/main" xmlns:r="http://schemas.openxmlformats.org/officeDocument/2006/relationships" xmlns:p="http://schemas.openxmlformats.org/presentationml/2006/main">
+  <p:cSld>
+    <p:bg>
+      <p:bgPr>
+        <a:solidFill>
+          <a:schemeClr val="bg1"/>
+        </a:solidFill>
+        <a:effectLst/>
+      </p:bgPr>
+    </p:bg>
+    <p:spTree>
+      <p:nvGrpSpPr>
+        <p:cNvPr id="1" name=""/>
+        <p:cNvGrpSpPr/>
+        <p:nvPr/>
+      </p:nvGrpSpPr>
+      <p:grpSpPr>
+        <a:xfrm>
+          <a:off x="0" y="0"/>
+          <a:ext cx="0" cy="0"/>
+          <a:chOff x="0" y="0"/>
+          <a:chExt cx="0" cy="0"/>
+        </a:xfrm>
+      </p:grpSpPr>
+      <p:pic>
+        <p:nvPicPr>
+          <p:cNvPr id="6168" name="Picture 6150">
+            <a:extLst>
+              <a:ext uri="{FF2B5EF4-FFF2-40B4-BE49-F238E27FC236}">
+                <a16:creationId xmlns:a16="http://schemas.microsoft.com/office/drawing/2014/main" id="{41B68C77-138E-4BF7-A276-BD0C78A4219F}"/>
+              </a:ext>
+              <a:ext uri="{C183D7F6-B498-43B3-948B-1728B52AA6E4}">
+                <adec:decorative xmlns:adec="http://schemas.microsoft.com/office/drawing/2017/decorative" val="1"/>
+              </a:ext>
+            </a:extLst>
+          </p:cNvPr>
+          <p:cNvPicPr>
+            <a:picLocks noGrp="1" noRot="1" noChangeAspect="1" noMove="1" noResize="1" noEditPoints="1" noAdjustHandles="1" noChangeArrowheads="1" noChangeShapeType="1" noCrop="1"/>
+          </p:cNvPicPr>
+          <p:nvPr>
+            <p:extLst>
+              <p:ext uri="{386F3935-93C4-4BCD-93E2-E3B085C9AB24}">
+                <p16:designElem xmlns:p16="http://schemas.microsoft.com/office/powerpoint/2015/main" val="1"/>
+              </p:ext>
+            </p:extLst>
+          </p:nvPr>
+        </p:nvPicPr>
+        <p:blipFill rotWithShape="1">
+          <a:blip r:embed="rId2">
+            <a:extLst>
+              <a:ext uri="{28A0092B-C50C-407E-A947-70E740481C1C}">
+                <a14:useLocalDpi xmlns:a14="http://schemas.microsoft.com/office/drawing/2010/main" val="0"/>
+              </a:ext>
+            </a:extLst>
+          </a:blip>
+          <a:srcRect l="3613"/>
+          <a:stretch/>
+        </p:blipFill>
+        <p:spPr>
+          <a:xfrm>
+            <a:off x="0" y="2669685"/>
+            <a:ext cx="4037012" cy="4188315"/>
+          </a:xfrm>
+          <a:prstGeom prst="rect">
+            <a:avLst/>
+          </a:prstGeom>
+        </p:spPr>
+      </p:pic>
+      <p:pic>
+        <p:nvPicPr>
+          <p:cNvPr id="6170" name="Picture 6152">
+            <a:extLst>
+              <a:ext uri="{FF2B5EF4-FFF2-40B4-BE49-F238E27FC236}">
+                <a16:creationId xmlns:a16="http://schemas.microsoft.com/office/drawing/2014/main" id="{7C268552-D473-46ED-B1B8-422042C4DEF1}"/>
+              </a:ext>
+              <a:ext uri="{C183D7F6-B498-43B3-948B-1728B52AA6E4}">
+                <adec:decorative xmlns:adec="http://schemas.microsoft.com/office/drawing/2017/decorative" val="1"/>
+              </a:ext>
+            </a:extLst>
+          </p:cNvPr>
+          <p:cNvPicPr>
+            <a:picLocks noGrp="1" noRot="1" noChangeAspect="1" noMove="1" noResize="1" noEditPoints="1" noAdjustHandles="1" noChangeArrowheads="1" noChangeShapeType="1" noCrop="1"/>
+          </p:cNvPicPr>
+          <p:nvPr>
+            <p:extLst>
+              <p:ext uri="{386F3935-93C4-4BCD-93E2-E3B085C9AB24}">
+                <p16:designElem xmlns:p16="http://schemas.microsoft.com/office/powerpoint/2015/main" val="1"/>
+              </p:ext>
+            </p:extLst>
+          </p:nvPr>
+        </p:nvPicPr>
+        <p:blipFill rotWithShape="1">
+          <a:blip r:embed="rId3">
+            <a:extLst>
+              <a:ext uri="{28A0092B-C50C-407E-A947-70E740481C1C}">
+                <a14:useLocalDpi xmlns:a14="http://schemas.microsoft.com/office/drawing/2010/main" val="0"/>
+              </a:ext>
+            </a:extLst>
+          </a:blip>
+          <a:srcRect l="35640"/>
+          <a:stretch/>
+        </p:blipFill>
+        <p:spPr>
+          <a:xfrm>
+            <a:off x="0" y="2892347"/>
+            <a:ext cx="1522412" cy="2365453"/>
+          </a:xfrm>
+          <a:prstGeom prst="rect">
+            <a:avLst/>
+          </a:prstGeom>
+        </p:spPr>
+      </p:pic>
+      <p:sp>
+        <p:nvSpPr>
+          <p:cNvPr id="6171" name="Oval 6154">
+            <a:extLst>
+              <a:ext uri="{FF2B5EF4-FFF2-40B4-BE49-F238E27FC236}">
+                <a16:creationId xmlns:a16="http://schemas.microsoft.com/office/drawing/2014/main" id="{4AC0CD9D-7610-4620-93B4-798CCD9AB581}"/>
+              </a:ext>
+              <a:ext uri="{C183D7F6-B498-43B3-948B-1728B52AA6E4}">
+                <adec:decorative xmlns:adec="http://schemas.microsoft.com/office/drawing/2017/decorative" val="1"/>
+              </a:ext>
+            </a:extLst>
+          </p:cNvPr>
+          <p:cNvSpPr>
+            <a:spLocks noGrp="1" noRot="1" noChangeAspect="1" noMove="1" noResize="1" noEditPoints="1" noAdjustHandles="1" noChangeArrowheads="1" noChangeShapeType="1" noTextEdit="1"/>
+          </p:cNvSpPr>
+          <p:nvPr>
+            <p:extLst>
+              <p:ext uri="{386F3935-93C4-4BCD-93E2-E3B085C9AB24}">
+                <p16:designElem xmlns:p16="http://schemas.microsoft.com/office/powerpoint/2015/main" val="1"/>
+              </p:ext>
+            </p:extLst>
+          </p:nvPr>
+        </p:nvSpPr>
+        <p:spPr>
+          <a:xfrm>
+            <a:off x="8609012" y="1676400"/>
+            <a:ext cx="2819400" cy="2819400"/>
+          </a:xfrm>
+          <a:prstGeom prst="ellipse">
+            <a:avLst/>
+          </a:prstGeom>
+          <a:gradFill flip="none" rotWithShape="1">
+            <a:gsLst>
+              <a:gs pos="0">
+                <a:schemeClr val="bg2">
+                  <a:lumMod val="60000"/>
+                  <a:lumOff val="40000"/>
+                  <a:alpha val="7000"/>
+                </a:schemeClr>
+              </a:gs>
+              <a:gs pos="69000">
+                <a:schemeClr val="bg2">
+                  <a:lumMod val="60000"/>
+                  <a:lumOff val="40000"/>
+                  <a:alpha val="0"/>
+                </a:schemeClr>
+              </a:gs>
+              <a:gs pos="36000">
+                <a:schemeClr val="bg2">
+                  <a:lumMod val="60000"/>
+                  <a:lumOff val="40000"/>
+                  <a:alpha val="6000"/>
+                </a:schemeClr>
+              </a:gs>
+            </a:gsLst>
+            <a:path path="circle">
+              <a:fillToRect l="50000" t="50000" r="50000" b="50000"/>
+            </a:path>
+            <a:tileRect/>
+          </a:gradFill>
+          <a:ln>
+            <a:noFill/>
+          </a:ln>
+          <a:effectLst/>
+        </p:spPr>
+        <p:style>
+          <a:lnRef idx="1">
+            <a:schemeClr val="accent1"/>
+          </a:lnRef>
+          <a:fillRef idx="3">
+            <a:schemeClr val="accent1"/>
+          </a:fillRef>
+          <a:effectRef idx="2">
+            <a:schemeClr val="accent1"/>
+          </a:effectRef>
+          <a:fontRef idx="minor">
+            <a:schemeClr val="lt1"/>
+          </a:fontRef>
+        </p:style>
+      </p:sp>
+      <p:pic>
+        <p:nvPicPr>
+          <p:cNvPr id="6172" name="Picture 6156">
+            <a:extLst>
+              <a:ext uri="{FF2B5EF4-FFF2-40B4-BE49-F238E27FC236}">
+                <a16:creationId xmlns:a16="http://schemas.microsoft.com/office/drawing/2014/main" id="{B9238B3E-24AA-439A-B527-6C5DF6D72145}"/>
+              </a:ext>
+              <a:ext uri="{C183D7F6-B498-43B3-948B-1728B52AA6E4}">
+                <adec:decorative xmlns:adec="http://schemas.microsoft.com/office/drawing/2017/decorative" val="1"/>
+              </a:ext>
+            </a:extLst>
+          </p:cNvPr>
+          <p:cNvPicPr>
+            <a:picLocks noGrp="1" noRot="1" noChangeAspect="1" noMove="1" noResize="1" noEditPoints="1" noAdjustHandles="1" noChangeArrowheads="1" noChangeShapeType="1" noCrop="1"/>
+          </p:cNvPicPr>
+          <p:nvPr>
+            <p:extLst>
+              <p:ext uri="{386F3935-93C4-4BCD-93E2-E3B085C9AB24}">
+                <p16:designElem xmlns:p16="http://schemas.microsoft.com/office/powerpoint/2015/main" val="1"/>
+              </p:ext>
+            </p:extLst>
+          </p:nvPr>
+        </p:nvPicPr>
+        <p:blipFill rotWithShape="1">
+          <a:blip r:embed="rId4">
+            <a:extLst>
+              <a:ext uri="{28A0092B-C50C-407E-A947-70E740481C1C}">
+                <a14:useLocalDpi xmlns:a14="http://schemas.microsoft.com/office/drawing/2010/main" val="0"/>
+              </a:ext>
+            </a:extLst>
+          </a:blip>
+          <a:srcRect t="28813"/>
+          <a:stretch/>
+        </p:blipFill>
+        <p:spPr>
+          <a:xfrm>
+            <a:off x="7999412" y="0"/>
+            <a:ext cx="1603387" cy="1141407"/>
+          </a:xfrm>
+          <a:prstGeom prst="rect">
+            <a:avLst/>
+          </a:prstGeom>
+        </p:spPr>
+      </p:pic>
+      <p:pic>
+        <p:nvPicPr>
+          <p:cNvPr id="6173" name="Picture 6158">
+            <a:extLst>
+              <a:ext uri="{FF2B5EF4-FFF2-40B4-BE49-F238E27FC236}">
+                <a16:creationId xmlns:a16="http://schemas.microsoft.com/office/drawing/2014/main" id="{69F01145-BEA3-4CBF-AA21-10077B948CA8}"/>
+              </a:ext>
+              <a:ext uri="{C183D7F6-B498-43B3-948B-1728B52AA6E4}">
+                <adec:decorative xmlns:adec="http://schemas.microsoft.com/office/drawing/2017/decorative" val="1"/>
+              </a:ext>
+            </a:extLst>
+          </p:cNvPr>
+          <p:cNvPicPr>
+            <a:picLocks noGrp="1" noRot="1" noChangeAspect="1" noMove="1" noResize="1" noEditPoints="1" noAdjustHandles="1" noChangeArrowheads="1" noChangeShapeType="1" noCrop="1"/>
+          </p:cNvPicPr>
+          <p:nvPr>
+            <p:extLst>
+              <p:ext uri="{386F3935-93C4-4BCD-93E2-E3B085C9AB24}">
+                <p16:designElem xmlns:p16="http://schemas.microsoft.com/office/powerpoint/2015/main" val="1"/>
+              </p:ext>
+            </p:extLst>
+          </p:nvPr>
+        </p:nvPicPr>
+        <p:blipFill rotWithShape="1">
+          <a:blip r:embed="rId5">
+            <a:extLst>
+              <a:ext uri="{28A0092B-C50C-407E-A947-70E740481C1C}">
+                <a14:useLocalDpi xmlns:a14="http://schemas.microsoft.com/office/drawing/2010/main" val="0"/>
+              </a:ext>
+            </a:extLst>
+          </a:blip>
+          <a:srcRect b="23320"/>
+          <a:stretch/>
+        </p:blipFill>
+        <p:spPr>
+          <a:xfrm>
+            <a:off x="8605878" y="6096000"/>
+            <a:ext cx="993734" cy="762000"/>
+          </a:xfrm>
+          <a:prstGeom prst="rect">
+            <a:avLst/>
+          </a:prstGeom>
+        </p:spPr>
+      </p:pic>
+      <p:sp>
+        <p:nvSpPr>
+          <p:cNvPr id="6174" name="Rectangle 6160">
+            <a:extLst>
+              <a:ext uri="{FF2B5EF4-FFF2-40B4-BE49-F238E27FC236}">
+                <a16:creationId xmlns:a16="http://schemas.microsoft.com/office/drawing/2014/main" id="{DE4D62F9-188E-4530-84C2-24BDEE4BEB82}"/>
+              </a:ext>
+              <a:ext uri="{C183D7F6-B498-43B3-948B-1728B52AA6E4}">
+                <adec:decorative xmlns:adec="http://schemas.microsoft.com/office/drawing/2017/decorative" val="1"/>
+              </a:ext>
+            </a:extLst>
+          </p:cNvPr>
+          <p:cNvSpPr>
+            <a:spLocks noGrp="1" noRot="1" noChangeAspect="1" noMove="1" noResize="1" noEditPoints="1" noAdjustHandles="1" noChangeArrowheads="1" noChangeShapeType="1" noTextEdit="1"/>
+          </p:cNvSpPr>
+          <p:nvPr>
+            <p:extLst>
+              <p:ext uri="{386F3935-93C4-4BCD-93E2-E3B085C9AB24}">
+                <p16:designElem xmlns:p16="http://schemas.microsoft.com/office/powerpoint/2015/main" val="1"/>
+              </p:ext>
+            </p:extLst>
+          </p:nvPr>
+        </p:nvSpPr>
+        <p:spPr>
+          <a:xfrm>
+            <a:off x="10437812" y="0"/>
+            <a:ext cx="685800" cy="1143000"/>
+          </a:xfrm>
+          <a:prstGeom prst="rect">
+            <a:avLst/>
+          </a:prstGeom>
+          <a:solidFill>
+            <a:schemeClr val="accent1"/>
+          </a:solidFill>
+          <a:ln>
+            <a:noFill/>
+          </a:ln>
+        </p:spPr>
+        <p:style>
+          <a:lnRef idx="1">
+            <a:schemeClr val="accent1"/>
+          </a:lnRef>
+          <a:fillRef idx="3">
+            <a:schemeClr val="accent1"/>
+          </a:fillRef>
+          <a:effectRef idx="2">
+            <a:schemeClr val="accent1"/>
+          </a:effectRef>
+          <a:fontRef idx="minor">
+            <a:schemeClr val="lt1"/>
+          </a:fontRef>
+        </p:style>
+      </p:sp>
+      <p:sp>
+        <p:nvSpPr>
+          <p:cNvPr id="6175" name="Rectangle 6162">
+            <a:extLst>
+              <a:ext uri="{FF2B5EF4-FFF2-40B4-BE49-F238E27FC236}">
+                <a16:creationId xmlns:a16="http://schemas.microsoft.com/office/drawing/2014/main" id="{757B325C-3E35-45CF-9D07-3BCB281F3B9C}"/>
+              </a:ext>
+              <a:ext uri="{C183D7F6-B498-43B3-948B-1728B52AA6E4}">
+                <adec:decorative xmlns:adec="http://schemas.microsoft.com/office/drawing/2017/decorative" val="1"/>
+              </a:ext>
+            </a:extLst>
+          </p:cNvPr>
+          <p:cNvSpPr>
+            <a:spLocks noGrp="1" noRot="1" noChangeAspect="1" noMove="1" noResize="1" noEditPoints="1" noAdjustHandles="1" noChangeArrowheads="1" noChangeShapeType="1" noTextEdit="1"/>
+          </p:cNvSpPr>
+          <p:nvPr>
+            <p:extLst>
+              <p:ext uri="{386F3935-93C4-4BCD-93E2-E3B085C9AB24}">
+                <p16:designElem xmlns:p16="http://schemas.microsoft.com/office/powerpoint/2015/main" val="1"/>
+              </p:ext>
+            </p:extLst>
+          </p:nvPr>
+        </p:nvSpPr>
+        <p:spPr>
+          <a:xfrm>
+            <a:off x="0" y="0"/>
+            <a:ext cx="12192000" cy="6858000"/>
+          </a:xfrm>
+          <a:prstGeom prst="rect">
+            <a:avLst/>
+          </a:prstGeom>
+          <a:ln>
+            <a:noFill/>
+          </a:ln>
+        </p:spPr>
+        <p:style>
+          <a:lnRef idx="2">
+            <a:schemeClr val="accent1">
+              <a:shade val="50000"/>
+            </a:schemeClr>
+          </a:lnRef>
+          <a:fillRef idx="1003">
+            <a:schemeClr val="dk2"/>
+          </a:fillRef>
+          <a:effectRef idx="0">
+            <a:schemeClr val="accent1"/>
+          </a:effectRef>
+          <a:fontRef idx="minor">
+            <a:schemeClr val="lt1"/>
+          </a:fontRef>
+        </p:style>
+        <p:txBody>
+          <a:bodyPr rtlCol="0" anchor="ctr"/>
+          <a:lstStyle/>
+          <a:p>
+            <a:pPr algn="ctr"/>
+            <a:endParaRPr lang="en-US"/>
+          </a:p>
+        </p:txBody>
+      </p:sp>
+      <p:sp>
+        <p:nvSpPr>
+          <p:cNvPr id="2" name="Title 1">
+            <a:extLst>
+              <a:ext uri="{FF2B5EF4-FFF2-40B4-BE49-F238E27FC236}">
+                <a16:creationId xmlns:a16="http://schemas.microsoft.com/office/drawing/2014/main" id="{60B9C756-BFC6-211E-4587-FBA5ACB27CC5}"/>
+              </a:ext>
+            </a:extLst>
+          </p:cNvPr>
+          <p:cNvSpPr>
+            <a:spLocks noGrp="1"/>
+          </p:cNvSpPr>
+          <p:nvPr>
+            <p:ph type="title"/>
+          </p:nvPr>
+        </p:nvSpPr>
+        <p:spPr>
+          <a:xfrm>
+            <a:off x="8191925" y="1325880"/>
+            <a:ext cx="3352375" cy="3066507"/>
+          </a:xfrm>
+        </p:spPr>
+        <p:txBody>
+          <a:bodyPr vert="horz" lIns="91440" tIns="45720" rIns="91440" bIns="45720" rtlCol="0" anchor="b">
+            <a:normAutofit/>
+          </a:bodyPr>
+          <a:lstStyle/>
+          <a:p>
+            <a:r>
+              <a:rPr lang="en-GB" sz="5400" dirty="0">
+                <a:solidFill>
+                  <a:srgbClr val="EBEBEB"/>
+                </a:solidFill>
+              </a:rPr>
+              <a:t>RFE </a:t>
+            </a:r>
+            <a:r>
+              <a:rPr lang="en-GB" sz="3600" dirty="0">
+                <a:solidFill>
+                  <a:srgbClr val="EBEBEB"/>
+                </a:solidFill>
+              </a:rPr>
+              <a:t>FEATURE EXTRACTION-SHAP </a:t>
+            </a:r>
+            <a:r>
+              <a:rPr lang="en-GB" sz="3600" dirty="0" err="1">
+                <a:solidFill>
+                  <a:srgbClr val="EBEBEB"/>
+                </a:solidFill>
+              </a:rPr>
+              <a:t>XGBoost</a:t>
+            </a:r>
+            <a:br>
+              <a:rPr lang="en-GB" sz="3600" dirty="0">
+                <a:solidFill>
+                  <a:srgbClr val="EBEBEB"/>
+                </a:solidFill>
+              </a:rPr>
+            </a:br>
+            <a:endParaRPr lang="en-US" sz="3600" b="0" i="0" kern="1200" dirty="0">
+              <a:solidFill>
+                <a:srgbClr val="EBEBEB"/>
+              </a:solidFill>
+              <a:latin typeface="+mj-lt"/>
+              <a:ea typeface="+mj-ea"/>
+              <a:cs typeface="+mj-cs"/>
+            </a:endParaRPr>
+          </a:p>
+        </p:txBody>
+      </p:sp>
+      <p:sp>
+        <p:nvSpPr>
+          <p:cNvPr id="6176" name="Freeform 36">
+            <a:extLst>
+              <a:ext uri="{FF2B5EF4-FFF2-40B4-BE49-F238E27FC236}">
+                <a16:creationId xmlns:a16="http://schemas.microsoft.com/office/drawing/2014/main" id="{C24BEC42-AFF3-40D1-93A2-A27A42E1E23C}"/>
+              </a:ext>
+              <a:ext uri="{C183D7F6-B498-43B3-948B-1728B52AA6E4}">
+                <adec:decorative xmlns:adec="http://schemas.microsoft.com/office/drawing/2017/decorative" val="1"/>
+              </a:ext>
+            </a:extLst>
+          </p:cNvPr>
+          <p:cNvSpPr>
+            <a:spLocks noGrp="1" noRot="1" noChangeAspect="1" noMove="1" noResize="1" noEditPoints="1" noAdjustHandles="1" noChangeArrowheads="1" noChangeShapeType="1" noTextEdit="1"/>
+          </p:cNvSpPr>
+          <p:nvPr>
+            <p:extLst>
+              <p:ext uri="{386F3935-93C4-4BCD-93E2-E3B085C9AB24}">
+                <p16:designElem xmlns:p16="http://schemas.microsoft.com/office/powerpoint/2015/main" val="1"/>
+              </p:ext>
+            </p:extLst>
+          </p:nvPr>
+        </p:nvSpPr>
+        <p:spPr>
+          <a:xfrm flipH="1">
+            <a:off x="7463681" y="-1"/>
+            <a:ext cx="559472" cy="3709642"/>
+          </a:xfrm>
+          <a:custGeom>
+            <a:avLst/>
+            <a:gdLst>
+              <a:gd name="connsiteX0" fmla="*/ 0 w 559472"/>
+              <a:gd name="connsiteY0" fmla="*/ 0 h 3709642"/>
+              <a:gd name="connsiteX1" fmla="*/ 473952 w 559472"/>
+              <a:gd name="connsiteY1" fmla="*/ 0 h 3709642"/>
+              <a:gd name="connsiteX2" fmla="*/ 485840 w 559472"/>
+              <a:gd name="connsiteY2" fmla="*/ 161194 h 3709642"/>
+              <a:gd name="connsiteX3" fmla="*/ 523949 w 559472"/>
+              <a:gd name="connsiteY3" fmla="*/ 3672197 h 3709642"/>
+              <a:gd name="connsiteX4" fmla="*/ 454748 w 559472"/>
+              <a:gd name="connsiteY4" fmla="*/ 3709642 h 3709642"/>
+              <a:gd name="connsiteX5" fmla="*/ 448224 w 559472"/>
+              <a:gd name="connsiteY5" fmla="*/ 3510471 h 3709642"/>
+              <a:gd name="connsiteX6" fmla="*/ 443564 w 559472"/>
+              <a:gd name="connsiteY6" fmla="*/ 3408563 h 3709642"/>
+              <a:gd name="connsiteX7" fmla="*/ 438902 w 559472"/>
+              <a:gd name="connsiteY7" fmla="*/ 3304407 h 3709642"/>
+              <a:gd name="connsiteX8" fmla="*/ 433941 w 559472"/>
+              <a:gd name="connsiteY8" fmla="*/ 3198777 h 3709642"/>
+              <a:gd name="connsiteX9" fmla="*/ 427584 w 559472"/>
+              <a:gd name="connsiteY9" fmla="*/ 3092510 h 3709642"/>
+              <a:gd name="connsiteX10" fmla="*/ 420988 w 559472"/>
+              <a:gd name="connsiteY10" fmla="*/ 2984390 h 3709642"/>
+              <a:gd name="connsiteX11" fmla="*/ 414330 w 559472"/>
+              <a:gd name="connsiteY11" fmla="*/ 2874401 h 3709642"/>
+              <a:gd name="connsiteX12" fmla="*/ 406840 w 559472"/>
+              <a:gd name="connsiteY12" fmla="*/ 2762980 h 3709642"/>
+              <a:gd name="connsiteX13" fmla="*/ 397745 w 559472"/>
+              <a:gd name="connsiteY13" fmla="*/ 2650566 h 3709642"/>
+              <a:gd name="connsiteX14" fmla="*/ 389154 w 559472"/>
+              <a:gd name="connsiteY14" fmla="*/ 2536612 h 3709642"/>
+              <a:gd name="connsiteX15" fmla="*/ 379225 w 559472"/>
+              <a:gd name="connsiteY15" fmla="*/ 2421642 h 3709642"/>
+              <a:gd name="connsiteX16" fmla="*/ 368316 w 559472"/>
+              <a:gd name="connsiteY16" fmla="*/ 2305627 h 3709642"/>
+              <a:gd name="connsiteX17" fmla="*/ 357466 w 559472"/>
+              <a:gd name="connsiteY17" fmla="*/ 2189233 h 3709642"/>
+              <a:gd name="connsiteX18" fmla="*/ 344982 w 559472"/>
+              <a:gd name="connsiteY18" fmla="*/ 2071473 h 3709642"/>
+              <a:gd name="connsiteX19" fmla="*/ 332466 w 559472"/>
+              <a:gd name="connsiteY19" fmla="*/ 1952216 h 3709642"/>
+              <a:gd name="connsiteX20" fmla="*/ 319121 w 559472"/>
+              <a:gd name="connsiteY20" fmla="*/ 1833776 h 3709642"/>
+              <a:gd name="connsiteX21" fmla="*/ 304408 w 559472"/>
+              <a:gd name="connsiteY21" fmla="*/ 1713948 h 3709642"/>
+              <a:gd name="connsiteX22" fmla="*/ 288685 w 559472"/>
+              <a:gd name="connsiteY22" fmla="*/ 1592703 h 3709642"/>
+              <a:gd name="connsiteX23" fmla="*/ 273050 w 559472"/>
+              <a:gd name="connsiteY23" fmla="*/ 1471451 h 3709642"/>
+              <a:gd name="connsiteX24" fmla="*/ 255813 w 559472"/>
+              <a:gd name="connsiteY24" fmla="*/ 1350328 h 3709642"/>
+              <a:gd name="connsiteX25" fmla="*/ 237060 w 559472"/>
+              <a:gd name="connsiteY25" fmla="*/ 1227080 h 3709642"/>
+              <a:gd name="connsiteX26" fmla="*/ 218488 w 559472"/>
+              <a:gd name="connsiteY26" fmla="*/ 1106065 h 3709642"/>
+              <a:gd name="connsiteX27" fmla="*/ 198221 w 559472"/>
+              <a:gd name="connsiteY27" fmla="*/ 982940 h 3709642"/>
+              <a:gd name="connsiteX28" fmla="*/ 177152 w 559472"/>
+              <a:gd name="connsiteY28" fmla="*/ 858755 h 3709642"/>
+              <a:gd name="connsiteX29" fmla="*/ 155551 w 559472"/>
+              <a:gd name="connsiteY29" fmla="*/ 736861 h 3709642"/>
+              <a:gd name="connsiteX30" fmla="*/ 131782 w 559472"/>
+              <a:gd name="connsiteY30" fmla="*/ 613645 h 3709642"/>
+              <a:gd name="connsiteX31" fmla="*/ 107123 w 559472"/>
+              <a:gd name="connsiteY31" fmla="*/ 490500 h 3709642"/>
+              <a:gd name="connsiteX32" fmla="*/ 82552 w 559472"/>
+              <a:gd name="connsiteY32" fmla="*/ 367348 h 3709642"/>
+              <a:gd name="connsiteX33" fmla="*/ 55608 w 559472"/>
+              <a:gd name="connsiteY33" fmla="*/ 244762 h 3709642"/>
+              <a:gd name="connsiteX34" fmla="*/ 28130 w 559472"/>
+              <a:gd name="connsiteY34" fmla="*/ 122220 h 3709642"/>
+              <a:gd name="connsiteX35" fmla="*/ 0 w 559472"/>
+              <a:gd name="connsiteY35" fmla="*/ 0 h 3709642"/>
+            </a:gdLst>
+            <a:ahLst/>
+            <a:cxnLst>
+              <a:cxn ang="0">
+                <a:pos x="connsiteX0" y="connsiteY0"/>
+              </a:cxn>
+              <a:cxn ang="0">
+                <a:pos x="connsiteX1" y="connsiteY1"/>
+              </a:cxn>
+              <a:cxn ang="0">
+                <a:pos x="connsiteX2" y="connsiteY2"/>
+              </a:cxn>
+              <a:cxn ang="0">
+                <a:pos x="connsiteX3" y="connsiteY3"/>
+              </a:cxn>
+              <a:cxn ang="0">
+                <a:pos x="connsiteX4" y="connsiteY4"/>
+              </a:cxn>
+              <a:cxn ang="0">
+                <a:pos x="connsiteX5" y="connsiteY5"/>
+              </a:cxn>
+              <a:cxn ang="0">
+                <a:pos x="connsiteX6" y="connsiteY6"/>
+              </a:cxn>
+              <a:cxn ang="0">
+                <a:pos x="connsiteX7" y="connsiteY7"/>
+              </a:cxn>
+              <a:cxn ang="0">
+                <a:pos x="connsiteX8" y="connsiteY8"/>
+              </a:cxn>
+              <a:cxn ang="0">
+                <a:pos x="connsiteX9" y="connsiteY9"/>
+              </a:cxn>
+              <a:cxn ang="0">
+                <a:pos x="connsiteX10" y="connsiteY10"/>
+              </a:cxn>
+              <a:cxn ang="0">
+                <a:pos x="connsiteX11" y="connsiteY11"/>
+              </a:cxn>
+              <a:cxn ang="0">
+                <a:pos x="connsiteX12" y="connsiteY12"/>
+              </a:cxn>
+              <a:cxn ang="0">
+                <a:pos x="connsiteX13" y="connsiteY13"/>
+              </a:cxn>
+              <a:cxn ang="0">
+                <a:pos x="connsiteX14" y="connsiteY14"/>
+              </a:cxn>
+              <a:cxn ang="0">
+                <a:pos x="connsiteX15" y="connsiteY15"/>
+              </a:cxn>
+              <a:cxn ang="0">
+                <a:pos x="connsiteX16" y="connsiteY16"/>
+              </a:cxn>
+              <a:cxn ang="0">
+                <a:pos x="connsiteX17" y="connsiteY17"/>
+              </a:cxn>
+              <a:cxn ang="0">
+                <a:pos x="connsiteX18" y="connsiteY18"/>
+              </a:cxn>
+              <a:cxn ang="0">
+                <a:pos x="connsiteX19" y="connsiteY19"/>
+              </a:cxn>
+              <a:cxn ang="0">
+                <a:pos x="connsiteX20" y="connsiteY20"/>
+              </a:cxn>
+              <a:cxn ang="0">
+                <a:pos x="connsiteX21" y="connsiteY21"/>
+              </a:cxn>
+              <a:cxn ang="0">
+                <a:pos x="connsiteX22" y="connsiteY22"/>
+              </a:cxn>
+              <a:cxn ang="0">
+                <a:pos x="connsiteX23" y="connsiteY23"/>
+              </a:cxn>
+              <a:cxn ang="0">
+                <a:pos x="connsiteX24" y="connsiteY24"/>
+              </a:cxn>
+              <a:cxn ang="0">
+                <a:pos x="connsiteX25" y="connsiteY25"/>
+              </a:cxn>
+              <a:cxn ang="0">
+                <a:pos x="connsiteX26" y="connsiteY26"/>
+              </a:cxn>
+              <a:cxn ang="0">
+                <a:pos x="connsiteX27" y="connsiteY27"/>
+              </a:cxn>
+              <a:cxn ang="0">
+                <a:pos x="connsiteX28" y="connsiteY28"/>
+              </a:cxn>
+              <a:cxn ang="0">
+                <a:pos x="connsiteX29" y="connsiteY29"/>
+              </a:cxn>
+              <a:cxn ang="0">
+                <a:pos x="connsiteX30" y="connsiteY30"/>
+              </a:cxn>
+              <a:cxn ang="0">
+                <a:pos x="connsiteX31" y="connsiteY31"/>
+              </a:cxn>
+              <a:cxn ang="0">
+                <a:pos x="connsiteX32" y="connsiteY32"/>
+              </a:cxn>
+              <a:cxn ang="0">
+                <a:pos x="connsiteX33" y="connsiteY33"/>
+              </a:cxn>
+              <a:cxn ang="0">
+                <a:pos x="connsiteX34" y="connsiteY34"/>
+              </a:cxn>
+              <a:cxn ang="0">
+                <a:pos x="connsiteX35" y="connsiteY35"/>
+              </a:cxn>
+            </a:cxnLst>
+            <a:rect l="l" t="t" r="r" b="b"/>
+            <a:pathLst>
+              <a:path w="559472" h="3709642">
+                <a:moveTo>
+                  <a:pt x="0" y="0"/>
+                </a:moveTo>
+                <a:lnTo>
+                  <a:pt x="473952" y="0"/>
+                </a:lnTo>
+                <a:lnTo>
+                  <a:pt x="485840" y="161194"/>
+                </a:lnTo>
+                <a:cubicBezTo>
+                  <a:pt x="552063" y="1147770"/>
+                  <a:pt x="592441" y="3086737"/>
+                  <a:pt x="523949" y="3672197"/>
+                </a:cubicBezTo>
+                <a:cubicBezTo>
+                  <a:pt x="500842" y="3684557"/>
+                  <a:pt x="477855" y="3697282"/>
+                  <a:pt x="454748" y="3709642"/>
+                </a:cubicBezTo>
+                <a:lnTo>
+                  <a:pt x="448224" y="3510471"/>
+                </a:lnTo>
+                <a:lnTo>
+                  <a:pt x="443564" y="3408563"/>
+                </a:lnTo>
+                <a:lnTo>
+                  <a:pt x="438902" y="3304407"/>
+                </a:lnTo>
+                <a:lnTo>
+                  <a:pt x="433941" y="3198777"/>
+                </a:lnTo>
+                <a:lnTo>
+                  <a:pt x="427584" y="3092510"/>
+                </a:lnTo>
+                <a:lnTo>
+                  <a:pt x="420988" y="2984390"/>
+                </a:lnTo>
+                <a:lnTo>
+                  <a:pt x="414330" y="2874401"/>
+                </a:lnTo>
+                <a:lnTo>
+                  <a:pt x="406840" y="2762980"/>
+                </a:lnTo>
+                <a:lnTo>
+                  <a:pt x="397745" y="2650566"/>
+                </a:lnTo>
+                <a:lnTo>
+                  <a:pt x="389154" y="2536612"/>
+                </a:lnTo>
+                <a:lnTo>
+                  <a:pt x="379225" y="2421642"/>
+                </a:lnTo>
+                <a:lnTo>
+                  <a:pt x="368316" y="2305627"/>
+                </a:lnTo>
+                <a:lnTo>
+                  <a:pt x="357466" y="2189233"/>
+                </a:lnTo>
+                <a:lnTo>
+                  <a:pt x="344982" y="2071473"/>
+                </a:lnTo>
+                <a:lnTo>
+                  <a:pt x="332466" y="1952216"/>
+                </a:lnTo>
+                <a:lnTo>
+                  <a:pt x="319121" y="1833776"/>
+                </a:lnTo>
+                <a:lnTo>
+                  <a:pt x="304408" y="1713948"/>
+                </a:lnTo>
+                <a:lnTo>
+                  <a:pt x="288685" y="1592703"/>
+                </a:lnTo>
+                <a:lnTo>
+                  <a:pt x="273050" y="1471451"/>
+                </a:lnTo>
+                <a:lnTo>
+                  <a:pt x="255813" y="1350328"/>
+                </a:lnTo>
+                <a:lnTo>
+                  <a:pt x="237060" y="1227080"/>
+                </a:lnTo>
+                <a:lnTo>
+                  <a:pt x="218488" y="1106065"/>
+                </a:lnTo>
+                <a:lnTo>
+                  <a:pt x="198221" y="982940"/>
+                </a:lnTo>
+                <a:lnTo>
+                  <a:pt x="177152" y="858755"/>
+                </a:lnTo>
+                <a:lnTo>
+                  <a:pt x="155551" y="736861"/>
+                </a:lnTo>
+                <a:lnTo>
+                  <a:pt x="131782" y="613645"/>
+                </a:lnTo>
+                <a:lnTo>
+                  <a:pt x="107123" y="490500"/>
+                </a:lnTo>
+                <a:lnTo>
+                  <a:pt x="82552" y="367348"/>
+                </a:lnTo>
+                <a:lnTo>
+                  <a:pt x="55608" y="244762"/>
+                </a:lnTo>
+                <a:lnTo>
+                  <a:pt x="28130" y="122220"/>
+                </a:lnTo>
+                <a:lnTo>
+                  <a:pt x="0" y="0"/>
+                </a:lnTo>
+                <a:close/>
+              </a:path>
+            </a:pathLst>
+          </a:custGeom>
+          <a:solidFill>
+            <a:schemeClr val="bg1">
+              <a:alpha val="20000"/>
+            </a:schemeClr>
+          </a:solidFill>
+          <a:ln>
+            <a:noFill/>
+          </a:ln>
+        </p:spPr>
+        <p:txBody>
+          <a:bodyPr rtlCol="0" anchor="ctr"/>
+          <a:lstStyle/>
+          <a:p>
+            <a:pPr algn="ctr"/>
+            <a:endParaRPr lang="en-US"/>
+          </a:p>
+        </p:txBody>
+      </p:sp>
+      <p:sp useBgFill="1">
+        <p:nvSpPr>
+          <p:cNvPr id="6167" name="Freeform: Shape 6166">
+            <a:extLst>
+              <a:ext uri="{FF2B5EF4-FFF2-40B4-BE49-F238E27FC236}">
+                <a16:creationId xmlns:a16="http://schemas.microsoft.com/office/drawing/2014/main" id="{608F427C-1EC9-4280-9367-F2B3AA063E82}"/>
+              </a:ext>
+              <a:ext uri="{C183D7F6-B498-43B3-948B-1728B52AA6E4}">
+                <adec:decorative xmlns:adec="http://schemas.microsoft.com/office/drawing/2017/decorative" val="1"/>
+              </a:ext>
+            </a:extLst>
+          </p:cNvPr>
+          <p:cNvSpPr>
+            <a:spLocks noGrp="1" noRot="1" noChangeAspect="1" noMove="1" noResize="1" noEditPoints="1" noAdjustHandles="1" noChangeArrowheads="1" noChangeShapeType="1" noTextEdit="1"/>
+          </p:cNvSpPr>
+          <p:nvPr>
+            <p:extLst>
+              <p:ext uri="{386F3935-93C4-4BCD-93E2-E3B085C9AB24}">
+                <p16:designElem xmlns:p16="http://schemas.microsoft.com/office/powerpoint/2015/main" val="1"/>
+              </p:ext>
+            </p:extLst>
+          </p:nvPr>
+        </p:nvSpPr>
+        <p:spPr>
+          <a:xfrm>
+            <a:off x="0" y="0"/>
+            <a:ext cx="7809954" cy="6858000"/>
+          </a:xfrm>
+          <a:custGeom>
+            <a:avLst/>
+            <a:gdLst>
+              <a:gd name="connsiteX0" fmla="*/ 6465239 w 7809954"/>
+              <a:gd name="connsiteY0" fmla="*/ 0 h 6858000"/>
+              <a:gd name="connsiteX1" fmla="*/ 7808777 w 7809954"/>
+              <a:gd name="connsiteY1" fmla="*/ 0 h 6858000"/>
+              <a:gd name="connsiteX2" fmla="*/ 7783732 w 7809954"/>
+              <a:gd name="connsiteY2" fmla="*/ 155676 h 6858000"/>
+              <a:gd name="connsiteX3" fmla="*/ 7759863 w 7809954"/>
+              <a:gd name="connsiteY3" fmla="*/ 310667 h 6858000"/>
+              <a:gd name="connsiteX4" fmla="*/ 7736499 w 7809954"/>
+              <a:gd name="connsiteY4" fmla="*/ 466344 h 6858000"/>
+              <a:gd name="connsiteX5" fmla="*/ 7716496 w 7809954"/>
+              <a:gd name="connsiteY5" fmla="*/ 622706 h 6858000"/>
+              <a:gd name="connsiteX6" fmla="*/ 7696325 w 7809954"/>
+              <a:gd name="connsiteY6" fmla="*/ 778383 h 6858000"/>
+              <a:gd name="connsiteX7" fmla="*/ 7677499 w 7809954"/>
+              <a:gd name="connsiteY7" fmla="*/ 934745 h 6858000"/>
+              <a:gd name="connsiteX8" fmla="*/ 7661363 w 7809954"/>
+              <a:gd name="connsiteY8" fmla="*/ 1089050 h 6858000"/>
+              <a:gd name="connsiteX9" fmla="*/ 7646067 w 7809954"/>
+              <a:gd name="connsiteY9" fmla="*/ 1245413 h 6858000"/>
+              <a:gd name="connsiteX10" fmla="*/ 7632115 w 7809954"/>
+              <a:gd name="connsiteY10" fmla="*/ 1401089 h 6858000"/>
+              <a:gd name="connsiteX11" fmla="*/ 7620013 w 7809954"/>
+              <a:gd name="connsiteY11" fmla="*/ 1554023 h 6858000"/>
+              <a:gd name="connsiteX12" fmla="*/ 7607910 w 7809954"/>
+              <a:gd name="connsiteY12" fmla="*/ 1709013 h 6858000"/>
+              <a:gd name="connsiteX13" fmla="*/ 7597825 w 7809954"/>
+              <a:gd name="connsiteY13" fmla="*/ 1861947 h 6858000"/>
+              <a:gd name="connsiteX14" fmla="*/ 7589925 w 7809954"/>
+              <a:gd name="connsiteY14" fmla="*/ 2014880 h 6858000"/>
+              <a:gd name="connsiteX15" fmla="*/ 7581688 w 7809954"/>
+              <a:gd name="connsiteY15" fmla="*/ 2167128 h 6858000"/>
+              <a:gd name="connsiteX16" fmla="*/ 7574797 w 7809954"/>
+              <a:gd name="connsiteY16" fmla="*/ 2318004 h 6858000"/>
+              <a:gd name="connsiteX17" fmla="*/ 7569922 w 7809954"/>
+              <a:gd name="connsiteY17" fmla="*/ 2467508 h 6858000"/>
+              <a:gd name="connsiteX18" fmla="*/ 7565720 w 7809954"/>
+              <a:gd name="connsiteY18" fmla="*/ 2617013 h 6858000"/>
+              <a:gd name="connsiteX19" fmla="*/ 7561686 w 7809954"/>
+              <a:gd name="connsiteY19" fmla="*/ 2765145 h 6858000"/>
+              <a:gd name="connsiteX20" fmla="*/ 7559837 w 7809954"/>
+              <a:gd name="connsiteY20" fmla="*/ 2911221 h 6858000"/>
+              <a:gd name="connsiteX21" fmla="*/ 7557820 w 7809954"/>
+              <a:gd name="connsiteY21" fmla="*/ 3057296 h 6858000"/>
+              <a:gd name="connsiteX22" fmla="*/ 7556811 w 7809954"/>
+              <a:gd name="connsiteY22" fmla="*/ 3201314 h 6858000"/>
+              <a:gd name="connsiteX23" fmla="*/ 7557820 w 7809954"/>
+              <a:gd name="connsiteY23" fmla="*/ 3343960 h 6858000"/>
+              <a:gd name="connsiteX24" fmla="*/ 7557820 w 7809954"/>
+              <a:gd name="connsiteY24" fmla="*/ 3485235 h 6858000"/>
+              <a:gd name="connsiteX25" fmla="*/ 7559837 w 7809954"/>
+              <a:gd name="connsiteY25" fmla="*/ 3625138 h 6858000"/>
+              <a:gd name="connsiteX26" fmla="*/ 7562862 w 7809954"/>
+              <a:gd name="connsiteY26" fmla="*/ 3762298 h 6858000"/>
+              <a:gd name="connsiteX27" fmla="*/ 7565720 w 7809954"/>
+              <a:gd name="connsiteY27" fmla="*/ 3898087 h 6858000"/>
+              <a:gd name="connsiteX28" fmla="*/ 7568914 w 7809954"/>
+              <a:gd name="connsiteY28" fmla="*/ 4031132 h 6858000"/>
+              <a:gd name="connsiteX29" fmla="*/ 7573788 w 7809954"/>
+              <a:gd name="connsiteY29" fmla="*/ 4163491 h 6858000"/>
+              <a:gd name="connsiteX30" fmla="*/ 7578999 w 7809954"/>
+              <a:gd name="connsiteY30" fmla="*/ 4293793 h 6858000"/>
+              <a:gd name="connsiteX31" fmla="*/ 7583705 w 7809954"/>
+              <a:gd name="connsiteY31" fmla="*/ 4421352 h 6858000"/>
+              <a:gd name="connsiteX32" fmla="*/ 7596985 w 7809954"/>
+              <a:gd name="connsiteY32" fmla="*/ 4670298 h 6858000"/>
+              <a:gd name="connsiteX33" fmla="*/ 7611104 w 7809954"/>
+              <a:gd name="connsiteY33" fmla="*/ 4908956 h 6858000"/>
+              <a:gd name="connsiteX34" fmla="*/ 7625896 w 7809954"/>
+              <a:gd name="connsiteY34" fmla="*/ 5138013 h 6858000"/>
+              <a:gd name="connsiteX35" fmla="*/ 7642201 w 7809954"/>
+              <a:gd name="connsiteY35" fmla="*/ 5354726 h 6858000"/>
+              <a:gd name="connsiteX36" fmla="*/ 7659178 w 7809954"/>
+              <a:gd name="connsiteY36" fmla="*/ 5561838 h 6858000"/>
+              <a:gd name="connsiteX37" fmla="*/ 7677499 w 7809954"/>
+              <a:gd name="connsiteY37" fmla="*/ 5753862 h 6858000"/>
+              <a:gd name="connsiteX38" fmla="*/ 7695485 w 7809954"/>
+              <a:gd name="connsiteY38" fmla="*/ 5934227 h 6858000"/>
+              <a:gd name="connsiteX39" fmla="*/ 7713470 w 7809954"/>
+              <a:gd name="connsiteY39" fmla="*/ 6100191 h 6858000"/>
+              <a:gd name="connsiteX40" fmla="*/ 7730447 w 7809954"/>
+              <a:gd name="connsiteY40" fmla="*/ 6252438 h 6858000"/>
+              <a:gd name="connsiteX41" fmla="*/ 7746584 w 7809954"/>
+              <a:gd name="connsiteY41" fmla="*/ 6387541 h 6858000"/>
+              <a:gd name="connsiteX42" fmla="*/ 7761880 w 7809954"/>
+              <a:gd name="connsiteY42" fmla="*/ 6509613 h 6858000"/>
+              <a:gd name="connsiteX43" fmla="*/ 7774655 w 7809954"/>
+              <a:gd name="connsiteY43" fmla="*/ 6612483 h 6858000"/>
+              <a:gd name="connsiteX44" fmla="*/ 7786757 w 7809954"/>
+              <a:gd name="connsiteY44" fmla="*/ 6698894 h 6858000"/>
+              <a:gd name="connsiteX45" fmla="*/ 7804071 w 7809954"/>
+              <a:gd name="connsiteY45" fmla="*/ 6817538 h 6858000"/>
+              <a:gd name="connsiteX46" fmla="*/ 7809954 w 7809954"/>
+              <a:gd name="connsiteY46" fmla="*/ 6858000 h 6858000"/>
+              <a:gd name="connsiteX47" fmla="*/ 7157124 w 7809954"/>
+              <a:gd name="connsiteY47" fmla="*/ 6858000 h 6858000"/>
+              <a:gd name="connsiteX48" fmla="*/ 7157124 w 7809954"/>
+              <a:gd name="connsiteY48" fmla="*/ 6858000 h 6858000"/>
+              <a:gd name="connsiteX49" fmla="*/ 0 w 7809954"/>
+              <a:gd name="connsiteY49" fmla="*/ 6858000 h 6858000"/>
+              <a:gd name="connsiteX50" fmla="*/ 0 w 7809954"/>
+              <a:gd name="connsiteY50" fmla="*/ 0 h 6858000"/>
+              <a:gd name="connsiteX51" fmla="*/ 6465239 w 7809954"/>
+              <a:gd name="connsiteY51" fmla="*/ 0 h 6858000"/>
+            </a:gdLst>
+            <a:ahLst/>
+            <a:cxnLst>
+              <a:cxn ang="0">
+                <a:pos x="connsiteX0" y="connsiteY0"/>
+              </a:cxn>
+              <a:cxn ang="0">
+                <a:pos x="connsiteX1" y="connsiteY1"/>
+              </a:cxn>
+              <a:cxn ang="0">
+                <a:pos x="connsiteX2" y="connsiteY2"/>
+              </a:cxn>
+              <a:cxn ang="0">
+                <a:pos x="connsiteX3" y="connsiteY3"/>
+              </a:cxn>
+              <a:cxn ang="0">
+                <a:pos x="connsiteX4" y="connsiteY4"/>
+              </a:cxn>
+              <a:cxn ang="0">
+                <a:pos x="connsiteX5" y="connsiteY5"/>
+              </a:cxn>
+              <a:cxn ang="0">
+                <a:pos x="connsiteX6" y="connsiteY6"/>
+              </a:cxn>
+              <a:cxn ang="0">
+                <a:pos x="connsiteX7" y="connsiteY7"/>
+              </a:cxn>
+              <a:cxn ang="0">
+                <a:pos x="connsiteX8" y="connsiteY8"/>
+              </a:cxn>
+              <a:cxn ang="0">
+                <a:pos x="connsiteX9" y="connsiteY9"/>
+              </a:cxn>
+              <a:cxn ang="0">
+                <a:pos x="connsiteX10" y="connsiteY10"/>
+              </a:cxn>
+              <a:cxn ang="0">
+                <a:pos x="connsiteX11" y="connsiteY11"/>
+              </a:cxn>
+              <a:cxn ang="0">
+                <a:pos x="connsiteX12" y="connsiteY12"/>
+              </a:cxn>
+              <a:cxn ang="0">
+                <a:pos x="connsiteX13" y="connsiteY13"/>
+              </a:cxn>
+              <a:cxn ang="0">
+                <a:pos x="connsiteX14" y="connsiteY14"/>
+              </a:cxn>
+              <a:cxn ang="0">
+                <a:pos x="connsiteX15" y="connsiteY15"/>
+              </a:cxn>
+              <a:cxn ang="0">
+                <a:pos x="connsiteX16" y="connsiteY16"/>
+              </a:cxn>
+              <a:cxn ang="0">
+                <a:pos x="connsiteX17" y="connsiteY17"/>
+              </a:cxn>
+              <a:cxn ang="0">
+                <a:pos x="connsiteX18" y="connsiteY18"/>
+              </a:cxn>
+              <a:cxn ang="0">
+                <a:pos x="connsiteX19" y="connsiteY19"/>
+              </a:cxn>
+              <a:cxn ang="0">
+                <a:pos x="connsiteX20" y="connsiteY20"/>
+              </a:cxn>
+              <a:cxn ang="0">
+                <a:pos x="connsiteX21" y="connsiteY21"/>
+              </a:cxn>
+              <a:cxn ang="0">
+                <a:pos x="connsiteX22" y="connsiteY22"/>
+              </a:cxn>
+              <a:cxn ang="0">
+                <a:pos x="connsiteX23" y="connsiteY23"/>
+              </a:cxn>
+              <a:cxn ang="0">
+                <a:pos x="connsiteX24" y="connsiteY24"/>
+              </a:cxn>
+              <a:cxn ang="0">
+                <a:pos x="connsiteX25" y="connsiteY25"/>
+              </a:cxn>
+              <a:cxn ang="0">
+                <a:pos x="connsiteX26" y="connsiteY26"/>
+              </a:cxn>
+              <a:cxn ang="0">
+                <a:pos x="connsiteX27" y="connsiteY27"/>
+              </a:cxn>
+              <a:cxn ang="0">
+                <a:pos x="connsiteX28" y="connsiteY28"/>
+              </a:cxn>
+              <a:cxn ang="0">
+                <a:pos x="connsiteX29" y="connsiteY29"/>
+              </a:cxn>
+              <a:cxn ang="0">
+                <a:pos x="connsiteX30" y="connsiteY30"/>
+              </a:cxn>
+              <a:cxn ang="0">
+                <a:pos x="connsiteX31" y="connsiteY31"/>
+              </a:cxn>
+              <a:cxn ang="0">
+                <a:pos x="connsiteX32" y="connsiteY32"/>
+              </a:cxn>
+              <a:cxn ang="0">
+                <a:pos x="connsiteX33" y="connsiteY33"/>
+              </a:cxn>
+              <a:cxn ang="0">
+                <a:pos x="connsiteX34" y="connsiteY34"/>
+              </a:cxn>
+              <a:cxn ang="0">
+                <a:pos x="connsiteX35" y="connsiteY35"/>
+              </a:cxn>
+              <a:cxn ang="0">
+                <a:pos x="connsiteX36" y="connsiteY36"/>
+              </a:cxn>
+              <a:cxn ang="0">
+                <a:pos x="connsiteX37" y="connsiteY37"/>
+              </a:cxn>
+              <a:cxn ang="0">
+                <a:pos x="connsiteX38" y="connsiteY38"/>
+              </a:cxn>
+              <a:cxn ang="0">
+                <a:pos x="connsiteX39" y="connsiteY39"/>
+              </a:cxn>
+              <a:cxn ang="0">
+                <a:pos x="connsiteX40" y="connsiteY40"/>
+              </a:cxn>
+              <a:cxn ang="0">
+                <a:pos x="connsiteX41" y="connsiteY41"/>
+              </a:cxn>
+              <a:cxn ang="0">
+                <a:pos x="connsiteX42" y="connsiteY42"/>
+              </a:cxn>
+              <a:cxn ang="0">
+                <a:pos x="connsiteX43" y="connsiteY43"/>
+              </a:cxn>
+              <a:cxn ang="0">
+                <a:pos x="connsiteX44" y="connsiteY44"/>
+              </a:cxn>
+              <a:cxn ang="0">
+                <a:pos x="connsiteX45" y="connsiteY45"/>
+              </a:cxn>
+              <a:cxn ang="0">
+                <a:pos x="connsiteX46" y="connsiteY46"/>
+              </a:cxn>
+              <a:cxn ang="0">
+                <a:pos x="connsiteX47" y="connsiteY47"/>
+              </a:cxn>
+              <a:cxn ang="0">
+                <a:pos x="connsiteX48" y="connsiteY48"/>
+              </a:cxn>
+              <a:cxn ang="0">
+                <a:pos x="connsiteX49" y="connsiteY49"/>
+              </a:cxn>
+              <a:cxn ang="0">
+                <a:pos x="connsiteX50" y="connsiteY50"/>
+              </a:cxn>
+              <a:cxn ang="0">
+                <a:pos x="connsiteX51" y="connsiteY51"/>
+              </a:cxn>
+            </a:cxnLst>
+            <a:rect l="l" t="t" r="r" b="b"/>
+            <a:pathLst>
+              <a:path w="7809954" h="6858000">
+                <a:moveTo>
+                  <a:pt x="6465239" y="0"/>
+                </a:moveTo>
+                <a:lnTo>
+                  <a:pt x="7808777" y="0"/>
+                </a:lnTo>
+                <a:lnTo>
+                  <a:pt x="7783732" y="155676"/>
+                </a:lnTo>
+                <a:lnTo>
+                  <a:pt x="7759863" y="310667"/>
+                </a:lnTo>
+                <a:lnTo>
+                  <a:pt x="7736499" y="466344"/>
+                </a:lnTo>
+                <a:lnTo>
+                  <a:pt x="7716496" y="622706"/>
+                </a:lnTo>
+                <a:lnTo>
+                  <a:pt x="7696325" y="778383"/>
+                </a:lnTo>
+                <a:lnTo>
+                  <a:pt x="7677499" y="934745"/>
+                </a:lnTo>
+                <a:lnTo>
+                  <a:pt x="7661363" y="1089050"/>
+                </a:lnTo>
+                <a:lnTo>
+                  <a:pt x="7646067" y="1245413"/>
+                </a:lnTo>
+                <a:lnTo>
+                  <a:pt x="7632115" y="1401089"/>
+                </a:lnTo>
+                <a:lnTo>
+                  <a:pt x="7620013" y="1554023"/>
+                </a:lnTo>
+                <a:lnTo>
+                  <a:pt x="7607910" y="1709013"/>
+                </a:lnTo>
+                <a:lnTo>
+                  <a:pt x="7597825" y="1861947"/>
+                </a:lnTo>
+                <a:lnTo>
+                  <a:pt x="7589925" y="2014880"/>
+                </a:lnTo>
+                <a:lnTo>
+                  <a:pt x="7581688" y="2167128"/>
+                </a:lnTo>
+                <a:lnTo>
+                  <a:pt x="7574797" y="2318004"/>
+                </a:lnTo>
+                <a:lnTo>
+                  <a:pt x="7569922" y="2467508"/>
+                </a:lnTo>
+                <a:lnTo>
+                  <a:pt x="7565720" y="2617013"/>
+                </a:lnTo>
+                <a:lnTo>
+                  <a:pt x="7561686" y="2765145"/>
+                </a:lnTo>
+                <a:lnTo>
+                  <a:pt x="7559837" y="2911221"/>
+                </a:lnTo>
+                <a:lnTo>
+                  <a:pt x="7557820" y="3057296"/>
+                </a:lnTo>
+                <a:lnTo>
+                  <a:pt x="7556811" y="3201314"/>
+                </a:lnTo>
+                <a:lnTo>
+                  <a:pt x="7557820" y="3343960"/>
+                </a:lnTo>
+                <a:lnTo>
+                  <a:pt x="7557820" y="3485235"/>
+                </a:lnTo>
+                <a:lnTo>
+                  <a:pt x="7559837" y="3625138"/>
+                </a:lnTo>
+                <a:lnTo>
+                  <a:pt x="7562862" y="3762298"/>
+                </a:lnTo>
+                <a:lnTo>
+                  <a:pt x="7565720" y="3898087"/>
+                </a:lnTo>
+                <a:lnTo>
+                  <a:pt x="7568914" y="4031132"/>
+                </a:lnTo>
+                <a:lnTo>
+                  <a:pt x="7573788" y="4163491"/>
+                </a:lnTo>
+                <a:lnTo>
+                  <a:pt x="7578999" y="4293793"/>
+                </a:lnTo>
+                <a:lnTo>
+                  <a:pt x="7583705" y="4421352"/>
+                </a:lnTo>
+                <a:lnTo>
+                  <a:pt x="7596985" y="4670298"/>
+                </a:lnTo>
+                <a:lnTo>
+                  <a:pt x="7611104" y="4908956"/>
+                </a:lnTo>
+                <a:lnTo>
+                  <a:pt x="7625896" y="5138013"/>
+                </a:lnTo>
+                <a:lnTo>
+                  <a:pt x="7642201" y="5354726"/>
+                </a:lnTo>
+                <a:lnTo>
+                  <a:pt x="7659178" y="5561838"/>
+                </a:lnTo>
+                <a:lnTo>
+                  <a:pt x="7677499" y="5753862"/>
+                </a:lnTo>
+                <a:lnTo>
+                  <a:pt x="7695485" y="5934227"/>
+                </a:lnTo>
+                <a:lnTo>
+                  <a:pt x="7713470" y="6100191"/>
+                </a:lnTo>
+                <a:lnTo>
+                  <a:pt x="7730447" y="6252438"/>
+                </a:lnTo>
+                <a:lnTo>
+                  <a:pt x="7746584" y="6387541"/>
+                </a:lnTo>
+                <a:lnTo>
+                  <a:pt x="7761880" y="6509613"/>
+                </a:lnTo>
+                <a:lnTo>
+                  <a:pt x="7774655" y="6612483"/>
+                </a:lnTo>
+                <a:lnTo>
+                  <a:pt x="7786757" y="6698894"/>
+                </a:lnTo>
+                <a:lnTo>
+                  <a:pt x="7804071" y="6817538"/>
+                </a:lnTo>
+                <a:lnTo>
+                  <a:pt x="7809954" y="6858000"/>
+                </a:lnTo>
+                <a:lnTo>
+                  <a:pt x="7157124" y="6858000"/>
+                </a:lnTo>
+                <a:lnTo>
+                  <a:pt x="7157124" y="6858000"/>
+                </a:lnTo>
+                <a:lnTo>
+                  <a:pt x="0" y="6858000"/>
+                </a:lnTo>
+                <a:lnTo>
+                  <a:pt x="0" y="0"/>
+                </a:lnTo>
+                <a:lnTo>
+                  <a:pt x="6465239" y="0"/>
+                </a:lnTo>
+                <a:close/>
+              </a:path>
+            </a:pathLst>
+          </a:custGeom>
+          <a:ln>
+            <a:noFill/>
+          </a:ln>
+        </p:spPr>
+        <p:style>
+          <a:lnRef idx="2">
+            <a:schemeClr val="accent1">
+              <a:shade val="50000"/>
+            </a:schemeClr>
+          </a:lnRef>
+          <a:fillRef idx="1">
+            <a:schemeClr val="accent1"/>
+          </a:fillRef>
+          <a:effectRef idx="0">
+            <a:schemeClr val="accent1"/>
+          </a:effectRef>
+          <a:fontRef idx="minor">
+            <a:schemeClr val="lt1"/>
+          </a:fontRef>
+        </p:style>
+        <p:txBody>
+          <a:bodyPr wrap="square" rtlCol="0" anchor="ctr">
+            <a:noAutofit/>
+          </a:bodyPr>
+          <a:lstStyle/>
+          <a:p>
+            <a:pPr algn="ctr"/>
+            <a:endParaRPr lang="en-US"/>
+          </a:p>
+        </p:txBody>
+      </p:sp>
+      <p:sp>
+        <p:nvSpPr>
+          <p:cNvPr id="6169" name="Rectangle 6168">
+            <a:extLst>
+              <a:ext uri="{FF2B5EF4-FFF2-40B4-BE49-F238E27FC236}">
+                <a16:creationId xmlns:a16="http://schemas.microsoft.com/office/drawing/2014/main" id="{F98810A7-E114-447A-A7D6-69B27CFB5650}"/>
+              </a:ext>
+              <a:ext uri="{C183D7F6-B498-43B3-948B-1728B52AA6E4}">
+                <adec:decorative xmlns:adec="http://schemas.microsoft.com/office/drawing/2017/decorative" val="1"/>
+              </a:ext>
+            </a:extLst>
+          </p:cNvPr>
+          <p:cNvSpPr>
+            <a:spLocks noGrp="1" noRot="1" noChangeAspect="1" noMove="1" noResize="1" noEditPoints="1" noAdjustHandles="1" noChangeArrowheads="1" noChangeShapeType="1" noTextEdit="1"/>
+          </p:cNvSpPr>
+          <p:nvPr>
+            <p:extLst>
+              <p:ext uri="{386F3935-93C4-4BCD-93E2-E3B085C9AB24}">
+                <p16:designElem xmlns:p16="http://schemas.microsoft.com/office/powerpoint/2015/main" val="1"/>
+              </p:ext>
+            </p:extLst>
+          </p:nvPr>
+        </p:nvSpPr>
+        <p:spPr>
+          <a:xfrm>
+            <a:off x="10437812" y="0"/>
+            <a:ext cx="685800" cy="1143000"/>
+          </a:xfrm>
+          <a:prstGeom prst="rect">
+            <a:avLst/>
+          </a:prstGeom>
+          <a:solidFill>
+            <a:schemeClr val="accent1"/>
+          </a:solidFill>
+          <a:ln>
+            <a:noFill/>
+          </a:ln>
+        </p:spPr>
+        <p:style>
+          <a:lnRef idx="1">
+            <a:schemeClr val="accent1"/>
+          </a:lnRef>
+          <a:fillRef idx="3">
+            <a:schemeClr val="accent1"/>
+          </a:fillRef>
+          <a:effectRef idx="2">
+            <a:schemeClr val="accent1"/>
+          </a:effectRef>
+          <a:fontRef idx="minor">
+            <a:schemeClr val="lt1"/>
+          </a:fontRef>
+        </p:style>
+      </p:sp>
+      <p:pic>
+        <p:nvPicPr>
+          <p:cNvPr id="6146" name="Picture 2">
+            <a:extLst>
+              <a:ext uri="{FF2B5EF4-FFF2-40B4-BE49-F238E27FC236}">
+                <a16:creationId xmlns:a16="http://schemas.microsoft.com/office/drawing/2014/main" id="{F3465D9D-54F2-364E-1DB5-7E8856979B00}"/>
+              </a:ext>
+            </a:extLst>
+          </p:cNvPr>
+          <p:cNvPicPr>
+            <a:picLocks noGrp="1" noChangeAspect="1" noChangeArrowheads="1"/>
+          </p:cNvPicPr>
+          <p:nvPr>
+            <p:ph idx="1"/>
+          </p:nvPr>
+        </p:nvPicPr>
+        <p:blipFill>
+          <a:blip r:embed="rId6">
+            <a:extLst>
+              <a:ext uri="{28A0092B-C50C-407E-A947-70E740481C1C}">
+                <a14:useLocalDpi xmlns:a14="http://schemas.microsoft.com/office/drawing/2010/main" val="0"/>
+              </a:ext>
+            </a:extLst>
+          </a:blip>
+          <a:stretch>
+            <a:fillRect/>
+          </a:stretch>
+        </p:blipFill>
+        <p:spPr bwMode="auto">
+          <a:xfrm>
+            <a:off x="1338797" y="647698"/>
+            <a:ext cx="4880776" cy="5562139"/>
+          </a:xfrm>
+          <a:prstGeom prst="rect">
+            <a:avLst/>
+          </a:prstGeom>
+          <a:noFill/>
+          <a:effectLst/>
+          <a:extLst>
+            <a:ext uri="{909E8E84-426E-40DD-AFC4-6F175D3DCCD1}">
+              <a14:hiddenFill xmlns:a14="http://schemas.microsoft.com/office/drawing/2010/main">
+                <a:solidFill>
+                  <a:srgbClr val="FFFFFF"/>
+                </a:solidFill>
+              </a14:hiddenFill>
+            </a:ext>
+          </a:extLst>
+        </p:spPr>
+      </p:pic>
+    </p:spTree>
+    <p:extLst>
+      <p:ext uri="{BB962C8B-B14F-4D97-AF65-F5344CB8AC3E}">
+        <p14:creationId xmlns:p14="http://schemas.microsoft.com/office/powerpoint/2010/main" val="920257960"/>
+      </p:ext>
+    </p:extLst>
+  </p:cSld>
+  <p:clrMapOvr>
+    <a:overrideClrMapping bg1="lt1" tx1="dk1" bg2="lt2" tx2="dk2" accent1="accent1" accent2="accent2" accent3="accent3" accent4="accent4" accent5="accent5" accent6="accent6" hlink="hlink" folHlink="folHlink"/>
+  </p:clrMapOvr>
+</p:sld>
+</file>
+
+<file path=ppt/slides/slide13.xml><?xml version="1.0" encoding="utf-8"?>
+<p:sld xmlns:a="http://schemas.openxmlformats.org/drawingml/2006/main" xmlns:r="http://schemas.openxmlformats.org/officeDocument/2006/relationships" xmlns:p="http://schemas.openxmlformats.org/presentationml/2006/main">
+  <p:cSld>
+    <p:spTree>
+      <p:nvGrpSpPr>
+        <p:cNvPr id="1" name=""/>
+        <p:cNvGrpSpPr/>
+        <p:nvPr/>
+      </p:nvGrpSpPr>
+      <p:grpSpPr>
+        <a:xfrm>
+          <a:off x="0" y="0"/>
+          <a:ext cx="0" cy="0"/>
+          <a:chOff x="0" y="0"/>
+          <a:chExt cx="0" cy="0"/>
+        </a:xfrm>
+      </p:grpSpPr>
+      <p:sp>
+        <p:nvSpPr>
+          <p:cNvPr id="2" name="Title 1">
+            <a:extLst>
+              <a:ext uri="{FF2B5EF4-FFF2-40B4-BE49-F238E27FC236}">
+                <a16:creationId xmlns:a16="http://schemas.microsoft.com/office/drawing/2014/main" id="{C104B5CC-FFE3-EE76-2904-7397036D7062}"/>
+              </a:ext>
+            </a:extLst>
+          </p:cNvPr>
+          <p:cNvSpPr>
+            <a:spLocks noGrp="1"/>
+          </p:cNvSpPr>
+          <p:nvPr>
+            <p:ph type="title"/>
+          </p:nvPr>
+        </p:nvSpPr>
+        <p:spPr/>
+        <p:txBody>
+          <a:bodyPr/>
+          <a:lstStyle/>
+          <a:p>
+            <a:pPr algn="ctr"/>
+            <a:r>
+              <a:rPr lang="en-GB" dirty="0"/>
+              <a:t>NEXT STEPS</a:t>
+            </a:r>
+            <a:endParaRPr lang="en-NL" dirty="0"/>
+          </a:p>
+        </p:txBody>
+      </p:sp>
+      <p:sp>
+        <p:nvSpPr>
+          <p:cNvPr id="3" name="Content Placeholder 2">
+            <a:extLst>
+              <a:ext uri="{FF2B5EF4-FFF2-40B4-BE49-F238E27FC236}">
+                <a16:creationId xmlns:a16="http://schemas.microsoft.com/office/drawing/2014/main" id="{B67B6DC7-972A-C505-D013-448C1341BC51}"/>
+              </a:ext>
+            </a:extLst>
+          </p:cNvPr>
+          <p:cNvSpPr>
+            <a:spLocks noGrp="1"/>
+          </p:cNvSpPr>
+          <p:nvPr>
+            <p:ph idx="1"/>
+          </p:nvPr>
+        </p:nvSpPr>
+        <p:spPr>
+          <a:xfrm>
+            <a:off x="1103312" y="2052918"/>
+            <a:ext cx="10153267" cy="4195481"/>
+          </a:xfrm>
+        </p:spPr>
+        <p:txBody>
+          <a:bodyPr/>
+          <a:lstStyle/>
+          <a:p>
+            <a:endParaRPr lang="en-GB" dirty="0"/>
+          </a:p>
+          <a:p>
+            <a:r>
+              <a:rPr lang="en-GB" sz="3600" dirty="0"/>
+              <a:t>Further analysis on similarities of bankruptcy companies</a:t>
+            </a:r>
+          </a:p>
+          <a:p>
+            <a:r>
+              <a:rPr lang="en-GB" sz="3600" dirty="0"/>
+              <a:t>Additional finetuning of the models</a:t>
+            </a:r>
+          </a:p>
+          <a:p>
+            <a:r>
+              <a:rPr lang="en-GB" sz="3600" dirty="0"/>
+              <a:t>Additional variables: </a:t>
+            </a:r>
+            <a:r>
+              <a:rPr lang="en-GB" sz="3600"/>
+              <a:t>corporate governance</a:t>
+            </a:r>
+            <a:br>
+              <a:rPr lang="en-GB" dirty="0"/>
+            </a:br>
+            <a:endParaRPr lang="en-NL" dirty="0"/>
+          </a:p>
+        </p:txBody>
+      </p:sp>
+    </p:spTree>
+    <p:extLst>
+      <p:ext uri="{BB962C8B-B14F-4D97-AF65-F5344CB8AC3E}">
+        <p14:creationId xmlns:p14="http://schemas.microsoft.com/office/powerpoint/2010/main" val="197832277"/>
+      </p:ext>
+    </p:extLst>
+  </p:cSld>
+  <p:clrMapOvr>
+    <a:masterClrMapping/>
+  </p:clrMapOvr>
+</p:sld>
+</file>
+
 <file path=ppt/slides/slide2.xml><?xml version="1.0" encoding="utf-8"?>
 <p:sld xmlns:a="http://schemas.openxmlformats.org/drawingml/2006/main" xmlns:r="http://schemas.openxmlformats.org/officeDocument/2006/relationships" xmlns:p="http://schemas.openxmlformats.org/presentationml/2006/main">
   <p:cSld>
@@ -13394,7 +17124,7 @@
             </a:r>
             <a:r>
               <a:rPr lang="en-GB" sz="3600" dirty="0"/>
-              <a:t> minority class: repeating samples randomly </a:t>
+              <a:t> minority class: repeating samples randomly, SMOTE</a:t>
             </a:r>
           </a:p>
           <a:p>
@@ -13702,7 +17432,7 @@
           <p:nvPr>
             <p:extLst>
               <p:ext uri="{D42A27DB-BD31-4B8C-83A1-F6EECF244321}">
-                <p14:modId xmlns:p14="http://schemas.microsoft.com/office/powerpoint/2010/main" val="959762090"/>
+                <p14:modId xmlns:p14="http://schemas.microsoft.com/office/powerpoint/2010/main" val="4154272092"/>
               </p:ext>
             </p:extLst>
           </p:nvPr>
@@ -13898,7 +17628,7 @@
                     <a:p>
                       <a:r>
                         <a:rPr lang="en-GB" dirty="0"/>
-                        <a:t>0,15</a:t>
+                        <a:t>0,22</a:t>
                       </a:r>
                       <a:endParaRPr lang="en-NL" dirty="0"/>
                     </a:p>
@@ -13995,7 +17725,7 @@
                     <a:p>
                       <a:r>
                         <a:rPr lang="en-GB" dirty="0"/>
-                        <a:t>0,26-0,28</a:t>
+                        <a:t>0,29</a:t>
                       </a:r>
                       <a:endParaRPr lang="en-NL" dirty="0"/>
                     </a:p>
@@ -14088,7 +17818,7 @@
                     <a:p>
                       <a:r>
                         <a:rPr lang="en-GB" dirty="0"/>
-                        <a:t>0,37-0,31</a:t>
+                        <a:t>0,37-0,31-0,43</a:t>
                       </a:r>
                       <a:endParaRPr lang="en-NL" dirty="0"/>
                     </a:p>
@@ -14290,7 +18020,7 @@
                     <a:p>
                       <a:r>
                         <a:rPr lang="en-GB" dirty="0"/>
-                        <a:t>0,30-0,31</a:t>
+                        <a:t>0,30-0,31-0,32</a:t>
                       </a:r>
                       <a:endParaRPr lang="en-NL" dirty="0"/>
                     </a:p>
@@ -14387,7 +18117,7 @@
                     <a:p>
                       <a:r>
                         <a:rPr lang="en-GB" dirty="0"/>
-                        <a:t>0,36</a:t>
+                        <a:t>0,36-0,34-0,33</a:t>
                       </a:r>
                       <a:endParaRPr lang="en-NL" dirty="0"/>
                     </a:p>
@@ -14534,6 +18264,14 @@
 <file path=ppt/slides/slide9.xml><?xml version="1.0" encoding="utf-8"?>
 <p:sld xmlns:a="http://schemas.openxmlformats.org/drawingml/2006/main" xmlns:r="http://schemas.openxmlformats.org/officeDocument/2006/relationships" xmlns:p="http://schemas.openxmlformats.org/presentationml/2006/main">
   <p:cSld>
+    <p:bg>
+      <p:bgPr>
+        <a:solidFill>
+          <a:schemeClr val="bg1"/>
+        </a:solidFill>
+        <a:effectLst/>
+      </p:bgPr>
+    </p:bg>
     <p:spTree>
       <p:nvGrpSpPr>
         <p:cNvPr id="1" name=""/>
@@ -14550,10 +18288,70 @@
       </p:grpSpPr>
       <p:sp>
         <p:nvSpPr>
+          <p:cNvPr id="2055" name="Rectangle 2054">
+            <a:extLst>
+              <a:ext uri="{FF2B5EF4-FFF2-40B4-BE49-F238E27FC236}">
+                <a16:creationId xmlns:a16="http://schemas.microsoft.com/office/drawing/2014/main" id="{B4AAD3FD-83A5-4B89-9F8F-01B8870865BE}"/>
+              </a:ext>
+              <a:ext uri="{C183D7F6-B498-43B3-948B-1728B52AA6E4}">
+                <adec:decorative xmlns:adec="http://schemas.microsoft.com/office/drawing/2017/decorative" val="1"/>
+              </a:ext>
+            </a:extLst>
+          </p:cNvPr>
+          <p:cNvSpPr>
+            <a:spLocks noGrp="1" noRot="1" noChangeAspect="1" noMove="1" noResize="1" noEditPoints="1" noAdjustHandles="1" noChangeArrowheads="1" noChangeShapeType="1" noTextEdit="1"/>
+          </p:cNvSpPr>
+          <p:nvPr>
+            <p:extLst>
+              <p:ext uri="{386F3935-93C4-4BCD-93E2-E3B085C9AB24}">
+                <p16:designElem xmlns:p16="http://schemas.microsoft.com/office/powerpoint/2015/main" val="1"/>
+              </p:ext>
+            </p:extLst>
+          </p:nvPr>
+        </p:nvSpPr>
+        <p:spPr>
+          <a:xfrm>
+            <a:off x="0" y="0"/>
+            <a:ext cx="12192000" cy="6858000"/>
+          </a:xfrm>
+          <a:prstGeom prst="rect">
+            <a:avLst/>
+          </a:prstGeom>
+          <a:ln>
+            <a:noFill/>
+          </a:ln>
+        </p:spPr>
+        <p:style>
+          <a:lnRef idx="2">
+            <a:schemeClr val="accent1">
+              <a:shade val="50000"/>
+            </a:schemeClr>
+          </a:lnRef>
+          <a:fillRef idx="1003">
+            <a:schemeClr val="dk2"/>
+          </a:fillRef>
+          <a:effectRef idx="0">
+            <a:schemeClr val="accent1"/>
+          </a:effectRef>
+          <a:fontRef idx="minor">
+            <a:schemeClr val="lt1"/>
+          </a:fontRef>
+        </p:style>
+        <p:txBody>
+          <a:bodyPr rtlCol="0" anchor="ctr"/>
+          <a:lstStyle/>
+          <a:p>
+            <a:pPr algn="ctr"/>
+            <a:endParaRPr lang="en-US"/>
+          </a:p>
+        </p:txBody>
+      </p:sp>
+      <p:sp>
+        <p:nvSpPr>
           <p:cNvPr id="2" name="Title 1">
             <a:extLst>
               <a:ext uri="{FF2B5EF4-FFF2-40B4-BE49-F238E27FC236}">
-                <a16:creationId xmlns:a16="http://schemas.microsoft.com/office/drawing/2014/main" id="{CB211D8A-8FF4-7E38-4C69-4BC1C1AD57D5}"/>
+                <a16:creationId xmlns:a16="http://schemas.microsoft.com/office/drawing/2014/main" id="{4E4BB34E-A4A3-78D5-9A65-439DC2557942}"/>
               </a:ext>
             </a:extLst>
           </p:cNvPr>
@@ -14566,73 +18364,963 @@
         </p:nvSpPr>
         <p:spPr>
           <a:xfrm>
-            <a:off x="343524" y="265471"/>
-            <a:ext cx="10353762" cy="796413"/>
+            <a:off x="648931" y="629266"/>
+            <a:ext cx="4166510" cy="1622321"/>
           </a:xfrm>
         </p:spPr>
         <p:txBody>
-          <a:bodyPr/>
+          <a:bodyPr>
+            <a:normAutofit fontScale="90000"/>
+          </a:bodyPr>
           <a:lstStyle/>
           <a:p>
-            <a:pPr algn="ctr"/>
             <a:r>
-              <a:rPr lang="en-GB" dirty="0"/>
-              <a:t>FEATURE EXTRACTION-SHAP</a:t>
+              <a:rPr lang="en-GB" sz="4400" dirty="0">
+                <a:solidFill>
+                  <a:srgbClr val="EBEBEB"/>
+                </a:solidFill>
+              </a:rPr>
+              <a:t>K-best FEATURE EXTRACTION-SHAP Random Forest</a:t>
             </a:r>
-            <a:endParaRPr lang="en-NL" dirty="0"/>
+            <a:br>
+              <a:rPr lang="en-GB" sz="4400" dirty="0">
+                <a:solidFill>
+                  <a:srgbClr val="EBEBEB"/>
+                </a:solidFill>
+              </a:rPr>
+            </a:br>
+            <a:endParaRPr lang="en-NL" dirty="0">
+              <a:solidFill>
+                <a:srgbClr val="EBEBEB"/>
+              </a:solidFill>
+            </a:endParaRPr>
           </a:p>
         </p:txBody>
       </p:sp>
       <p:sp>
         <p:nvSpPr>
-          <p:cNvPr id="3" name="Content Placeholder 2">
+          <p:cNvPr id="2057" name="Freeform 31">
             <a:extLst>
               <a:ext uri="{FF2B5EF4-FFF2-40B4-BE49-F238E27FC236}">
-                <a16:creationId xmlns:a16="http://schemas.microsoft.com/office/drawing/2014/main" id="{39D3E9D3-9DBD-789B-0563-1D81625D0CEC}"/>
+                <a16:creationId xmlns:a16="http://schemas.microsoft.com/office/drawing/2014/main" id="{61752F1D-FC0F-4103-9584-630E643CCDA6}"/>
+              </a:ext>
+              <a:ext uri="{C183D7F6-B498-43B3-948B-1728B52AA6E4}">
+                <adec:decorative xmlns:adec="http://schemas.microsoft.com/office/drawing/2017/decorative" val="1"/>
               </a:ext>
             </a:extLst>
           </p:cNvPr>
           <p:cNvSpPr>
-            <a:spLocks noGrp="1"/>
+            <a:spLocks noGrp="1" noRot="1" noChangeAspect="1" noMove="1" noResize="1" noEditPoints="1" noAdjustHandles="1" noChangeArrowheads="1" noChangeShapeType="1" noTextEdit="1"/>
           </p:cNvSpPr>
           <p:nvPr>
-            <p:ph idx="1"/>
+            <p:extLst>
+              <p:ext uri="{386F3935-93C4-4BCD-93E2-E3B085C9AB24}">
+                <p16:designElem xmlns:p16="http://schemas.microsoft.com/office/powerpoint/2015/main" val="1"/>
+              </p:ext>
+            </p:extLst>
           </p:nvPr>
         </p:nvSpPr>
         <p:spPr>
           <a:xfrm>
-            <a:off x="688258" y="1209367"/>
-            <a:ext cx="10953136" cy="5383161"/>
+            <a:off x="4994020" y="-1"/>
+            <a:ext cx="559472" cy="3709642"/>
           </a:xfrm>
+          <a:custGeom>
+            <a:avLst/>
+            <a:gdLst>
+              <a:gd name="connsiteX0" fmla="*/ 0 w 559472"/>
+              <a:gd name="connsiteY0" fmla="*/ 0 h 3709642"/>
+              <a:gd name="connsiteX1" fmla="*/ 473952 w 559472"/>
+              <a:gd name="connsiteY1" fmla="*/ 0 h 3709642"/>
+              <a:gd name="connsiteX2" fmla="*/ 485840 w 559472"/>
+              <a:gd name="connsiteY2" fmla="*/ 161194 h 3709642"/>
+              <a:gd name="connsiteX3" fmla="*/ 523949 w 559472"/>
+              <a:gd name="connsiteY3" fmla="*/ 3672197 h 3709642"/>
+              <a:gd name="connsiteX4" fmla="*/ 454748 w 559472"/>
+              <a:gd name="connsiteY4" fmla="*/ 3709642 h 3709642"/>
+              <a:gd name="connsiteX5" fmla="*/ 448224 w 559472"/>
+              <a:gd name="connsiteY5" fmla="*/ 3510471 h 3709642"/>
+              <a:gd name="connsiteX6" fmla="*/ 443564 w 559472"/>
+              <a:gd name="connsiteY6" fmla="*/ 3408563 h 3709642"/>
+              <a:gd name="connsiteX7" fmla="*/ 438902 w 559472"/>
+              <a:gd name="connsiteY7" fmla="*/ 3304407 h 3709642"/>
+              <a:gd name="connsiteX8" fmla="*/ 433941 w 559472"/>
+              <a:gd name="connsiteY8" fmla="*/ 3198777 h 3709642"/>
+              <a:gd name="connsiteX9" fmla="*/ 427584 w 559472"/>
+              <a:gd name="connsiteY9" fmla="*/ 3092510 h 3709642"/>
+              <a:gd name="connsiteX10" fmla="*/ 420988 w 559472"/>
+              <a:gd name="connsiteY10" fmla="*/ 2984390 h 3709642"/>
+              <a:gd name="connsiteX11" fmla="*/ 414330 w 559472"/>
+              <a:gd name="connsiteY11" fmla="*/ 2874401 h 3709642"/>
+              <a:gd name="connsiteX12" fmla="*/ 406840 w 559472"/>
+              <a:gd name="connsiteY12" fmla="*/ 2762980 h 3709642"/>
+              <a:gd name="connsiteX13" fmla="*/ 397745 w 559472"/>
+              <a:gd name="connsiteY13" fmla="*/ 2650566 h 3709642"/>
+              <a:gd name="connsiteX14" fmla="*/ 389154 w 559472"/>
+              <a:gd name="connsiteY14" fmla="*/ 2536612 h 3709642"/>
+              <a:gd name="connsiteX15" fmla="*/ 379225 w 559472"/>
+              <a:gd name="connsiteY15" fmla="*/ 2421642 h 3709642"/>
+              <a:gd name="connsiteX16" fmla="*/ 368316 w 559472"/>
+              <a:gd name="connsiteY16" fmla="*/ 2305627 h 3709642"/>
+              <a:gd name="connsiteX17" fmla="*/ 357466 w 559472"/>
+              <a:gd name="connsiteY17" fmla="*/ 2189233 h 3709642"/>
+              <a:gd name="connsiteX18" fmla="*/ 344982 w 559472"/>
+              <a:gd name="connsiteY18" fmla="*/ 2071473 h 3709642"/>
+              <a:gd name="connsiteX19" fmla="*/ 332466 w 559472"/>
+              <a:gd name="connsiteY19" fmla="*/ 1952216 h 3709642"/>
+              <a:gd name="connsiteX20" fmla="*/ 319121 w 559472"/>
+              <a:gd name="connsiteY20" fmla="*/ 1833776 h 3709642"/>
+              <a:gd name="connsiteX21" fmla="*/ 304408 w 559472"/>
+              <a:gd name="connsiteY21" fmla="*/ 1713948 h 3709642"/>
+              <a:gd name="connsiteX22" fmla="*/ 288685 w 559472"/>
+              <a:gd name="connsiteY22" fmla="*/ 1592703 h 3709642"/>
+              <a:gd name="connsiteX23" fmla="*/ 273050 w 559472"/>
+              <a:gd name="connsiteY23" fmla="*/ 1471451 h 3709642"/>
+              <a:gd name="connsiteX24" fmla="*/ 255813 w 559472"/>
+              <a:gd name="connsiteY24" fmla="*/ 1350328 h 3709642"/>
+              <a:gd name="connsiteX25" fmla="*/ 237060 w 559472"/>
+              <a:gd name="connsiteY25" fmla="*/ 1227080 h 3709642"/>
+              <a:gd name="connsiteX26" fmla="*/ 218488 w 559472"/>
+              <a:gd name="connsiteY26" fmla="*/ 1106065 h 3709642"/>
+              <a:gd name="connsiteX27" fmla="*/ 198221 w 559472"/>
+              <a:gd name="connsiteY27" fmla="*/ 982940 h 3709642"/>
+              <a:gd name="connsiteX28" fmla="*/ 177152 w 559472"/>
+              <a:gd name="connsiteY28" fmla="*/ 858755 h 3709642"/>
+              <a:gd name="connsiteX29" fmla="*/ 155551 w 559472"/>
+              <a:gd name="connsiteY29" fmla="*/ 736861 h 3709642"/>
+              <a:gd name="connsiteX30" fmla="*/ 131782 w 559472"/>
+              <a:gd name="connsiteY30" fmla="*/ 613645 h 3709642"/>
+              <a:gd name="connsiteX31" fmla="*/ 107123 w 559472"/>
+              <a:gd name="connsiteY31" fmla="*/ 490500 h 3709642"/>
+              <a:gd name="connsiteX32" fmla="*/ 82552 w 559472"/>
+              <a:gd name="connsiteY32" fmla="*/ 367348 h 3709642"/>
+              <a:gd name="connsiteX33" fmla="*/ 55608 w 559472"/>
+              <a:gd name="connsiteY33" fmla="*/ 244762 h 3709642"/>
+              <a:gd name="connsiteX34" fmla="*/ 28130 w 559472"/>
+              <a:gd name="connsiteY34" fmla="*/ 122220 h 3709642"/>
+              <a:gd name="connsiteX35" fmla="*/ 0 w 559472"/>
+              <a:gd name="connsiteY35" fmla="*/ 0 h 3709642"/>
+            </a:gdLst>
+            <a:ahLst/>
+            <a:cxnLst>
+              <a:cxn ang="0">
+                <a:pos x="connsiteX0" y="connsiteY0"/>
+              </a:cxn>
+              <a:cxn ang="0">
+                <a:pos x="connsiteX1" y="connsiteY1"/>
+              </a:cxn>
+              <a:cxn ang="0">
+                <a:pos x="connsiteX2" y="connsiteY2"/>
+              </a:cxn>
+              <a:cxn ang="0">
+                <a:pos x="connsiteX3" y="connsiteY3"/>
+              </a:cxn>
+              <a:cxn ang="0">
+                <a:pos x="connsiteX4" y="connsiteY4"/>
+              </a:cxn>
+              <a:cxn ang="0">
+                <a:pos x="connsiteX5" y="connsiteY5"/>
+              </a:cxn>
+              <a:cxn ang="0">
+                <a:pos x="connsiteX6" y="connsiteY6"/>
+              </a:cxn>
+              <a:cxn ang="0">
+                <a:pos x="connsiteX7" y="connsiteY7"/>
+              </a:cxn>
+              <a:cxn ang="0">
+                <a:pos x="connsiteX8" y="connsiteY8"/>
+              </a:cxn>
+              <a:cxn ang="0">
+                <a:pos x="connsiteX9" y="connsiteY9"/>
+              </a:cxn>
+              <a:cxn ang="0">
+                <a:pos x="connsiteX10" y="connsiteY10"/>
+              </a:cxn>
+              <a:cxn ang="0">
+                <a:pos x="connsiteX11" y="connsiteY11"/>
+              </a:cxn>
+              <a:cxn ang="0">
+                <a:pos x="connsiteX12" y="connsiteY12"/>
+              </a:cxn>
+              <a:cxn ang="0">
+                <a:pos x="connsiteX13" y="connsiteY13"/>
+              </a:cxn>
+              <a:cxn ang="0">
+                <a:pos x="connsiteX14" y="connsiteY14"/>
+              </a:cxn>
+              <a:cxn ang="0">
+                <a:pos x="connsiteX15" y="connsiteY15"/>
+              </a:cxn>
+              <a:cxn ang="0">
+                <a:pos x="connsiteX16" y="connsiteY16"/>
+              </a:cxn>
+              <a:cxn ang="0">
+                <a:pos x="connsiteX17" y="connsiteY17"/>
+              </a:cxn>
+              <a:cxn ang="0">
+                <a:pos x="connsiteX18" y="connsiteY18"/>
+              </a:cxn>
+              <a:cxn ang="0">
+                <a:pos x="connsiteX19" y="connsiteY19"/>
+              </a:cxn>
+              <a:cxn ang="0">
+                <a:pos x="connsiteX20" y="connsiteY20"/>
+              </a:cxn>
+              <a:cxn ang="0">
+                <a:pos x="connsiteX21" y="connsiteY21"/>
+              </a:cxn>
+              <a:cxn ang="0">
+                <a:pos x="connsiteX22" y="connsiteY22"/>
+              </a:cxn>
+              <a:cxn ang="0">
+                <a:pos x="connsiteX23" y="connsiteY23"/>
+              </a:cxn>
+              <a:cxn ang="0">
+                <a:pos x="connsiteX24" y="connsiteY24"/>
+              </a:cxn>
+              <a:cxn ang="0">
+                <a:pos x="connsiteX25" y="connsiteY25"/>
+              </a:cxn>
+              <a:cxn ang="0">
+                <a:pos x="connsiteX26" y="connsiteY26"/>
+              </a:cxn>
+              <a:cxn ang="0">
+                <a:pos x="connsiteX27" y="connsiteY27"/>
+              </a:cxn>
+              <a:cxn ang="0">
+                <a:pos x="connsiteX28" y="connsiteY28"/>
+              </a:cxn>
+              <a:cxn ang="0">
+                <a:pos x="connsiteX29" y="connsiteY29"/>
+              </a:cxn>
+              <a:cxn ang="0">
+                <a:pos x="connsiteX30" y="connsiteY30"/>
+              </a:cxn>
+              <a:cxn ang="0">
+                <a:pos x="connsiteX31" y="connsiteY31"/>
+              </a:cxn>
+              <a:cxn ang="0">
+                <a:pos x="connsiteX32" y="connsiteY32"/>
+              </a:cxn>
+              <a:cxn ang="0">
+                <a:pos x="connsiteX33" y="connsiteY33"/>
+              </a:cxn>
+              <a:cxn ang="0">
+                <a:pos x="connsiteX34" y="connsiteY34"/>
+              </a:cxn>
+              <a:cxn ang="0">
+                <a:pos x="connsiteX35" y="connsiteY35"/>
+              </a:cxn>
+            </a:cxnLst>
+            <a:rect l="l" t="t" r="r" b="b"/>
+            <a:pathLst>
+              <a:path w="559472" h="3709642">
+                <a:moveTo>
+                  <a:pt x="0" y="0"/>
+                </a:moveTo>
+                <a:lnTo>
+                  <a:pt x="473952" y="0"/>
+                </a:lnTo>
+                <a:lnTo>
+                  <a:pt x="485840" y="161194"/>
+                </a:lnTo>
+                <a:cubicBezTo>
+                  <a:pt x="552063" y="1147770"/>
+                  <a:pt x="592441" y="3086737"/>
+                  <a:pt x="523949" y="3672197"/>
+                </a:cubicBezTo>
+                <a:cubicBezTo>
+                  <a:pt x="500842" y="3684557"/>
+                  <a:pt x="477855" y="3697282"/>
+                  <a:pt x="454748" y="3709642"/>
+                </a:cubicBezTo>
+                <a:lnTo>
+                  <a:pt x="448224" y="3510471"/>
+                </a:lnTo>
+                <a:lnTo>
+                  <a:pt x="443564" y="3408563"/>
+                </a:lnTo>
+                <a:lnTo>
+                  <a:pt x="438902" y="3304407"/>
+                </a:lnTo>
+                <a:lnTo>
+                  <a:pt x="433941" y="3198777"/>
+                </a:lnTo>
+                <a:lnTo>
+                  <a:pt x="427584" y="3092510"/>
+                </a:lnTo>
+                <a:lnTo>
+                  <a:pt x="420988" y="2984390"/>
+                </a:lnTo>
+                <a:lnTo>
+                  <a:pt x="414330" y="2874401"/>
+                </a:lnTo>
+                <a:lnTo>
+                  <a:pt x="406840" y="2762980"/>
+                </a:lnTo>
+                <a:lnTo>
+                  <a:pt x="397745" y="2650566"/>
+                </a:lnTo>
+                <a:lnTo>
+                  <a:pt x="389154" y="2536612"/>
+                </a:lnTo>
+                <a:lnTo>
+                  <a:pt x="379225" y="2421642"/>
+                </a:lnTo>
+                <a:lnTo>
+                  <a:pt x="368316" y="2305627"/>
+                </a:lnTo>
+                <a:lnTo>
+                  <a:pt x="357466" y="2189233"/>
+                </a:lnTo>
+                <a:lnTo>
+                  <a:pt x="344982" y="2071473"/>
+                </a:lnTo>
+                <a:lnTo>
+                  <a:pt x="332466" y="1952216"/>
+                </a:lnTo>
+                <a:lnTo>
+                  <a:pt x="319121" y="1833776"/>
+                </a:lnTo>
+                <a:lnTo>
+                  <a:pt x="304408" y="1713948"/>
+                </a:lnTo>
+                <a:lnTo>
+                  <a:pt x="288685" y="1592703"/>
+                </a:lnTo>
+                <a:lnTo>
+                  <a:pt x="273050" y="1471451"/>
+                </a:lnTo>
+                <a:lnTo>
+                  <a:pt x="255813" y="1350328"/>
+                </a:lnTo>
+                <a:lnTo>
+                  <a:pt x="237060" y="1227080"/>
+                </a:lnTo>
+                <a:lnTo>
+                  <a:pt x="218488" y="1106065"/>
+                </a:lnTo>
+                <a:lnTo>
+                  <a:pt x="198221" y="982940"/>
+                </a:lnTo>
+                <a:lnTo>
+                  <a:pt x="177152" y="858755"/>
+                </a:lnTo>
+                <a:lnTo>
+                  <a:pt x="155551" y="736861"/>
+                </a:lnTo>
+                <a:lnTo>
+                  <a:pt x="131782" y="613645"/>
+                </a:lnTo>
+                <a:lnTo>
+                  <a:pt x="107123" y="490500"/>
+                </a:lnTo>
+                <a:lnTo>
+                  <a:pt x="82552" y="367348"/>
+                </a:lnTo>
+                <a:lnTo>
+                  <a:pt x="55608" y="244762"/>
+                </a:lnTo>
+                <a:lnTo>
+                  <a:pt x="28130" y="122220"/>
+                </a:lnTo>
+                <a:lnTo>
+                  <a:pt x="0" y="0"/>
+                </a:lnTo>
+                <a:close/>
+              </a:path>
+            </a:pathLst>
+          </a:custGeom>
+          <a:solidFill>
+            <a:schemeClr val="bg1">
+              <a:alpha val="20000"/>
+            </a:schemeClr>
+          </a:solidFill>
+          <a:ln>
+            <a:noFill/>
+          </a:ln>
         </p:spPr>
         <p:txBody>
-          <a:bodyPr>
-            <a:normAutofit/>
-          </a:bodyPr>
+          <a:bodyPr rtlCol="0" anchor="ctr"/>
           <a:lstStyle/>
           <a:p>
-            <a:endParaRPr lang="en-GB" sz="3600" dirty="0"/>
-          </a:p>
-          <a:p>
-            <a:endParaRPr lang="en-GB" sz="3600" dirty="0"/>
-          </a:p>
-          <a:p>
-            <a:endParaRPr lang="en-GB" sz="3600" dirty="0"/>
-          </a:p>
-          <a:p>
-            <a:endParaRPr lang="en-NL" sz="3600" dirty="0"/>
+            <a:pPr algn="ctr"/>
+            <a:endParaRPr lang="en-US"/>
           </a:p>
         </p:txBody>
+      </p:sp>
+      <p:sp useBgFill="1">
+        <p:nvSpPr>
+          <p:cNvPr id="2059" name="Freeform: Shape 2058">
+            <a:extLst>
+              <a:ext uri="{FF2B5EF4-FFF2-40B4-BE49-F238E27FC236}">
+                <a16:creationId xmlns:a16="http://schemas.microsoft.com/office/drawing/2014/main" id="{70151CB7-E7DE-4917-B831-01DF9CE01306}"/>
+              </a:ext>
+              <a:ext uri="{C183D7F6-B498-43B3-948B-1728B52AA6E4}">
+                <adec:decorative xmlns:adec="http://schemas.microsoft.com/office/drawing/2017/decorative" val="1"/>
+              </a:ext>
+            </a:extLst>
+          </p:cNvPr>
+          <p:cNvSpPr>
+            <a:spLocks noGrp="1" noRot="1" noChangeAspect="1" noMove="1" noResize="1" noEditPoints="1" noAdjustHandles="1" noChangeArrowheads="1" noChangeShapeType="1" noTextEdit="1"/>
+          </p:cNvSpPr>
+          <p:nvPr>
+            <p:extLst>
+              <p:ext uri="{386F3935-93C4-4BCD-93E2-E3B085C9AB24}">
+                <p16:designElem xmlns:p16="http://schemas.microsoft.com/office/powerpoint/2015/main" val="1"/>
+              </p:ext>
+            </p:extLst>
+          </p:nvPr>
+        </p:nvSpPr>
+        <p:spPr bwMode="gray">
+          <a:xfrm rot="16200000">
+            <a:off x="5270819" y="-63600"/>
+            <a:ext cx="6858001" cy="6985200"/>
+          </a:xfrm>
+          <a:custGeom>
+            <a:avLst/>
+            <a:gdLst>
+              <a:gd name="connsiteX0" fmla="*/ 6858001 w 6858001"/>
+              <a:gd name="connsiteY0" fmla="*/ 1177 h 6985200"/>
+              <a:gd name="connsiteX1" fmla="*/ 6858001 w 6858001"/>
+              <a:gd name="connsiteY1" fmla="*/ 1344715 h 6985200"/>
+              <a:gd name="connsiteX2" fmla="*/ 6858000 w 6858001"/>
+              <a:gd name="connsiteY2" fmla="*/ 1344715 h 6985200"/>
+              <a:gd name="connsiteX3" fmla="*/ 6858000 w 6858001"/>
+              <a:gd name="connsiteY3" fmla="*/ 6985200 h 6985200"/>
+              <a:gd name="connsiteX4" fmla="*/ 0 w 6858001"/>
+              <a:gd name="connsiteY4" fmla="*/ 6985199 h 6985200"/>
+              <a:gd name="connsiteX5" fmla="*/ 0 w 6858001"/>
+              <a:gd name="connsiteY5" fmla="*/ 886772 h 6985200"/>
+              <a:gd name="connsiteX6" fmla="*/ 1 w 6858001"/>
+              <a:gd name="connsiteY6" fmla="*/ 886772 h 6985200"/>
+              <a:gd name="connsiteX7" fmla="*/ 1 w 6858001"/>
+              <a:gd name="connsiteY7" fmla="*/ 0 h 6985200"/>
+              <a:gd name="connsiteX8" fmla="*/ 40463 w 6858001"/>
+              <a:gd name="connsiteY8" fmla="*/ 5883 h 6985200"/>
+              <a:gd name="connsiteX9" fmla="*/ 159107 w 6858001"/>
+              <a:gd name="connsiteY9" fmla="*/ 23196 h 6985200"/>
+              <a:gd name="connsiteX10" fmla="*/ 245518 w 6858001"/>
+              <a:gd name="connsiteY10" fmla="*/ 35299 h 6985200"/>
+              <a:gd name="connsiteX11" fmla="*/ 348388 w 6858001"/>
+              <a:gd name="connsiteY11" fmla="*/ 48073 h 6985200"/>
+              <a:gd name="connsiteX12" fmla="*/ 470460 w 6858001"/>
+              <a:gd name="connsiteY12" fmla="*/ 63369 h 6985200"/>
+              <a:gd name="connsiteX13" fmla="*/ 605563 w 6858001"/>
+              <a:gd name="connsiteY13" fmla="*/ 79506 h 6985200"/>
+              <a:gd name="connsiteX14" fmla="*/ 757810 w 6858001"/>
+              <a:gd name="connsiteY14" fmla="*/ 96483 h 6985200"/>
+              <a:gd name="connsiteX15" fmla="*/ 923774 w 6858001"/>
+              <a:gd name="connsiteY15" fmla="*/ 114469 h 6985200"/>
+              <a:gd name="connsiteX16" fmla="*/ 1104139 w 6858001"/>
+              <a:gd name="connsiteY16" fmla="*/ 132454 h 6985200"/>
+              <a:gd name="connsiteX17" fmla="*/ 1296163 w 6858001"/>
+              <a:gd name="connsiteY17" fmla="*/ 150776 h 6985200"/>
+              <a:gd name="connsiteX18" fmla="*/ 1503275 w 6858001"/>
+              <a:gd name="connsiteY18" fmla="*/ 167753 h 6985200"/>
+              <a:gd name="connsiteX19" fmla="*/ 1719988 w 6858001"/>
+              <a:gd name="connsiteY19" fmla="*/ 184058 h 6985200"/>
+              <a:gd name="connsiteX20" fmla="*/ 1949045 w 6858001"/>
+              <a:gd name="connsiteY20" fmla="*/ 198849 h 6985200"/>
+              <a:gd name="connsiteX21" fmla="*/ 2187703 w 6858001"/>
+              <a:gd name="connsiteY21" fmla="*/ 212969 h 6985200"/>
+              <a:gd name="connsiteX22" fmla="*/ 2436649 w 6858001"/>
+              <a:gd name="connsiteY22" fmla="*/ 226248 h 6985200"/>
+              <a:gd name="connsiteX23" fmla="*/ 2564208 w 6858001"/>
+              <a:gd name="connsiteY23" fmla="*/ 230955 h 6985200"/>
+              <a:gd name="connsiteX24" fmla="*/ 2694509 w 6858001"/>
+              <a:gd name="connsiteY24" fmla="*/ 236165 h 6985200"/>
+              <a:gd name="connsiteX25" fmla="*/ 2826869 w 6858001"/>
+              <a:gd name="connsiteY25" fmla="*/ 241040 h 6985200"/>
+              <a:gd name="connsiteX26" fmla="*/ 2959914 w 6858001"/>
+              <a:gd name="connsiteY26" fmla="*/ 244234 h 6985200"/>
+              <a:gd name="connsiteX27" fmla="*/ 3095702 w 6858001"/>
+              <a:gd name="connsiteY27" fmla="*/ 247091 h 6985200"/>
+              <a:gd name="connsiteX28" fmla="*/ 3232862 w 6858001"/>
+              <a:gd name="connsiteY28" fmla="*/ 250117 h 6985200"/>
+              <a:gd name="connsiteX29" fmla="*/ 3372766 w 6858001"/>
+              <a:gd name="connsiteY29" fmla="*/ 252134 h 6985200"/>
+              <a:gd name="connsiteX30" fmla="*/ 3514040 w 6858001"/>
+              <a:gd name="connsiteY30" fmla="*/ 252134 h 6985200"/>
+              <a:gd name="connsiteX31" fmla="*/ 3656686 w 6858001"/>
+              <a:gd name="connsiteY31" fmla="*/ 253142 h 6985200"/>
+              <a:gd name="connsiteX32" fmla="*/ 3800705 w 6858001"/>
+              <a:gd name="connsiteY32" fmla="*/ 252134 h 6985200"/>
+              <a:gd name="connsiteX33" fmla="*/ 3946780 w 6858001"/>
+              <a:gd name="connsiteY33" fmla="*/ 250117 h 6985200"/>
+              <a:gd name="connsiteX34" fmla="*/ 4092856 w 6858001"/>
+              <a:gd name="connsiteY34" fmla="*/ 248268 h 6985200"/>
+              <a:gd name="connsiteX35" fmla="*/ 4240988 w 6858001"/>
+              <a:gd name="connsiteY35" fmla="*/ 244234 h 6985200"/>
+              <a:gd name="connsiteX36" fmla="*/ 4390492 w 6858001"/>
+              <a:gd name="connsiteY36" fmla="*/ 240032 h 6985200"/>
+              <a:gd name="connsiteX37" fmla="*/ 4539997 w 6858001"/>
+              <a:gd name="connsiteY37" fmla="*/ 235157 h 6985200"/>
+              <a:gd name="connsiteX38" fmla="*/ 4690873 w 6858001"/>
+              <a:gd name="connsiteY38" fmla="*/ 228266 h 6985200"/>
+              <a:gd name="connsiteX39" fmla="*/ 4843120 w 6858001"/>
+              <a:gd name="connsiteY39" fmla="*/ 220029 h 6985200"/>
+              <a:gd name="connsiteX40" fmla="*/ 4996054 w 6858001"/>
+              <a:gd name="connsiteY40" fmla="*/ 212129 h 6985200"/>
+              <a:gd name="connsiteX41" fmla="*/ 5148987 w 6858001"/>
+              <a:gd name="connsiteY41" fmla="*/ 202044 h 6985200"/>
+              <a:gd name="connsiteX42" fmla="*/ 5303978 w 6858001"/>
+              <a:gd name="connsiteY42" fmla="*/ 189941 h 6985200"/>
+              <a:gd name="connsiteX43" fmla="*/ 5456911 w 6858001"/>
+              <a:gd name="connsiteY43" fmla="*/ 177839 h 6985200"/>
+              <a:gd name="connsiteX44" fmla="*/ 5612588 w 6858001"/>
+              <a:gd name="connsiteY44" fmla="*/ 163887 h 6985200"/>
+              <a:gd name="connsiteX45" fmla="*/ 5768950 w 6858001"/>
+              <a:gd name="connsiteY45" fmla="*/ 148591 h 6985200"/>
+              <a:gd name="connsiteX46" fmla="*/ 5923255 w 6858001"/>
+              <a:gd name="connsiteY46" fmla="*/ 132455 h 6985200"/>
+              <a:gd name="connsiteX47" fmla="*/ 6079618 w 6858001"/>
+              <a:gd name="connsiteY47" fmla="*/ 113629 h 6985200"/>
+              <a:gd name="connsiteX48" fmla="*/ 6235294 w 6858001"/>
+              <a:gd name="connsiteY48" fmla="*/ 93458 h 6985200"/>
+              <a:gd name="connsiteX49" fmla="*/ 6391657 w 6858001"/>
+              <a:gd name="connsiteY49" fmla="*/ 73455 h 6985200"/>
+              <a:gd name="connsiteX50" fmla="*/ 6547333 w 6858001"/>
+              <a:gd name="connsiteY50" fmla="*/ 50091 h 6985200"/>
+              <a:gd name="connsiteX51" fmla="*/ 6702324 w 6858001"/>
+              <a:gd name="connsiteY51" fmla="*/ 26222 h 6985200"/>
+            </a:gdLst>
+            <a:ahLst/>
+            <a:cxnLst>
+              <a:cxn ang="0">
+                <a:pos x="connsiteX0" y="connsiteY0"/>
+              </a:cxn>
+              <a:cxn ang="0">
+                <a:pos x="connsiteX1" y="connsiteY1"/>
+              </a:cxn>
+              <a:cxn ang="0">
+                <a:pos x="connsiteX2" y="connsiteY2"/>
+              </a:cxn>
+              <a:cxn ang="0">
+                <a:pos x="connsiteX3" y="connsiteY3"/>
+              </a:cxn>
+              <a:cxn ang="0">
+                <a:pos x="connsiteX4" y="connsiteY4"/>
+              </a:cxn>
+              <a:cxn ang="0">
+                <a:pos x="connsiteX5" y="connsiteY5"/>
+              </a:cxn>
+              <a:cxn ang="0">
+                <a:pos x="connsiteX6" y="connsiteY6"/>
+              </a:cxn>
+              <a:cxn ang="0">
+                <a:pos x="connsiteX7" y="connsiteY7"/>
+              </a:cxn>
+              <a:cxn ang="0">
+                <a:pos x="connsiteX8" y="connsiteY8"/>
+              </a:cxn>
+              <a:cxn ang="0">
+                <a:pos x="connsiteX9" y="connsiteY9"/>
+              </a:cxn>
+              <a:cxn ang="0">
+                <a:pos x="connsiteX10" y="connsiteY10"/>
+              </a:cxn>
+              <a:cxn ang="0">
+                <a:pos x="connsiteX11" y="connsiteY11"/>
+              </a:cxn>
+              <a:cxn ang="0">
+                <a:pos x="connsiteX12" y="connsiteY12"/>
+              </a:cxn>
+              <a:cxn ang="0">
+                <a:pos x="connsiteX13" y="connsiteY13"/>
+              </a:cxn>
+              <a:cxn ang="0">
+                <a:pos x="connsiteX14" y="connsiteY14"/>
+              </a:cxn>
+              <a:cxn ang="0">
+                <a:pos x="connsiteX15" y="connsiteY15"/>
+              </a:cxn>
+              <a:cxn ang="0">
+                <a:pos x="connsiteX16" y="connsiteY16"/>
+              </a:cxn>
+              <a:cxn ang="0">
+                <a:pos x="connsiteX17" y="connsiteY17"/>
+              </a:cxn>
+              <a:cxn ang="0">
+                <a:pos x="connsiteX18" y="connsiteY18"/>
+              </a:cxn>
+              <a:cxn ang="0">
+                <a:pos x="connsiteX19" y="connsiteY19"/>
+              </a:cxn>
+              <a:cxn ang="0">
+                <a:pos x="connsiteX20" y="connsiteY20"/>
+              </a:cxn>
+              <a:cxn ang="0">
+                <a:pos x="connsiteX21" y="connsiteY21"/>
+              </a:cxn>
+              <a:cxn ang="0">
+                <a:pos x="connsiteX22" y="connsiteY22"/>
+              </a:cxn>
+              <a:cxn ang="0">
+                <a:pos x="connsiteX23" y="connsiteY23"/>
+              </a:cxn>
+              <a:cxn ang="0">
+                <a:pos x="connsiteX24" y="connsiteY24"/>
+              </a:cxn>
+              <a:cxn ang="0">
+                <a:pos x="connsiteX25" y="connsiteY25"/>
+              </a:cxn>
+              <a:cxn ang="0">
+                <a:pos x="connsiteX26" y="connsiteY26"/>
+              </a:cxn>
+              <a:cxn ang="0">
+                <a:pos x="connsiteX27" y="connsiteY27"/>
+              </a:cxn>
+              <a:cxn ang="0">
+                <a:pos x="connsiteX28" y="connsiteY28"/>
+              </a:cxn>
+              <a:cxn ang="0">
+                <a:pos x="connsiteX29" y="connsiteY29"/>
+              </a:cxn>
+              <a:cxn ang="0">
+                <a:pos x="connsiteX30" y="connsiteY30"/>
+              </a:cxn>
+              <a:cxn ang="0">
+                <a:pos x="connsiteX31" y="connsiteY31"/>
+              </a:cxn>
+              <a:cxn ang="0">
+                <a:pos x="connsiteX32" y="connsiteY32"/>
+              </a:cxn>
+              <a:cxn ang="0">
+                <a:pos x="connsiteX33" y="connsiteY33"/>
+              </a:cxn>
+              <a:cxn ang="0">
+                <a:pos x="connsiteX34" y="connsiteY34"/>
+              </a:cxn>
+              <a:cxn ang="0">
+                <a:pos x="connsiteX35" y="connsiteY35"/>
+              </a:cxn>
+              <a:cxn ang="0">
+                <a:pos x="connsiteX36" y="connsiteY36"/>
+              </a:cxn>
+              <a:cxn ang="0">
+                <a:pos x="connsiteX37" y="connsiteY37"/>
+              </a:cxn>
+              <a:cxn ang="0">
+                <a:pos x="connsiteX38" y="connsiteY38"/>
+              </a:cxn>
+              <a:cxn ang="0">
+                <a:pos x="connsiteX39" y="connsiteY39"/>
+              </a:cxn>
+              <a:cxn ang="0">
+                <a:pos x="connsiteX40" y="connsiteY40"/>
+              </a:cxn>
+              <a:cxn ang="0">
+                <a:pos x="connsiteX41" y="connsiteY41"/>
+              </a:cxn>
+              <a:cxn ang="0">
+                <a:pos x="connsiteX42" y="connsiteY42"/>
+              </a:cxn>
+              <a:cxn ang="0">
+                <a:pos x="connsiteX43" y="connsiteY43"/>
+              </a:cxn>
+              <a:cxn ang="0">
+                <a:pos x="connsiteX44" y="connsiteY44"/>
+              </a:cxn>
+              <a:cxn ang="0">
+                <a:pos x="connsiteX45" y="connsiteY45"/>
+              </a:cxn>
+              <a:cxn ang="0">
+                <a:pos x="connsiteX46" y="connsiteY46"/>
+              </a:cxn>
+              <a:cxn ang="0">
+                <a:pos x="connsiteX47" y="connsiteY47"/>
+              </a:cxn>
+              <a:cxn ang="0">
+                <a:pos x="connsiteX48" y="connsiteY48"/>
+              </a:cxn>
+              <a:cxn ang="0">
+                <a:pos x="connsiteX49" y="connsiteY49"/>
+              </a:cxn>
+              <a:cxn ang="0">
+                <a:pos x="connsiteX50" y="connsiteY50"/>
+              </a:cxn>
+              <a:cxn ang="0">
+                <a:pos x="connsiteX51" y="connsiteY51"/>
+              </a:cxn>
+            </a:cxnLst>
+            <a:rect l="l" t="t" r="r" b="b"/>
+            <a:pathLst>
+              <a:path w="6858001" h="6985200">
+                <a:moveTo>
+                  <a:pt x="6858001" y="1177"/>
+                </a:moveTo>
+                <a:lnTo>
+                  <a:pt x="6858001" y="1344715"/>
+                </a:lnTo>
+                <a:lnTo>
+                  <a:pt x="6858000" y="1344715"/>
+                </a:lnTo>
+                <a:lnTo>
+                  <a:pt x="6858000" y="6985200"/>
+                </a:lnTo>
+                <a:lnTo>
+                  <a:pt x="0" y="6985199"/>
+                </a:lnTo>
+                <a:lnTo>
+                  <a:pt x="0" y="886772"/>
+                </a:lnTo>
+                <a:lnTo>
+                  <a:pt x="1" y="886772"/>
+                </a:lnTo>
+                <a:lnTo>
+                  <a:pt x="1" y="0"/>
+                </a:lnTo>
+                <a:lnTo>
+                  <a:pt x="40463" y="5883"/>
+                </a:lnTo>
+                <a:lnTo>
+                  <a:pt x="159107" y="23196"/>
+                </a:lnTo>
+                <a:lnTo>
+                  <a:pt x="245518" y="35299"/>
+                </a:lnTo>
+                <a:lnTo>
+                  <a:pt x="348388" y="48073"/>
+                </a:lnTo>
+                <a:lnTo>
+                  <a:pt x="470460" y="63369"/>
+                </a:lnTo>
+                <a:lnTo>
+                  <a:pt x="605563" y="79506"/>
+                </a:lnTo>
+                <a:lnTo>
+                  <a:pt x="757810" y="96483"/>
+                </a:lnTo>
+                <a:lnTo>
+                  <a:pt x="923774" y="114469"/>
+                </a:lnTo>
+                <a:lnTo>
+                  <a:pt x="1104139" y="132454"/>
+                </a:lnTo>
+                <a:lnTo>
+                  <a:pt x="1296163" y="150776"/>
+                </a:lnTo>
+                <a:lnTo>
+                  <a:pt x="1503275" y="167753"/>
+                </a:lnTo>
+                <a:lnTo>
+                  <a:pt x="1719988" y="184058"/>
+                </a:lnTo>
+                <a:lnTo>
+                  <a:pt x="1949045" y="198849"/>
+                </a:lnTo>
+                <a:lnTo>
+                  <a:pt x="2187703" y="212969"/>
+                </a:lnTo>
+                <a:lnTo>
+                  <a:pt x="2436649" y="226248"/>
+                </a:lnTo>
+                <a:lnTo>
+                  <a:pt x="2564208" y="230955"/>
+                </a:lnTo>
+                <a:lnTo>
+                  <a:pt x="2694509" y="236165"/>
+                </a:lnTo>
+                <a:lnTo>
+                  <a:pt x="2826869" y="241040"/>
+                </a:lnTo>
+                <a:lnTo>
+                  <a:pt x="2959914" y="244234"/>
+                </a:lnTo>
+                <a:lnTo>
+                  <a:pt x="3095702" y="247091"/>
+                </a:lnTo>
+                <a:lnTo>
+                  <a:pt x="3232862" y="250117"/>
+                </a:lnTo>
+                <a:lnTo>
+                  <a:pt x="3372766" y="252134"/>
+                </a:lnTo>
+                <a:lnTo>
+                  <a:pt x="3514040" y="252134"/>
+                </a:lnTo>
+                <a:lnTo>
+                  <a:pt x="3656686" y="253142"/>
+                </a:lnTo>
+                <a:lnTo>
+                  <a:pt x="3800705" y="252134"/>
+                </a:lnTo>
+                <a:lnTo>
+                  <a:pt x="3946780" y="250117"/>
+                </a:lnTo>
+                <a:lnTo>
+                  <a:pt x="4092856" y="248268"/>
+                </a:lnTo>
+                <a:lnTo>
+                  <a:pt x="4240988" y="244234"/>
+                </a:lnTo>
+                <a:lnTo>
+                  <a:pt x="4390492" y="240032"/>
+                </a:lnTo>
+                <a:lnTo>
+                  <a:pt x="4539997" y="235157"/>
+                </a:lnTo>
+                <a:lnTo>
+                  <a:pt x="4690873" y="228266"/>
+                </a:lnTo>
+                <a:lnTo>
+                  <a:pt x="4843120" y="220029"/>
+                </a:lnTo>
+                <a:lnTo>
+                  <a:pt x="4996054" y="212129"/>
+                </a:lnTo>
+                <a:lnTo>
+                  <a:pt x="5148987" y="202044"/>
+                </a:lnTo>
+                <a:lnTo>
+                  <a:pt x="5303978" y="189941"/>
+                </a:lnTo>
+                <a:lnTo>
+                  <a:pt x="5456911" y="177839"/>
+                </a:lnTo>
+                <a:lnTo>
+                  <a:pt x="5612588" y="163887"/>
+                </a:lnTo>
+                <a:lnTo>
+                  <a:pt x="5768950" y="148591"/>
+                </a:lnTo>
+                <a:lnTo>
+                  <a:pt x="5923255" y="132455"/>
+                </a:lnTo>
+                <a:lnTo>
+                  <a:pt x="6079618" y="113629"/>
+                </a:lnTo>
+                <a:lnTo>
+                  <a:pt x="6235294" y="93458"/>
+                </a:lnTo>
+                <a:lnTo>
+                  <a:pt x="6391657" y="73455"/>
+                </a:lnTo>
+                <a:lnTo>
+                  <a:pt x="6547333" y="50091"/>
+                </a:lnTo>
+                <a:lnTo>
+                  <a:pt x="6702324" y="26222"/>
+                </a:lnTo>
+                <a:close/>
+              </a:path>
+            </a:pathLst>
+          </a:custGeom>
+          <a:ln>
+            <a:noFill/>
+          </a:ln>
+        </p:spPr>
+      </p:sp>
+      <p:pic>
+        <p:nvPicPr>
+          <p:cNvPr id="2050" name="Picture 2">
+            <a:extLst>
+              <a:ext uri="{FF2B5EF4-FFF2-40B4-BE49-F238E27FC236}">
+                <a16:creationId xmlns:a16="http://schemas.microsoft.com/office/drawing/2014/main" id="{3B454261-D58C-0071-D195-055EBBC1E7EC}"/>
+              </a:ext>
+            </a:extLst>
+          </p:cNvPr>
+          <p:cNvPicPr>
+            <a:picLocks noChangeAspect="1" noChangeArrowheads="1"/>
+          </p:cNvPicPr>
+          <p:nvPr/>
+        </p:nvPicPr>
+        <p:blipFill>
+          <a:blip r:embed="rId2">
+            <a:extLst>
+              <a:ext uri="{28A0092B-C50C-407E-A947-70E740481C1C}">
+                <a14:useLocalDpi xmlns:a14="http://schemas.microsoft.com/office/drawing/2010/main" val="0"/>
+              </a:ext>
+            </a:extLst>
+          </a:blip>
+          <a:stretch>
+            <a:fillRect/>
+          </a:stretch>
+        </p:blipFill>
+        <p:spPr bwMode="auto">
+          <a:xfrm>
+            <a:off x="6093992" y="778990"/>
+            <a:ext cx="5449889" cy="5300016"/>
+          </a:xfrm>
+          <a:prstGeom prst="rect">
+            <a:avLst/>
+          </a:prstGeom>
+          <a:noFill/>
+          <a:effectLst/>
+          <a:extLst>
+            <a:ext uri="{909E8E84-426E-40DD-AFC4-6F175D3DCCD1}">
+              <a14:hiddenFill xmlns:a14="http://schemas.microsoft.com/office/drawing/2010/main">
+                <a:solidFill>
+                  <a:srgbClr val="FFFFFF"/>
+                </a:solidFill>
+              </a14:hiddenFill>
+            </a:ext>
+          </a:extLst>
+        </p:spPr>
+      </p:pic>
+      <p:sp>
+        <p:nvSpPr>
+          <p:cNvPr id="2061" name="Rectangle 2060">
+            <a:extLst>
+              <a:ext uri="{FF2B5EF4-FFF2-40B4-BE49-F238E27FC236}">
+                <a16:creationId xmlns:a16="http://schemas.microsoft.com/office/drawing/2014/main" id="{A92A1116-1C84-41DF-B803-1F7B0883EC82}"/>
+              </a:ext>
+              <a:ext uri="{C183D7F6-B498-43B3-948B-1728B52AA6E4}">
+                <adec:decorative xmlns:adec="http://schemas.microsoft.com/office/drawing/2017/decorative" val="1"/>
+              </a:ext>
+            </a:extLst>
+          </p:cNvPr>
+          <p:cNvSpPr>
+            <a:spLocks noGrp="1" noRot="1" noChangeAspect="1" noMove="1" noResize="1" noEditPoints="1" noAdjustHandles="1" noChangeArrowheads="1" noChangeShapeType="1" noTextEdit="1"/>
+          </p:cNvSpPr>
+          <p:nvPr>
+            <p:extLst>
+              <p:ext uri="{386F3935-93C4-4BCD-93E2-E3B085C9AB24}">
+                <p16:designElem xmlns:p16="http://schemas.microsoft.com/office/powerpoint/2015/main" val="1"/>
+              </p:ext>
+            </p:extLst>
+          </p:nvPr>
+        </p:nvSpPr>
+        <p:spPr>
+          <a:xfrm>
+            <a:off x="10442448" y="0"/>
+            <a:ext cx="685800" cy="1143000"/>
+          </a:xfrm>
+          <a:prstGeom prst="rect">
+            <a:avLst/>
+          </a:prstGeom>
+          <a:solidFill>
+            <a:schemeClr val="accent1"/>
+          </a:solidFill>
+          <a:ln>
+            <a:noFill/>
+          </a:ln>
+        </p:spPr>
+        <p:style>
+          <a:lnRef idx="1">
+            <a:schemeClr val="accent1"/>
+          </a:lnRef>
+          <a:fillRef idx="3">
+            <a:schemeClr val="accent1"/>
+          </a:fillRef>
+          <a:effectRef idx="2">
+            <a:schemeClr val="accent1"/>
+          </a:effectRef>
+          <a:fontRef idx="minor">
+            <a:schemeClr val="lt1"/>
+          </a:fontRef>
+        </p:style>
       </p:sp>
     </p:spTree>
     <p:extLst>
       <p:ext uri="{BB962C8B-B14F-4D97-AF65-F5344CB8AC3E}">
-        <p14:creationId xmlns:p14="http://schemas.microsoft.com/office/powerpoint/2010/main" val="2165285972"/>
+        <p14:creationId xmlns:p14="http://schemas.microsoft.com/office/powerpoint/2010/main" val="1211265139"/>
       </p:ext>
     </p:extLst>
   </p:cSld>
   <p:clrMapOvr>
-    <a:masterClrMapping/>
+    <a:overrideClrMapping bg1="lt1" tx1="dk1" bg2="lt2" tx2="dk2" accent1="accent1" accent2="accent2" accent3="accent3" accent4="accent4" accent5="accent5" accent6="accent6" hlink="hlink" folHlink="folHlink"/>
   </p:clrMapOvr>
 </p:sld>
 </file>
@@ -15199,21 +19887,21 @@
 </file>
 
 <file path=customXml/item1.xml><?xml version="1.0" encoding="utf-8"?>
+<p:properties xmlns:p="http://schemas.microsoft.com/office/2006/metadata/properties" xmlns:xsi="http://www.w3.org/2001/XMLSchema-instance" xmlns:pc="http://schemas.microsoft.com/office/infopath/2007/PartnerControls">
+  <documentManagement>
+    <Status xmlns="71af3243-3dd4-4a8d-8c0d-dd76da1f02a5">Not started</Status>
+    <MediaServiceKeyPoints xmlns="71af3243-3dd4-4a8d-8c0d-dd76da1f02a5" xsi:nil="true"/>
+  </documentManagement>
+</p:properties>
+</file>
+
+<file path=customXml/item2.xml><?xml version="1.0" encoding="utf-8"?>
 <?mso-contentType ?>
 <FormTemplates xmlns="http://schemas.microsoft.com/sharepoint/v3/contenttype/forms">
   <Display>DocumentLibraryForm</Display>
   <Edit>DocumentLibraryForm</Edit>
   <New>DocumentLibraryForm</New>
 </FormTemplates>
-</file>
-
-<file path=customXml/item2.xml><?xml version="1.0" encoding="utf-8"?>
-<p:properties xmlns:p="http://schemas.microsoft.com/office/2006/metadata/properties" xmlns:xsi="http://www.w3.org/2001/XMLSchema-instance" xmlns:pc="http://schemas.microsoft.com/office/infopath/2007/PartnerControls">
-  <documentManagement>
-    <Status xmlns="71af3243-3dd4-4a8d-8c0d-dd76da1f02a5">Not started</Status>
-    <MediaServiceKeyPoints xmlns="71af3243-3dd4-4a8d-8c0d-dd76da1f02a5" xsi:nil="true"/>
-  </documentManagement>
-</p:properties>
 </file>
 
 <file path=customXml/item3.xml><?xml version="1.0" encoding="utf-8"?>
@@ -15438,19 +20126,19 @@
 </file>
 
 <file path=customXml/itemProps1.xml><?xml version="1.0" encoding="utf-8"?>
-<ds:datastoreItem xmlns:ds="http://schemas.openxmlformats.org/officeDocument/2006/customXml" ds:itemID="{64B270AB-C138-415C-897E-3C24487DECF1}">
+<ds:datastoreItem xmlns:ds="http://schemas.openxmlformats.org/officeDocument/2006/customXml" ds:itemID="{2C4C00F4-06E9-43E3-AD97-88A857CEFA82}">
   <ds:schemaRefs>
-    <ds:schemaRef ds:uri="http://schemas.microsoft.com/sharepoint/v3/contenttype/forms"/>
+    <ds:schemaRef ds:uri="http://schemas.microsoft.com/office/2006/metadata/properties"/>
+    <ds:schemaRef ds:uri="http://schemas.microsoft.com/office/infopath/2007/PartnerControls"/>
+    <ds:schemaRef ds:uri="71af3243-3dd4-4a8d-8c0d-dd76da1f02a5"/>
   </ds:schemaRefs>
 </ds:datastoreItem>
 </file>
 
 <file path=customXml/itemProps2.xml><?xml version="1.0" encoding="utf-8"?>
-<ds:datastoreItem xmlns:ds="http://schemas.openxmlformats.org/officeDocument/2006/customXml" ds:itemID="{2C4C00F4-06E9-43E3-AD97-88A857CEFA82}">
+<ds:datastoreItem xmlns:ds="http://schemas.openxmlformats.org/officeDocument/2006/customXml" ds:itemID="{64B270AB-C138-415C-897E-3C24487DECF1}">
   <ds:schemaRefs>
-    <ds:schemaRef ds:uri="http://schemas.microsoft.com/office/2006/metadata/properties"/>
-    <ds:schemaRef ds:uri="http://schemas.microsoft.com/office/infopath/2007/PartnerControls"/>
-    <ds:schemaRef ds:uri="71af3243-3dd4-4a8d-8c0d-dd76da1f02a5"/>
+    <ds:schemaRef ds:uri="http://schemas.microsoft.com/sharepoint/v3/contenttype/forms"/>
   </ds:schemaRefs>
 </ds:datastoreItem>
 </file>
